--- a/DMaC_slides.pptx
+++ b/DMaC_slides.pptx
@@ -2,10 +2,10 @@
 <file path=ppt/presentation.xml><?xml version="1.0" encoding="utf-8"?>
 <p:presentation xmlns:a="http://schemas.openxmlformats.org/drawingml/2006/main" xmlns:r="http://schemas.openxmlformats.org/officeDocument/2006/relationships" xmlns:p="http://schemas.openxmlformats.org/presentationml/2006/main" saveSubsetFonts="1" autoCompressPictures="0">
   <p:sldMasterIdLst>
-    <p:sldMasterId id="2147483648" r:id="rId1"/>
+    <p:sldMasterId id="2147483660" r:id="rId1"/>
   </p:sldMasterIdLst>
   <p:notesMasterIdLst>
-    <p:notesMasterId r:id="rId17"/>
+    <p:notesMasterId r:id="rId16"/>
   </p:notesMasterIdLst>
   <p:sldIdLst>
     <p:sldId id="256" r:id="rId2"/>
@@ -17,12 +17,11 @@
     <p:sldId id="262" r:id="rId8"/>
     <p:sldId id="269" r:id="rId9"/>
     <p:sldId id="270" r:id="rId10"/>
-    <p:sldId id="271" r:id="rId11"/>
-    <p:sldId id="273" r:id="rId12"/>
-    <p:sldId id="268" r:id="rId13"/>
-    <p:sldId id="265" r:id="rId14"/>
-    <p:sldId id="266" r:id="rId15"/>
-    <p:sldId id="267" r:id="rId16"/>
+    <p:sldId id="273" r:id="rId11"/>
+    <p:sldId id="268" r:id="rId12"/>
+    <p:sldId id="265" r:id="rId13"/>
+    <p:sldId id="266" r:id="rId14"/>
+    <p:sldId id="267" r:id="rId15"/>
   </p:sldIdLst>
   <p:sldSz cx="9144000" cy="6858000" type="screen4x3"/>
   <p:notesSz cx="7315200" cy="9601200"/>
@@ -222,7 +221,7 @@
           <a:p>
             <a:fld id="{47405864-6BE4-4A13-9E96-5FDE9D8AC857}" type="datetimeFigureOut">
               <a:rPr lang="en-US" smtClean="0"/>
-              <a:t>3/11/2025</a:t>
+              <a:t>3/12/2025</a:t>
             </a:fld>
             <a:endParaRPr lang="en-US"/>
           </a:p>
@@ -585,7 +584,7 @@
           <a:p>
             <a:fld id="{E5ED95D1-4C73-444C-BDB4-A4B5150725E4}" type="slidenum">
               <a:rPr lang="en-US" smtClean="0"/>
-              <a:t>12</a:t>
+              <a:t>11</a:t>
             </a:fld>
             <a:endParaRPr lang="en-US"/>
           </a:p>
@@ -801,7 +800,7 @@
           <a:p>
             <a:fld id="{E5ED95D1-4C73-444C-BDB4-A4B5150725E4}" type="slidenum">
               <a:rPr lang="en-US" smtClean="0"/>
-              <a:t>13</a:t>
+              <a:t>12</a:t>
             </a:fld>
             <a:endParaRPr lang="en-US"/>
           </a:p>
@@ -821,7 +820,7 @@
 </file>
 
 <file path=ppt/slideLayouts/slideLayout1.xml><?xml version="1.0" encoding="utf-8"?>
-<p:sldLayout xmlns:a="http://schemas.openxmlformats.org/drawingml/2006/main" xmlns:r="http://schemas.openxmlformats.org/officeDocument/2006/relationships" xmlns:p="http://schemas.openxmlformats.org/presentationml/2006/main" type="title" preserve="1">
+<p:sldLayout xmlns:a="http://schemas.openxmlformats.org/drawingml/2006/main" xmlns:r="http://schemas.openxmlformats.org/officeDocument/2006/relationships" xmlns:p="http://schemas.openxmlformats.org/presentationml/2006/main" showMasterSp="0" type="title" preserve="1">
   <p:cSld name="Title Slide">
     <p:spTree>
       <p:nvGrpSpPr>
@@ -837,6 +836,608 @@
           <a:chExt cx="0" cy="0"/>
         </a:xfrm>
       </p:grpSpPr>
+      <p:grpSp>
+        <p:nvGrpSpPr>
+          <p:cNvPr id="7" name="Group 6"/>
+          <p:cNvGrpSpPr/>
+          <p:nvPr/>
+        </p:nvGrpSpPr>
+        <p:grpSpPr>
+          <a:xfrm>
+            <a:off x="-8466" y="-8468"/>
+            <a:ext cx="9169804" cy="6874935"/>
+            <a:chOff x="-8466" y="-8468"/>
+            <a:chExt cx="9169804" cy="6874935"/>
+          </a:xfrm>
+        </p:grpSpPr>
+        <p:cxnSp>
+          <p:nvCxnSpPr>
+            <p:cNvPr id="17" name="Straight Connector 16"/>
+            <p:cNvCxnSpPr/>
+            <p:nvPr/>
+          </p:nvCxnSpPr>
+          <p:spPr>
+            <a:xfrm flipV="1">
+              <a:off x="5130830" y="4175605"/>
+              <a:ext cx="4022475" cy="2682396"/>
+            </a:xfrm>
+            <a:prstGeom prst="line">
+              <a:avLst/>
+            </a:prstGeom>
+            <a:ln w="9525">
+              <a:solidFill>
+                <a:schemeClr val="bg1">
+                  <a:lumMod val="85000"/>
+                </a:schemeClr>
+              </a:solidFill>
+            </a:ln>
+          </p:spPr>
+          <p:style>
+            <a:lnRef idx="2">
+              <a:schemeClr val="accent1"/>
+            </a:lnRef>
+            <a:fillRef idx="0">
+              <a:schemeClr val="accent1"/>
+            </a:fillRef>
+            <a:effectRef idx="1">
+              <a:schemeClr val="accent1"/>
+            </a:effectRef>
+            <a:fontRef idx="minor">
+              <a:schemeClr val="tx1"/>
+            </a:fontRef>
+          </p:style>
+        </p:cxnSp>
+        <p:cxnSp>
+          <p:nvCxnSpPr>
+            <p:cNvPr id="18" name="Straight Connector 17"/>
+            <p:cNvCxnSpPr/>
+            <p:nvPr/>
+          </p:nvCxnSpPr>
+          <p:spPr>
+            <a:xfrm>
+              <a:off x="7042707" y="0"/>
+              <a:ext cx="1219200" cy="6858000"/>
+            </a:xfrm>
+            <a:prstGeom prst="line">
+              <a:avLst/>
+            </a:prstGeom>
+            <a:ln w="9525">
+              <a:solidFill>
+                <a:schemeClr val="bg1">
+                  <a:lumMod val="75000"/>
+                </a:schemeClr>
+              </a:solidFill>
+            </a:ln>
+          </p:spPr>
+          <p:style>
+            <a:lnRef idx="2">
+              <a:schemeClr val="accent1"/>
+            </a:lnRef>
+            <a:fillRef idx="0">
+              <a:schemeClr val="accent1"/>
+            </a:fillRef>
+            <a:effectRef idx="1">
+              <a:schemeClr val="accent1"/>
+            </a:effectRef>
+            <a:fontRef idx="minor">
+              <a:schemeClr val="tx1"/>
+            </a:fontRef>
+          </p:style>
+        </p:cxnSp>
+        <p:sp>
+          <p:nvSpPr>
+            <p:cNvPr id="19" name="Freeform 18"/>
+            <p:cNvSpPr/>
+            <p:nvPr/>
+          </p:nvSpPr>
+          <p:spPr>
+            <a:xfrm>
+              <a:off x="6891896" y="1"/>
+              <a:ext cx="2269442" cy="6866466"/>
+            </a:xfrm>
+            <a:custGeom>
+              <a:avLst/>
+              <a:gdLst/>
+              <a:ahLst/>
+              <a:cxnLst/>
+              <a:rect l="l" t="t" r="r" b="b"/>
+              <a:pathLst>
+                <a:path w="2269442" h="6866466">
+                  <a:moveTo>
+                    <a:pt x="2023534" y="0"/>
+                  </a:moveTo>
+                  <a:lnTo>
+                    <a:pt x="0" y="6858000"/>
+                  </a:lnTo>
+                  <a:lnTo>
+                    <a:pt x="2269067" y="6866466"/>
+                  </a:lnTo>
+                  <a:cubicBezTo>
+                    <a:pt x="2271889" y="4580466"/>
+                    <a:pt x="2257778" y="2294466"/>
+                    <a:pt x="2260600" y="8466"/>
+                  </a:cubicBezTo>
+                  <a:lnTo>
+                    <a:pt x="2023534" y="0"/>
+                  </a:lnTo>
+                  <a:close/>
+                </a:path>
+              </a:pathLst>
+            </a:custGeom>
+            <a:solidFill>
+              <a:schemeClr val="accent1">
+                <a:alpha val="30000"/>
+              </a:schemeClr>
+            </a:solidFill>
+            <a:ln>
+              <a:noFill/>
+            </a:ln>
+            <a:effectLst/>
+          </p:spPr>
+          <p:style>
+            <a:lnRef idx="1">
+              <a:schemeClr val="accent1"/>
+            </a:lnRef>
+            <a:fillRef idx="3">
+              <a:schemeClr val="accent1"/>
+            </a:fillRef>
+            <a:effectRef idx="2">
+              <a:schemeClr val="accent1"/>
+            </a:effectRef>
+            <a:fontRef idx="minor">
+              <a:schemeClr val="lt1"/>
+            </a:fontRef>
+          </p:style>
+        </p:sp>
+        <p:sp>
+          <p:nvSpPr>
+            <p:cNvPr id="20" name="Freeform 19"/>
+            <p:cNvSpPr/>
+            <p:nvPr/>
+          </p:nvSpPr>
+          <p:spPr>
+            <a:xfrm>
+              <a:off x="7205158" y="-8467"/>
+              <a:ext cx="1948147" cy="6866467"/>
+            </a:xfrm>
+            <a:custGeom>
+              <a:avLst/>
+              <a:gdLst/>
+              <a:ahLst/>
+              <a:cxnLst/>
+              <a:rect l="l" t="t" r="r" b="b"/>
+              <a:pathLst>
+                <a:path w="1948147" h="6866467">
+                  <a:moveTo>
+                    <a:pt x="0" y="0"/>
+                  </a:moveTo>
+                  <a:lnTo>
+                    <a:pt x="1202267" y="6866467"/>
+                  </a:lnTo>
+                  <a:lnTo>
+                    <a:pt x="1947333" y="6866467"/>
+                  </a:lnTo>
+                  <a:cubicBezTo>
+                    <a:pt x="1944511" y="4577645"/>
+                    <a:pt x="1950155" y="2288822"/>
+                    <a:pt x="1947333" y="0"/>
+                  </a:cubicBezTo>
+                  <a:lnTo>
+                    <a:pt x="0" y="0"/>
+                  </a:lnTo>
+                  <a:close/>
+                </a:path>
+              </a:pathLst>
+            </a:custGeom>
+            <a:solidFill>
+              <a:schemeClr val="accent1">
+                <a:alpha val="20000"/>
+              </a:schemeClr>
+            </a:solidFill>
+            <a:ln>
+              <a:noFill/>
+            </a:ln>
+            <a:effectLst/>
+          </p:spPr>
+          <p:style>
+            <a:lnRef idx="1">
+              <a:schemeClr val="accent1"/>
+            </a:lnRef>
+            <a:fillRef idx="3">
+              <a:schemeClr val="accent1"/>
+            </a:fillRef>
+            <a:effectRef idx="2">
+              <a:schemeClr val="accent1"/>
+            </a:effectRef>
+            <a:fontRef idx="minor">
+              <a:schemeClr val="lt1"/>
+            </a:fontRef>
+          </p:style>
+        </p:sp>
+        <p:sp>
+          <p:nvSpPr>
+            <p:cNvPr id="21" name="Freeform 20"/>
+            <p:cNvSpPr/>
+            <p:nvPr/>
+          </p:nvSpPr>
+          <p:spPr>
+            <a:xfrm>
+              <a:off x="6637896" y="3920066"/>
+              <a:ext cx="2513565" cy="2937933"/>
+            </a:xfrm>
+            <a:custGeom>
+              <a:avLst/>
+              <a:gdLst/>
+              <a:ahLst/>
+              <a:cxnLst/>
+              <a:rect l="l" t="t" r="r" b="b"/>
+              <a:pathLst>
+                <a:path w="3259667" h="3810000">
+                  <a:moveTo>
+                    <a:pt x="0" y="3810000"/>
+                  </a:moveTo>
+                  <a:lnTo>
+                    <a:pt x="3251200" y="0"/>
+                  </a:lnTo>
+                  <a:cubicBezTo>
+                    <a:pt x="3254022" y="1270000"/>
+                    <a:pt x="3256845" y="2540000"/>
+                    <a:pt x="3259667" y="3810000"/>
+                  </a:cubicBezTo>
+                  <a:lnTo>
+                    <a:pt x="0" y="3810000"/>
+                  </a:lnTo>
+                  <a:close/>
+                </a:path>
+              </a:pathLst>
+            </a:custGeom>
+            <a:solidFill>
+              <a:schemeClr val="accent2">
+                <a:alpha val="72000"/>
+              </a:schemeClr>
+            </a:solidFill>
+            <a:ln>
+              <a:noFill/>
+            </a:ln>
+            <a:effectLst/>
+          </p:spPr>
+          <p:style>
+            <a:lnRef idx="1">
+              <a:schemeClr val="accent1"/>
+            </a:lnRef>
+            <a:fillRef idx="3">
+              <a:schemeClr val="accent1"/>
+            </a:fillRef>
+            <a:effectRef idx="2">
+              <a:schemeClr val="accent1"/>
+            </a:effectRef>
+            <a:fontRef idx="minor">
+              <a:schemeClr val="lt1"/>
+            </a:fontRef>
+          </p:style>
+        </p:sp>
+        <p:sp>
+          <p:nvSpPr>
+            <p:cNvPr id="22" name="Freeform 21"/>
+            <p:cNvSpPr/>
+            <p:nvPr/>
+          </p:nvSpPr>
+          <p:spPr>
+            <a:xfrm>
+              <a:off x="7010429" y="-8467"/>
+              <a:ext cx="2142876" cy="6866467"/>
+            </a:xfrm>
+            <a:custGeom>
+              <a:avLst/>
+              <a:gdLst/>
+              <a:ahLst/>
+              <a:cxnLst/>
+              <a:rect l="l" t="t" r="r" b="b"/>
+              <a:pathLst>
+                <a:path w="2853267" h="6866467">
+                  <a:moveTo>
+                    <a:pt x="0" y="0"/>
+                  </a:moveTo>
+                  <a:lnTo>
+                    <a:pt x="2472267" y="6866467"/>
+                  </a:lnTo>
+                  <a:lnTo>
+                    <a:pt x="2853267" y="6858000"/>
+                  </a:lnTo>
+                  <a:lnTo>
+                    <a:pt x="2853267" y="0"/>
+                  </a:lnTo>
+                  <a:lnTo>
+                    <a:pt x="0" y="0"/>
+                  </a:lnTo>
+                  <a:close/>
+                </a:path>
+              </a:pathLst>
+            </a:custGeom>
+            <a:solidFill>
+              <a:schemeClr val="accent2">
+                <a:lumMod val="75000"/>
+                <a:alpha val="70000"/>
+              </a:schemeClr>
+            </a:solidFill>
+            <a:ln>
+              <a:noFill/>
+            </a:ln>
+            <a:effectLst/>
+          </p:spPr>
+          <p:style>
+            <a:lnRef idx="1">
+              <a:schemeClr val="accent1"/>
+            </a:lnRef>
+            <a:fillRef idx="3">
+              <a:schemeClr val="accent1"/>
+            </a:fillRef>
+            <a:effectRef idx="2">
+              <a:schemeClr val="accent1"/>
+            </a:effectRef>
+            <a:fontRef idx="minor">
+              <a:schemeClr val="lt1"/>
+            </a:fontRef>
+          </p:style>
+        </p:sp>
+        <p:sp>
+          <p:nvSpPr>
+            <p:cNvPr id="23" name="Freeform 22"/>
+            <p:cNvSpPr/>
+            <p:nvPr/>
+          </p:nvSpPr>
+          <p:spPr>
+            <a:xfrm>
+              <a:off x="8295776" y="-8467"/>
+              <a:ext cx="857530" cy="6866467"/>
+            </a:xfrm>
+            <a:custGeom>
+              <a:avLst/>
+              <a:gdLst/>
+              <a:ahLst/>
+              <a:cxnLst/>
+              <a:rect l="l" t="t" r="r" b="b"/>
+              <a:pathLst>
+                <a:path w="1286933" h="6866467">
+                  <a:moveTo>
+                    <a:pt x="1016000" y="0"/>
+                  </a:moveTo>
+                  <a:lnTo>
+                    <a:pt x="0" y="6866467"/>
+                  </a:lnTo>
+                  <a:lnTo>
+                    <a:pt x="1286933" y="6866467"/>
+                  </a:lnTo>
+                  <a:cubicBezTo>
+                    <a:pt x="1284111" y="4577645"/>
+                    <a:pt x="1281288" y="2288822"/>
+                    <a:pt x="1278466" y="0"/>
+                  </a:cubicBezTo>
+                  <a:lnTo>
+                    <a:pt x="1016000" y="0"/>
+                  </a:lnTo>
+                  <a:close/>
+                </a:path>
+              </a:pathLst>
+            </a:custGeom>
+            <a:solidFill>
+              <a:schemeClr val="accent1">
+                <a:lumMod val="60000"/>
+                <a:lumOff val="40000"/>
+                <a:alpha val="70000"/>
+              </a:schemeClr>
+            </a:solidFill>
+            <a:ln>
+              <a:noFill/>
+            </a:ln>
+            <a:effectLst/>
+          </p:spPr>
+          <p:style>
+            <a:lnRef idx="1">
+              <a:schemeClr val="accent1"/>
+            </a:lnRef>
+            <a:fillRef idx="3">
+              <a:schemeClr val="accent1"/>
+            </a:fillRef>
+            <a:effectRef idx="2">
+              <a:schemeClr val="accent1"/>
+            </a:effectRef>
+            <a:fontRef idx="minor">
+              <a:schemeClr val="lt1"/>
+            </a:fontRef>
+          </p:style>
+        </p:sp>
+        <p:sp>
+          <p:nvSpPr>
+            <p:cNvPr id="24" name="Freeform 23"/>
+            <p:cNvSpPr/>
+            <p:nvPr/>
+          </p:nvSpPr>
+          <p:spPr>
+            <a:xfrm>
+              <a:off x="8077231" y="-8468"/>
+              <a:ext cx="1066770" cy="6866467"/>
+            </a:xfrm>
+            <a:custGeom>
+              <a:avLst/>
+              <a:gdLst/>
+              <a:ahLst/>
+              <a:cxnLst/>
+              <a:rect l="l" t="t" r="r" b="b"/>
+              <a:pathLst>
+                <a:path w="1270244" h="6866467">
+                  <a:moveTo>
+                    <a:pt x="0" y="0"/>
+                  </a:moveTo>
+                  <a:lnTo>
+                    <a:pt x="1117600" y="6866467"/>
+                  </a:lnTo>
+                  <a:lnTo>
+                    <a:pt x="1270000" y="6866467"/>
+                  </a:lnTo>
+                  <a:cubicBezTo>
+                    <a:pt x="1272822" y="4574822"/>
+                    <a:pt x="1250245" y="2291645"/>
+                    <a:pt x="1253067" y="0"/>
+                  </a:cubicBezTo>
+                  <a:lnTo>
+                    <a:pt x="0" y="0"/>
+                  </a:lnTo>
+                  <a:close/>
+                </a:path>
+              </a:pathLst>
+            </a:custGeom>
+            <a:solidFill>
+              <a:schemeClr val="accent1">
+                <a:alpha val="65000"/>
+              </a:schemeClr>
+            </a:solidFill>
+            <a:ln>
+              <a:noFill/>
+            </a:ln>
+            <a:effectLst/>
+          </p:spPr>
+          <p:style>
+            <a:lnRef idx="1">
+              <a:schemeClr val="accent1"/>
+            </a:lnRef>
+            <a:fillRef idx="3">
+              <a:schemeClr val="accent1"/>
+            </a:fillRef>
+            <a:effectRef idx="2">
+              <a:schemeClr val="accent1"/>
+            </a:effectRef>
+            <a:fontRef idx="minor">
+              <a:schemeClr val="lt1"/>
+            </a:fontRef>
+          </p:style>
+        </p:sp>
+        <p:sp>
+          <p:nvSpPr>
+            <p:cNvPr id="25" name="Freeform 24"/>
+            <p:cNvSpPr/>
+            <p:nvPr/>
+          </p:nvSpPr>
+          <p:spPr>
+            <a:xfrm>
+              <a:off x="8060297" y="4893733"/>
+              <a:ext cx="1094086" cy="1964267"/>
+            </a:xfrm>
+            <a:custGeom>
+              <a:avLst/>
+              <a:gdLst/>
+              <a:ahLst/>
+              <a:cxnLst/>
+              <a:rect l="l" t="t" r="r" b="b"/>
+              <a:pathLst>
+                <a:path w="1820333" h="3268133">
+                  <a:moveTo>
+                    <a:pt x="0" y="3268133"/>
+                  </a:moveTo>
+                  <a:lnTo>
+                    <a:pt x="1811866" y="0"/>
+                  </a:lnTo>
+                  <a:cubicBezTo>
+                    <a:pt x="1814688" y="1086555"/>
+                    <a:pt x="1817511" y="2173111"/>
+                    <a:pt x="1820333" y="3259666"/>
+                  </a:cubicBezTo>
+                  <a:lnTo>
+                    <a:pt x="0" y="3268133"/>
+                  </a:lnTo>
+                  <a:close/>
+                </a:path>
+              </a:pathLst>
+            </a:custGeom>
+            <a:solidFill>
+              <a:schemeClr val="accent1">
+                <a:alpha val="80000"/>
+              </a:schemeClr>
+            </a:solidFill>
+            <a:ln>
+              <a:noFill/>
+            </a:ln>
+            <a:effectLst/>
+          </p:spPr>
+          <p:style>
+            <a:lnRef idx="1">
+              <a:schemeClr val="accent1"/>
+            </a:lnRef>
+            <a:fillRef idx="3">
+              <a:schemeClr val="accent1"/>
+            </a:fillRef>
+            <a:effectRef idx="2">
+              <a:schemeClr val="accent1"/>
+            </a:effectRef>
+            <a:fontRef idx="minor">
+              <a:schemeClr val="lt1"/>
+            </a:fontRef>
+          </p:style>
+        </p:sp>
+        <p:sp>
+          <p:nvSpPr>
+            <p:cNvPr id="28" name="Freeform 27"/>
+            <p:cNvSpPr/>
+            <p:nvPr/>
+          </p:nvSpPr>
+          <p:spPr>
+            <a:xfrm>
+              <a:off x="-8466" y="-8468"/>
+              <a:ext cx="863600" cy="5698067"/>
+            </a:xfrm>
+            <a:custGeom>
+              <a:avLst/>
+              <a:gdLst/>
+              <a:ahLst/>
+              <a:cxnLst/>
+              <a:rect l="l" t="t" r="r" b="b"/>
+              <a:pathLst>
+                <a:path w="863600" h="5698067">
+                  <a:moveTo>
+                    <a:pt x="0" y="8467"/>
+                  </a:moveTo>
+                  <a:lnTo>
+                    <a:pt x="863600" y="0"/>
+                  </a:lnTo>
+                  <a:lnTo>
+                    <a:pt x="863600" y="16934"/>
+                  </a:lnTo>
+                  <a:lnTo>
+                    <a:pt x="0" y="5698067"/>
+                  </a:lnTo>
+                  <a:lnTo>
+                    <a:pt x="0" y="8467"/>
+                  </a:lnTo>
+                  <a:close/>
+                </a:path>
+              </a:pathLst>
+            </a:custGeom>
+            <a:solidFill>
+              <a:schemeClr val="accent1">
+                <a:alpha val="85000"/>
+              </a:schemeClr>
+            </a:solidFill>
+            <a:ln>
+              <a:noFill/>
+            </a:ln>
+            <a:effectLst/>
+          </p:spPr>
+          <p:style>
+            <a:lnRef idx="1">
+              <a:schemeClr val="accent1"/>
+            </a:lnRef>
+            <a:fillRef idx="3">
+              <a:schemeClr val="accent1"/>
+            </a:fillRef>
+            <a:effectRef idx="2">
+              <a:schemeClr val="accent1"/>
+            </a:effectRef>
+            <a:fontRef idx="minor">
+              <a:schemeClr val="lt1"/>
+            </a:fontRef>
+          </p:style>
+        </p:sp>
+      </p:grpSp>
       <p:sp>
         <p:nvSpPr>
           <p:cNvPr id="2" name="Title 1"/>
@@ -849,19 +1450,29 @@
         </p:nvSpPr>
         <p:spPr>
           <a:xfrm>
-            <a:off x="685800" y="2130425"/>
-            <a:ext cx="7772400" cy="1470025"/>
+            <a:off x="1130595" y="2404534"/>
+            <a:ext cx="5826719" cy="1646302"/>
           </a:xfrm>
         </p:spPr>
         <p:txBody>
-          <a:bodyPr/>
-          <a:lstStyle/>
+          <a:bodyPr anchor="b">
+            <a:noAutofit/>
+          </a:bodyPr>
+          <a:lstStyle>
+            <a:lvl1pPr algn="r">
+              <a:defRPr sz="5400">
+                <a:solidFill>
+                  <a:schemeClr val="accent1"/>
+                </a:solidFill>
+              </a:defRPr>
+            </a:lvl1pPr>
+          </a:lstStyle>
           <a:p>
             <a:r>
               <a:rPr lang="en-US" smtClean="0"/>
               <a:t>Click to edit Master title style</a:t>
             </a:r>
-            <a:endParaRPr lang="en-US"/>
+            <a:endParaRPr lang="en-US" dirty="0"/>
           </a:p>
         </p:txBody>
       </p:sp>
@@ -877,19 +1488,20 @@
         </p:nvSpPr>
         <p:spPr>
           <a:xfrm>
-            <a:off x="1371600" y="3886200"/>
-            <a:ext cx="6400800" cy="1752600"/>
+            <a:off x="1130595" y="4050834"/>
+            <a:ext cx="5826719" cy="1096899"/>
           </a:xfrm>
         </p:spPr>
         <p:txBody>
-          <a:bodyPr/>
+          <a:bodyPr anchor="t"/>
           <a:lstStyle>
-            <a:lvl1pPr marL="0" indent="0" algn="ctr">
+            <a:lvl1pPr marL="0" indent="0" algn="r">
               <a:buNone/>
               <a:defRPr>
                 <a:solidFill>
                   <a:schemeClr val="tx1">
-                    <a:tint val="75000"/>
+                    <a:lumMod val="50000"/>
+                    <a:lumOff val="50000"/>
                   </a:schemeClr>
                 </a:solidFill>
               </a:defRPr>
@@ -980,7 +1592,7 @@
               <a:rPr lang="en-US" smtClean="0"/>
               <a:t>Click to edit Master subtitle style</a:t>
             </a:r>
-            <a:endParaRPr lang="en-US"/>
+            <a:endParaRPr lang="en-US" dirty="0"/>
           </a:p>
         </p:txBody>
       </p:sp>
@@ -1001,7 +1613,7 @@
           <a:p>
             <a:fld id="{5BCAD085-E8A6-8845-BD4E-CB4CCA059FC4}" type="datetimeFigureOut">
               <a:rPr lang="en-US" smtClean="0"/>
-              <a:t>3/11/2025</a:t>
+              <a:t>3/12/2025</a:t>
             </a:fld>
             <a:endParaRPr lang="en-US"/>
           </a:p>
@@ -1052,7 +1664,7 @@
     </p:spTree>
     <p:extLst>
       <p:ext uri="{BB962C8B-B14F-4D97-AF65-F5344CB8AC3E}">
-        <p14:creationId xmlns:p14="http://schemas.microsoft.com/office/powerpoint/2010/main" val="3168075583"/>
+        <p14:creationId xmlns:p14="http://schemas.microsoft.com/office/powerpoint/2010/main" val="2584038438"/>
       </p:ext>
     </p:extLst>
   </p:cSld>
@@ -1063,6 +1675,1611 @@
 </file>
 
 <file path=ppt/slideLayouts/slideLayout10.xml><?xml version="1.0" encoding="utf-8"?>
+<p:sldLayout xmlns:a="http://schemas.openxmlformats.org/drawingml/2006/main" xmlns:r="http://schemas.openxmlformats.org/officeDocument/2006/relationships" xmlns:p="http://schemas.openxmlformats.org/presentationml/2006/main" preserve="1">
+  <p:cSld name="Title and Caption">
+    <p:spTree>
+      <p:nvGrpSpPr>
+        <p:cNvPr id="1" name=""/>
+        <p:cNvGrpSpPr/>
+        <p:nvPr/>
+      </p:nvGrpSpPr>
+      <p:grpSpPr>
+        <a:xfrm>
+          <a:off x="0" y="0"/>
+          <a:ext cx="0" cy="0"/>
+          <a:chOff x="0" y="0"/>
+          <a:chExt cx="0" cy="0"/>
+        </a:xfrm>
+      </p:grpSpPr>
+      <p:sp>
+        <p:nvSpPr>
+          <p:cNvPr id="2" name="Title 1"/>
+          <p:cNvSpPr>
+            <a:spLocks noGrp="1"/>
+          </p:cNvSpPr>
+          <p:nvPr>
+            <p:ph type="title"/>
+          </p:nvPr>
+        </p:nvSpPr>
+        <p:spPr>
+          <a:xfrm>
+            <a:off x="609600" y="609600"/>
+            <a:ext cx="6347714" cy="3403600"/>
+          </a:xfrm>
+        </p:spPr>
+        <p:txBody>
+          <a:bodyPr anchor="ctr">
+            <a:normAutofit/>
+          </a:bodyPr>
+          <a:lstStyle>
+            <a:lvl1pPr algn="l">
+              <a:defRPr sz="4400" b="0" cap="none"/>
+            </a:lvl1pPr>
+          </a:lstStyle>
+          <a:p>
+            <a:r>
+              <a:rPr lang="en-US" smtClean="0"/>
+              <a:t>Click to edit Master title style</a:t>
+            </a:r>
+            <a:endParaRPr lang="en-US" dirty="0"/>
+          </a:p>
+        </p:txBody>
+      </p:sp>
+      <p:sp>
+        <p:nvSpPr>
+          <p:cNvPr id="3" name="Text Placeholder 2"/>
+          <p:cNvSpPr>
+            <a:spLocks noGrp="1"/>
+          </p:cNvSpPr>
+          <p:nvPr>
+            <p:ph type="body" idx="1"/>
+          </p:nvPr>
+        </p:nvSpPr>
+        <p:spPr>
+          <a:xfrm>
+            <a:off x="609600" y="4470400"/>
+            <a:ext cx="6347714" cy="1570962"/>
+          </a:xfrm>
+        </p:spPr>
+        <p:txBody>
+          <a:bodyPr anchor="ctr">
+            <a:normAutofit/>
+          </a:bodyPr>
+          <a:lstStyle>
+            <a:lvl1pPr marL="0" indent="0" algn="l">
+              <a:buNone/>
+              <a:defRPr sz="1800">
+                <a:solidFill>
+                  <a:schemeClr val="tx1">
+                    <a:lumMod val="75000"/>
+                    <a:lumOff val="25000"/>
+                  </a:schemeClr>
+                </a:solidFill>
+              </a:defRPr>
+            </a:lvl1pPr>
+            <a:lvl2pPr marL="457200" indent="0">
+              <a:buNone/>
+              <a:defRPr sz="1800">
+                <a:solidFill>
+                  <a:schemeClr val="tx1">
+                    <a:tint val="75000"/>
+                  </a:schemeClr>
+                </a:solidFill>
+              </a:defRPr>
+            </a:lvl2pPr>
+            <a:lvl3pPr marL="914400" indent="0">
+              <a:buNone/>
+              <a:defRPr sz="1600">
+                <a:solidFill>
+                  <a:schemeClr val="tx1">
+                    <a:tint val="75000"/>
+                  </a:schemeClr>
+                </a:solidFill>
+              </a:defRPr>
+            </a:lvl3pPr>
+            <a:lvl4pPr marL="1371600" indent="0">
+              <a:buNone/>
+              <a:defRPr sz="1400">
+                <a:solidFill>
+                  <a:schemeClr val="tx1">
+                    <a:tint val="75000"/>
+                  </a:schemeClr>
+                </a:solidFill>
+              </a:defRPr>
+            </a:lvl4pPr>
+            <a:lvl5pPr marL="1828800" indent="0">
+              <a:buNone/>
+              <a:defRPr sz="1400">
+                <a:solidFill>
+                  <a:schemeClr val="tx1">
+                    <a:tint val="75000"/>
+                  </a:schemeClr>
+                </a:solidFill>
+              </a:defRPr>
+            </a:lvl5pPr>
+            <a:lvl6pPr marL="2286000" indent="0">
+              <a:buNone/>
+              <a:defRPr sz="1400">
+                <a:solidFill>
+                  <a:schemeClr val="tx1">
+                    <a:tint val="75000"/>
+                  </a:schemeClr>
+                </a:solidFill>
+              </a:defRPr>
+            </a:lvl6pPr>
+            <a:lvl7pPr marL="2743200" indent="0">
+              <a:buNone/>
+              <a:defRPr sz="1400">
+                <a:solidFill>
+                  <a:schemeClr val="tx1">
+                    <a:tint val="75000"/>
+                  </a:schemeClr>
+                </a:solidFill>
+              </a:defRPr>
+            </a:lvl7pPr>
+            <a:lvl8pPr marL="3200400" indent="0">
+              <a:buNone/>
+              <a:defRPr sz="1400">
+                <a:solidFill>
+                  <a:schemeClr val="tx1">
+                    <a:tint val="75000"/>
+                  </a:schemeClr>
+                </a:solidFill>
+              </a:defRPr>
+            </a:lvl8pPr>
+            <a:lvl9pPr marL="3657600" indent="0">
+              <a:buNone/>
+              <a:defRPr sz="1400">
+                <a:solidFill>
+                  <a:schemeClr val="tx1">
+                    <a:tint val="75000"/>
+                  </a:schemeClr>
+                </a:solidFill>
+              </a:defRPr>
+            </a:lvl9pPr>
+          </a:lstStyle>
+          <a:p>
+            <a:pPr lvl="0"/>
+            <a:r>
+              <a:rPr lang="en-US" smtClean="0"/>
+              <a:t>Edit Master text styles</a:t>
+            </a:r>
+          </a:p>
+        </p:txBody>
+      </p:sp>
+      <p:sp>
+        <p:nvSpPr>
+          <p:cNvPr id="4" name="Date Placeholder 3"/>
+          <p:cNvSpPr>
+            <a:spLocks noGrp="1"/>
+          </p:cNvSpPr>
+          <p:nvPr>
+            <p:ph type="dt" sz="half" idx="10"/>
+          </p:nvPr>
+        </p:nvSpPr>
+        <p:spPr/>
+        <p:txBody>
+          <a:bodyPr/>
+          <a:lstStyle/>
+          <a:p>
+            <a:fld id="{5BCAD085-E8A6-8845-BD4E-CB4CCA059FC4}" type="datetimeFigureOut">
+              <a:rPr lang="en-US" smtClean="0"/>
+              <a:t>3/12/2025</a:t>
+            </a:fld>
+            <a:endParaRPr lang="en-US"/>
+          </a:p>
+        </p:txBody>
+      </p:sp>
+      <p:sp>
+        <p:nvSpPr>
+          <p:cNvPr id="5" name="Footer Placeholder 4"/>
+          <p:cNvSpPr>
+            <a:spLocks noGrp="1"/>
+          </p:cNvSpPr>
+          <p:nvPr>
+            <p:ph type="ftr" sz="quarter" idx="11"/>
+          </p:nvPr>
+        </p:nvSpPr>
+        <p:spPr/>
+        <p:txBody>
+          <a:bodyPr/>
+          <a:lstStyle/>
+          <a:p>
+            <a:endParaRPr lang="en-US"/>
+          </a:p>
+        </p:txBody>
+      </p:sp>
+      <p:sp>
+        <p:nvSpPr>
+          <p:cNvPr id="6" name="Slide Number Placeholder 5"/>
+          <p:cNvSpPr>
+            <a:spLocks noGrp="1"/>
+          </p:cNvSpPr>
+          <p:nvPr>
+            <p:ph type="sldNum" sz="quarter" idx="12"/>
+          </p:nvPr>
+        </p:nvSpPr>
+        <p:spPr/>
+        <p:txBody>
+          <a:bodyPr/>
+          <a:lstStyle/>
+          <a:p>
+            <a:fld id="{C1FF6DA9-008F-8B48-92A6-B652298478BF}" type="slidenum">
+              <a:rPr lang="en-US" smtClean="0"/>
+              <a:t>‹#›</a:t>
+            </a:fld>
+            <a:endParaRPr lang="en-US"/>
+          </a:p>
+        </p:txBody>
+      </p:sp>
+    </p:spTree>
+    <p:extLst>
+      <p:ext uri="{BB962C8B-B14F-4D97-AF65-F5344CB8AC3E}">
+        <p14:creationId xmlns:p14="http://schemas.microsoft.com/office/powerpoint/2010/main" val="1229878967"/>
+      </p:ext>
+    </p:extLst>
+  </p:cSld>
+  <p:clrMapOvr>
+    <a:masterClrMapping/>
+  </p:clrMapOvr>
+</p:sldLayout>
+</file>
+
+<file path=ppt/slideLayouts/slideLayout11.xml><?xml version="1.0" encoding="utf-8"?>
+<p:sldLayout xmlns:a="http://schemas.openxmlformats.org/drawingml/2006/main" xmlns:r="http://schemas.openxmlformats.org/officeDocument/2006/relationships" xmlns:p="http://schemas.openxmlformats.org/presentationml/2006/main" preserve="1">
+  <p:cSld name="Quote with Caption">
+    <p:spTree>
+      <p:nvGrpSpPr>
+        <p:cNvPr id="1" name=""/>
+        <p:cNvGrpSpPr/>
+        <p:nvPr/>
+      </p:nvGrpSpPr>
+      <p:grpSpPr>
+        <a:xfrm>
+          <a:off x="0" y="0"/>
+          <a:ext cx="0" cy="0"/>
+          <a:chOff x="0" y="0"/>
+          <a:chExt cx="0" cy="0"/>
+        </a:xfrm>
+      </p:grpSpPr>
+      <p:sp>
+        <p:nvSpPr>
+          <p:cNvPr id="2" name="Title 1"/>
+          <p:cNvSpPr>
+            <a:spLocks noGrp="1"/>
+          </p:cNvSpPr>
+          <p:nvPr>
+            <p:ph type="title"/>
+          </p:nvPr>
+        </p:nvSpPr>
+        <p:spPr>
+          <a:xfrm>
+            <a:off x="774885" y="609600"/>
+            <a:ext cx="6072182" cy="3022600"/>
+          </a:xfrm>
+        </p:spPr>
+        <p:txBody>
+          <a:bodyPr anchor="ctr">
+            <a:normAutofit/>
+          </a:bodyPr>
+          <a:lstStyle>
+            <a:lvl1pPr algn="l">
+              <a:defRPr sz="4400" b="0" cap="none"/>
+            </a:lvl1pPr>
+          </a:lstStyle>
+          <a:p>
+            <a:r>
+              <a:rPr lang="en-US" smtClean="0"/>
+              <a:t>Click to edit Master title style</a:t>
+            </a:r>
+            <a:endParaRPr lang="en-US" dirty="0"/>
+          </a:p>
+        </p:txBody>
+      </p:sp>
+      <p:sp>
+        <p:nvSpPr>
+          <p:cNvPr id="23" name="Text Placeholder 9"/>
+          <p:cNvSpPr>
+            <a:spLocks noGrp="1"/>
+          </p:cNvSpPr>
+          <p:nvPr>
+            <p:ph type="body" sz="quarter" idx="13"/>
+          </p:nvPr>
+        </p:nvSpPr>
+        <p:spPr>
+          <a:xfrm>
+            <a:off x="1101074" y="3632200"/>
+            <a:ext cx="5419804" cy="381000"/>
+          </a:xfrm>
+        </p:spPr>
+        <p:txBody>
+          <a:bodyPr anchor="ctr">
+            <a:noAutofit/>
+          </a:bodyPr>
+          <a:lstStyle>
+            <a:lvl1pPr marL="0" indent="0">
+              <a:buFontTx/>
+              <a:buNone/>
+              <a:defRPr sz="1600">
+                <a:solidFill>
+                  <a:schemeClr val="tx1">
+                    <a:lumMod val="50000"/>
+                    <a:lumOff val="50000"/>
+                  </a:schemeClr>
+                </a:solidFill>
+              </a:defRPr>
+            </a:lvl1pPr>
+            <a:lvl2pPr marL="457200" indent="0">
+              <a:buFontTx/>
+              <a:buNone/>
+              <a:defRPr/>
+            </a:lvl2pPr>
+            <a:lvl3pPr marL="914400" indent="0">
+              <a:buFontTx/>
+              <a:buNone/>
+              <a:defRPr/>
+            </a:lvl3pPr>
+            <a:lvl4pPr marL="1371600" indent="0">
+              <a:buFontTx/>
+              <a:buNone/>
+              <a:defRPr/>
+            </a:lvl4pPr>
+            <a:lvl5pPr marL="1828800" indent="0">
+              <a:buFontTx/>
+              <a:buNone/>
+              <a:defRPr/>
+            </a:lvl5pPr>
+          </a:lstStyle>
+          <a:p>
+            <a:pPr lvl="0"/>
+            <a:r>
+              <a:rPr lang="en-US" smtClean="0"/>
+              <a:t>Edit Master text styles</a:t>
+            </a:r>
+          </a:p>
+        </p:txBody>
+      </p:sp>
+      <p:sp>
+        <p:nvSpPr>
+          <p:cNvPr id="3" name="Text Placeholder 2"/>
+          <p:cNvSpPr>
+            <a:spLocks noGrp="1"/>
+          </p:cNvSpPr>
+          <p:nvPr>
+            <p:ph type="body" idx="1"/>
+          </p:nvPr>
+        </p:nvSpPr>
+        <p:spPr>
+          <a:xfrm>
+            <a:off x="609598" y="4470400"/>
+            <a:ext cx="6347715" cy="1570962"/>
+          </a:xfrm>
+        </p:spPr>
+        <p:txBody>
+          <a:bodyPr anchor="ctr">
+            <a:normAutofit/>
+          </a:bodyPr>
+          <a:lstStyle>
+            <a:lvl1pPr marL="0" indent="0" algn="l">
+              <a:buNone/>
+              <a:defRPr sz="1800">
+                <a:solidFill>
+                  <a:schemeClr val="tx1">
+                    <a:lumMod val="75000"/>
+                    <a:lumOff val="25000"/>
+                  </a:schemeClr>
+                </a:solidFill>
+              </a:defRPr>
+            </a:lvl1pPr>
+            <a:lvl2pPr marL="457200" indent="0">
+              <a:buNone/>
+              <a:defRPr sz="1800">
+                <a:solidFill>
+                  <a:schemeClr val="tx1">
+                    <a:tint val="75000"/>
+                  </a:schemeClr>
+                </a:solidFill>
+              </a:defRPr>
+            </a:lvl2pPr>
+            <a:lvl3pPr marL="914400" indent="0">
+              <a:buNone/>
+              <a:defRPr sz="1600">
+                <a:solidFill>
+                  <a:schemeClr val="tx1">
+                    <a:tint val="75000"/>
+                  </a:schemeClr>
+                </a:solidFill>
+              </a:defRPr>
+            </a:lvl3pPr>
+            <a:lvl4pPr marL="1371600" indent="0">
+              <a:buNone/>
+              <a:defRPr sz="1400">
+                <a:solidFill>
+                  <a:schemeClr val="tx1">
+                    <a:tint val="75000"/>
+                  </a:schemeClr>
+                </a:solidFill>
+              </a:defRPr>
+            </a:lvl4pPr>
+            <a:lvl5pPr marL="1828800" indent="0">
+              <a:buNone/>
+              <a:defRPr sz="1400">
+                <a:solidFill>
+                  <a:schemeClr val="tx1">
+                    <a:tint val="75000"/>
+                  </a:schemeClr>
+                </a:solidFill>
+              </a:defRPr>
+            </a:lvl5pPr>
+            <a:lvl6pPr marL="2286000" indent="0">
+              <a:buNone/>
+              <a:defRPr sz="1400">
+                <a:solidFill>
+                  <a:schemeClr val="tx1">
+                    <a:tint val="75000"/>
+                  </a:schemeClr>
+                </a:solidFill>
+              </a:defRPr>
+            </a:lvl6pPr>
+            <a:lvl7pPr marL="2743200" indent="0">
+              <a:buNone/>
+              <a:defRPr sz="1400">
+                <a:solidFill>
+                  <a:schemeClr val="tx1">
+                    <a:tint val="75000"/>
+                  </a:schemeClr>
+                </a:solidFill>
+              </a:defRPr>
+            </a:lvl7pPr>
+            <a:lvl8pPr marL="3200400" indent="0">
+              <a:buNone/>
+              <a:defRPr sz="1400">
+                <a:solidFill>
+                  <a:schemeClr val="tx1">
+                    <a:tint val="75000"/>
+                  </a:schemeClr>
+                </a:solidFill>
+              </a:defRPr>
+            </a:lvl8pPr>
+            <a:lvl9pPr marL="3657600" indent="0">
+              <a:buNone/>
+              <a:defRPr sz="1400">
+                <a:solidFill>
+                  <a:schemeClr val="tx1">
+                    <a:tint val="75000"/>
+                  </a:schemeClr>
+                </a:solidFill>
+              </a:defRPr>
+            </a:lvl9pPr>
+          </a:lstStyle>
+          <a:p>
+            <a:pPr lvl="0"/>
+            <a:r>
+              <a:rPr lang="en-US" smtClean="0"/>
+              <a:t>Edit Master text styles</a:t>
+            </a:r>
+          </a:p>
+        </p:txBody>
+      </p:sp>
+      <p:sp>
+        <p:nvSpPr>
+          <p:cNvPr id="4" name="Date Placeholder 3"/>
+          <p:cNvSpPr>
+            <a:spLocks noGrp="1"/>
+          </p:cNvSpPr>
+          <p:nvPr>
+            <p:ph type="dt" sz="half" idx="10"/>
+          </p:nvPr>
+        </p:nvSpPr>
+        <p:spPr/>
+        <p:txBody>
+          <a:bodyPr/>
+          <a:lstStyle/>
+          <a:p>
+            <a:fld id="{5BCAD085-E8A6-8845-BD4E-CB4CCA059FC4}" type="datetimeFigureOut">
+              <a:rPr lang="en-US" smtClean="0"/>
+              <a:t>3/12/2025</a:t>
+            </a:fld>
+            <a:endParaRPr lang="en-US"/>
+          </a:p>
+        </p:txBody>
+      </p:sp>
+      <p:sp>
+        <p:nvSpPr>
+          <p:cNvPr id="5" name="Footer Placeholder 4"/>
+          <p:cNvSpPr>
+            <a:spLocks noGrp="1"/>
+          </p:cNvSpPr>
+          <p:nvPr>
+            <p:ph type="ftr" sz="quarter" idx="11"/>
+          </p:nvPr>
+        </p:nvSpPr>
+        <p:spPr/>
+        <p:txBody>
+          <a:bodyPr/>
+          <a:lstStyle/>
+          <a:p>
+            <a:endParaRPr lang="en-US"/>
+          </a:p>
+        </p:txBody>
+      </p:sp>
+      <p:sp>
+        <p:nvSpPr>
+          <p:cNvPr id="6" name="Slide Number Placeholder 5"/>
+          <p:cNvSpPr>
+            <a:spLocks noGrp="1"/>
+          </p:cNvSpPr>
+          <p:nvPr>
+            <p:ph type="sldNum" sz="quarter" idx="12"/>
+          </p:nvPr>
+        </p:nvSpPr>
+        <p:spPr/>
+        <p:txBody>
+          <a:bodyPr/>
+          <a:lstStyle/>
+          <a:p>
+            <a:fld id="{C1FF6DA9-008F-8B48-92A6-B652298478BF}" type="slidenum">
+              <a:rPr lang="en-US" smtClean="0"/>
+              <a:t>‹#›</a:t>
+            </a:fld>
+            <a:endParaRPr lang="en-US"/>
+          </a:p>
+        </p:txBody>
+      </p:sp>
+      <p:sp>
+        <p:nvSpPr>
+          <p:cNvPr id="24" name="TextBox 23"/>
+          <p:cNvSpPr txBox="1"/>
+          <p:nvPr/>
+        </p:nvSpPr>
+        <p:spPr>
+          <a:xfrm>
+            <a:off x="482711" y="790378"/>
+            <a:ext cx="457319" cy="584776"/>
+          </a:xfrm>
+          <a:prstGeom prst="rect">
+            <a:avLst/>
+          </a:prstGeom>
+        </p:spPr>
+        <p:txBody>
+          <a:bodyPr vert="horz" lIns="91440" tIns="45720" rIns="91440" bIns="45720" rtlCol="0" anchor="ctr">
+            <a:noAutofit/>
+          </a:bodyPr>
+          <a:lstStyle/>
+          <a:p>
+            <a:pPr lvl="0"/>
+            <a:r>
+              <a:rPr lang="en-US" sz="8000" baseline="0" dirty="0">
+                <a:ln w="3175" cmpd="sng">
+                  <a:noFill/>
+                </a:ln>
+                <a:solidFill>
+                  <a:schemeClr val="accent1">
+                    <a:lumMod val="60000"/>
+                    <a:lumOff val="40000"/>
+                  </a:schemeClr>
+                </a:solidFill>
+                <a:effectLst/>
+                <a:latin typeface="Arial"/>
+              </a:rPr>
+              <a:t>“</a:t>
+            </a:r>
+          </a:p>
+        </p:txBody>
+      </p:sp>
+      <p:sp>
+        <p:nvSpPr>
+          <p:cNvPr id="25" name="TextBox 24"/>
+          <p:cNvSpPr txBox="1"/>
+          <p:nvPr/>
+        </p:nvSpPr>
+        <p:spPr>
+          <a:xfrm>
+            <a:off x="6747699" y="2886556"/>
+            <a:ext cx="457319" cy="584776"/>
+          </a:xfrm>
+          <a:prstGeom prst="rect">
+            <a:avLst/>
+          </a:prstGeom>
+        </p:spPr>
+        <p:txBody>
+          <a:bodyPr vert="horz" lIns="91440" tIns="45720" rIns="91440" bIns="45720" rtlCol="0" anchor="ctr">
+            <a:noAutofit/>
+          </a:bodyPr>
+          <a:lstStyle/>
+          <a:p>
+            <a:pPr lvl="0"/>
+            <a:r>
+              <a:rPr lang="en-US" sz="8000" baseline="0" dirty="0">
+                <a:ln w="3175" cmpd="sng">
+                  <a:noFill/>
+                </a:ln>
+                <a:solidFill>
+                  <a:schemeClr val="accent1">
+                    <a:lumMod val="60000"/>
+                    <a:lumOff val="40000"/>
+                  </a:schemeClr>
+                </a:solidFill>
+                <a:effectLst/>
+                <a:latin typeface="Arial"/>
+              </a:rPr>
+              <a:t>”</a:t>
+            </a:r>
+          </a:p>
+        </p:txBody>
+      </p:sp>
+    </p:spTree>
+    <p:extLst>
+      <p:ext uri="{BB962C8B-B14F-4D97-AF65-F5344CB8AC3E}">
+        <p14:creationId xmlns:p14="http://schemas.microsoft.com/office/powerpoint/2010/main" val="1871895588"/>
+      </p:ext>
+    </p:extLst>
+  </p:cSld>
+  <p:clrMapOvr>
+    <a:masterClrMapping/>
+  </p:clrMapOvr>
+</p:sldLayout>
+</file>
+
+<file path=ppt/slideLayouts/slideLayout12.xml><?xml version="1.0" encoding="utf-8"?>
+<p:sldLayout xmlns:a="http://schemas.openxmlformats.org/drawingml/2006/main" xmlns:r="http://schemas.openxmlformats.org/officeDocument/2006/relationships" xmlns:p="http://schemas.openxmlformats.org/presentationml/2006/main" preserve="1">
+  <p:cSld name="Name Card">
+    <p:spTree>
+      <p:nvGrpSpPr>
+        <p:cNvPr id="1" name=""/>
+        <p:cNvGrpSpPr/>
+        <p:nvPr/>
+      </p:nvGrpSpPr>
+      <p:grpSpPr>
+        <a:xfrm>
+          <a:off x="0" y="0"/>
+          <a:ext cx="0" cy="0"/>
+          <a:chOff x="0" y="0"/>
+          <a:chExt cx="0" cy="0"/>
+        </a:xfrm>
+      </p:grpSpPr>
+      <p:sp>
+        <p:nvSpPr>
+          <p:cNvPr id="2" name="Title 1"/>
+          <p:cNvSpPr>
+            <a:spLocks noGrp="1"/>
+          </p:cNvSpPr>
+          <p:nvPr>
+            <p:ph type="title"/>
+          </p:nvPr>
+        </p:nvSpPr>
+        <p:spPr>
+          <a:xfrm>
+            <a:off x="609598" y="1931988"/>
+            <a:ext cx="6347715" cy="2595460"/>
+          </a:xfrm>
+        </p:spPr>
+        <p:txBody>
+          <a:bodyPr anchor="b">
+            <a:normAutofit/>
+          </a:bodyPr>
+          <a:lstStyle>
+            <a:lvl1pPr algn="l">
+              <a:defRPr sz="4400" b="0" cap="none"/>
+            </a:lvl1pPr>
+          </a:lstStyle>
+          <a:p>
+            <a:r>
+              <a:rPr lang="en-US" smtClean="0"/>
+              <a:t>Click to edit Master title style</a:t>
+            </a:r>
+            <a:endParaRPr lang="en-US" dirty="0"/>
+          </a:p>
+        </p:txBody>
+      </p:sp>
+      <p:sp>
+        <p:nvSpPr>
+          <p:cNvPr id="3" name="Text Placeholder 2"/>
+          <p:cNvSpPr>
+            <a:spLocks noGrp="1"/>
+          </p:cNvSpPr>
+          <p:nvPr>
+            <p:ph type="body" idx="1"/>
+          </p:nvPr>
+        </p:nvSpPr>
+        <p:spPr>
+          <a:xfrm>
+            <a:off x="609598" y="4527448"/>
+            <a:ext cx="6347715" cy="1513914"/>
+          </a:xfrm>
+        </p:spPr>
+        <p:txBody>
+          <a:bodyPr anchor="t">
+            <a:normAutofit/>
+          </a:bodyPr>
+          <a:lstStyle>
+            <a:lvl1pPr marL="0" indent="0" algn="l">
+              <a:buNone/>
+              <a:defRPr sz="1800">
+                <a:solidFill>
+                  <a:schemeClr val="tx1">
+                    <a:lumMod val="75000"/>
+                    <a:lumOff val="25000"/>
+                  </a:schemeClr>
+                </a:solidFill>
+              </a:defRPr>
+            </a:lvl1pPr>
+            <a:lvl2pPr marL="457200" indent="0">
+              <a:buNone/>
+              <a:defRPr sz="1800">
+                <a:solidFill>
+                  <a:schemeClr val="tx1">
+                    <a:tint val="75000"/>
+                  </a:schemeClr>
+                </a:solidFill>
+              </a:defRPr>
+            </a:lvl2pPr>
+            <a:lvl3pPr marL="914400" indent="0">
+              <a:buNone/>
+              <a:defRPr sz="1600">
+                <a:solidFill>
+                  <a:schemeClr val="tx1">
+                    <a:tint val="75000"/>
+                  </a:schemeClr>
+                </a:solidFill>
+              </a:defRPr>
+            </a:lvl3pPr>
+            <a:lvl4pPr marL="1371600" indent="0">
+              <a:buNone/>
+              <a:defRPr sz="1400">
+                <a:solidFill>
+                  <a:schemeClr val="tx1">
+                    <a:tint val="75000"/>
+                  </a:schemeClr>
+                </a:solidFill>
+              </a:defRPr>
+            </a:lvl4pPr>
+            <a:lvl5pPr marL="1828800" indent="0">
+              <a:buNone/>
+              <a:defRPr sz="1400">
+                <a:solidFill>
+                  <a:schemeClr val="tx1">
+                    <a:tint val="75000"/>
+                  </a:schemeClr>
+                </a:solidFill>
+              </a:defRPr>
+            </a:lvl5pPr>
+            <a:lvl6pPr marL="2286000" indent="0">
+              <a:buNone/>
+              <a:defRPr sz="1400">
+                <a:solidFill>
+                  <a:schemeClr val="tx1">
+                    <a:tint val="75000"/>
+                  </a:schemeClr>
+                </a:solidFill>
+              </a:defRPr>
+            </a:lvl6pPr>
+            <a:lvl7pPr marL="2743200" indent="0">
+              <a:buNone/>
+              <a:defRPr sz="1400">
+                <a:solidFill>
+                  <a:schemeClr val="tx1">
+                    <a:tint val="75000"/>
+                  </a:schemeClr>
+                </a:solidFill>
+              </a:defRPr>
+            </a:lvl7pPr>
+            <a:lvl8pPr marL="3200400" indent="0">
+              <a:buNone/>
+              <a:defRPr sz="1400">
+                <a:solidFill>
+                  <a:schemeClr val="tx1">
+                    <a:tint val="75000"/>
+                  </a:schemeClr>
+                </a:solidFill>
+              </a:defRPr>
+            </a:lvl8pPr>
+            <a:lvl9pPr marL="3657600" indent="0">
+              <a:buNone/>
+              <a:defRPr sz="1400">
+                <a:solidFill>
+                  <a:schemeClr val="tx1">
+                    <a:tint val="75000"/>
+                  </a:schemeClr>
+                </a:solidFill>
+              </a:defRPr>
+            </a:lvl9pPr>
+          </a:lstStyle>
+          <a:p>
+            <a:pPr lvl="0"/>
+            <a:r>
+              <a:rPr lang="en-US" smtClean="0"/>
+              <a:t>Edit Master text styles</a:t>
+            </a:r>
+          </a:p>
+        </p:txBody>
+      </p:sp>
+      <p:sp>
+        <p:nvSpPr>
+          <p:cNvPr id="4" name="Date Placeholder 3"/>
+          <p:cNvSpPr>
+            <a:spLocks noGrp="1"/>
+          </p:cNvSpPr>
+          <p:nvPr>
+            <p:ph type="dt" sz="half" idx="10"/>
+          </p:nvPr>
+        </p:nvSpPr>
+        <p:spPr/>
+        <p:txBody>
+          <a:bodyPr/>
+          <a:lstStyle/>
+          <a:p>
+            <a:fld id="{5BCAD085-E8A6-8845-BD4E-CB4CCA059FC4}" type="datetimeFigureOut">
+              <a:rPr lang="en-US" smtClean="0"/>
+              <a:t>3/12/2025</a:t>
+            </a:fld>
+            <a:endParaRPr lang="en-US"/>
+          </a:p>
+        </p:txBody>
+      </p:sp>
+      <p:sp>
+        <p:nvSpPr>
+          <p:cNvPr id="5" name="Footer Placeholder 4"/>
+          <p:cNvSpPr>
+            <a:spLocks noGrp="1"/>
+          </p:cNvSpPr>
+          <p:nvPr>
+            <p:ph type="ftr" sz="quarter" idx="11"/>
+          </p:nvPr>
+        </p:nvSpPr>
+        <p:spPr/>
+        <p:txBody>
+          <a:bodyPr/>
+          <a:lstStyle/>
+          <a:p>
+            <a:endParaRPr lang="en-US"/>
+          </a:p>
+        </p:txBody>
+      </p:sp>
+      <p:sp>
+        <p:nvSpPr>
+          <p:cNvPr id="6" name="Slide Number Placeholder 5"/>
+          <p:cNvSpPr>
+            <a:spLocks noGrp="1"/>
+          </p:cNvSpPr>
+          <p:nvPr>
+            <p:ph type="sldNum" sz="quarter" idx="12"/>
+          </p:nvPr>
+        </p:nvSpPr>
+        <p:spPr/>
+        <p:txBody>
+          <a:bodyPr/>
+          <a:lstStyle/>
+          <a:p>
+            <a:fld id="{C1FF6DA9-008F-8B48-92A6-B652298478BF}" type="slidenum">
+              <a:rPr lang="en-US" smtClean="0"/>
+              <a:t>‹#›</a:t>
+            </a:fld>
+            <a:endParaRPr lang="en-US"/>
+          </a:p>
+        </p:txBody>
+      </p:sp>
+    </p:spTree>
+    <p:extLst>
+      <p:ext uri="{BB962C8B-B14F-4D97-AF65-F5344CB8AC3E}">
+        <p14:creationId xmlns:p14="http://schemas.microsoft.com/office/powerpoint/2010/main" val="2470818347"/>
+      </p:ext>
+    </p:extLst>
+  </p:cSld>
+  <p:clrMapOvr>
+    <a:masterClrMapping/>
+  </p:clrMapOvr>
+</p:sldLayout>
+</file>
+
+<file path=ppt/slideLayouts/slideLayout13.xml><?xml version="1.0" encoding="utf-8"?>
+<p:sldLayout xmlns:a="http://schemas.openxmlformats.org/drawingml/2006/main" xmlns:r="http://schemas.openxmlformats.org/officeDocument/2006/relationships" xmlns:p="http://schemas.openxmlformats.org/presentationml/2006/main" preserve="1">
+  <p:cSld name="Quote Name Card">
+    <p:spTree>
+      <p:nvGrpSpPr>
+        <p:cNvPr id="1" name=""/>
+        <p:cNvGrpSpPr/>
+        <p:nvPr/>
+      </p:nvGrpSpPr>
+      <p:grpSpPr>
+        <a:xfrm>
+          <a:off x="0" y="0"/>
+          <a:ext cx="0" cy="0"/>
+          <a:chOff x="0" y="0"/>
+          <a:chExt cx="0" cy="0"/>
+        </a:xfrm>
+      </p:grpSpPr>
+      <p:sp>
+        <p:nvSpPr>
+          <p:cNvPr id="2" name="Title 1"/>
+          <p:cNvSpPr>
+            <a:spLocks noGrp="1"/>
+          </p:cNvSpPr>
+          <p:nvPr>
+            <p:ph type="title"/>
+          </p:nvPr>
+        </p:nvSpPr>
+        <p:spPr>
+          <a:xfrm>
+            <a:off x="774885" y="609600"/>
+            <a:ext cx="6072182" cy="3022600"/>
+          </a:xfrm>
+        </p:spPr>
+        <p:txBody>
+          <a:bodyPr anchor="ctr">
+            <a:normAutofit/>
+          </a:bodyPr>
+          <a:lstStyle>
+            <a:lvl1pPr algn="l">
+              <a:defRPr sz="4400" b="0" cap="none"/>
+            </a:lvl1pPr>
+          </a:lstStyle>
+          <a:p>
+            <a:r>
+              <a:rPr lang="en-US" smtClean="0"/>
+              <a:t>Click to edit Master title style</a:t>
+            </a:r>
+            <a:endParaRPr lang="en-US" dirty="0"/>
+          </a:p>
+        </p:txBody>
+      </p:sp>
+      <p:sp>
+        <p:nvSpPr>
+          <p:cNvPr id="23" name="Text Placeholder 9"/>
+          <p:cNvSpPr>
+            <a:spLocks noGrp="1"/>
+          </p:cNvSpPr>
+          <p:nvPr>
+            <p:ph type="body" sz="quarter" idx="13"/>
+          </p:nvPr>
+        </p:nvSpPr>
+        <p:spPr>
+          <a:xfrm>
+            <a:off x="609597" y="4013200"/>
+            <a:ext cx="6347716" cy="514248"/>
+          </a:xfrm>
+        </p:spPr>
+        <p:txBody>
+          <a:bodyPr anchor="b">
+            <a:noAutofit/>
+          </a:bodyPr>
+          <a:lstStyle>
+            <a:lvl1pPr marL="0" indent="0">
+              <a:buFontTx/>
+              <a:buNone/>
+              <a:defRPr sz="2400">
+                <a:solidFill>
+                  <a:schemeClr val="tx1">
+                    <a:lumMod val="75000"/>
+                    <a:lumOff val="25000"/>
+                  </a:schemeClr>
+                </a:solidFill>
+              </a:defRPr>
+            </a:lvl1pPr>
+            <a:lvl2pPr marL="457200" indent="0">
+              <a:buFontTx/>
+              <a:buNone/>
+              <a:defRPr/>
+            </a:lvl2pPr>
+            <a:lvl3pPr marL="914400" indent="0">
+              <a:buFontTx/>
+              <a:buNone/>
+              <a:defRPr/>
+            </a:lvl3pPr>
+            <a:lvl4pPr marL="1371600" indent="0">
+              <a:buFontTx/>
+              <a:buNone/>
+              <a:defRPr/>
+            </a:lvl4pPr>
+            <a:lvl5pPr marL="1828800" indent="0">
+              <a:buFontTx/>
+              <a:buNone/>
+              <a:defRPr/>
+            </a:lvl5pPr>
+          </a:lstStyle>
+          <a:p>
+            <a:pPr lvl="0"/>
+            <a:r>
+              <a:rPr lang="en-US" smtClean="0"/>
+              <a:t>Edit Master text styles</a:t>
+            </a:r>
+          </a:p>
+        </p:txBody>
+      </p:sp>
+      <p:sp>
+        <p:nvSpPr>
+          <p:cNvPr id="3" name="Text Placeholder 2"/>
+          <p:cNvSpPr>
+            <a:spLocks noGrp="1"/>
+          </p:cNvSpPr>
+          <p:nvPr>
+            <p:ph type="body" idx="1"/>
+          </p:nvPr>
+        </p:nvSpPr>
+        <p:spPr>
+          <a:xfrm>
+            <a:off x="609598" y="4527448"/>
+            <a:ext cx="6347715" cy="1513914"/>
+          </a:xfrm>
+        </p:spPr>
+        <p:txBody>
+          <a:bodyPr anchor="t">
+            <a:normAutofit/>
+          </a:bodyPr>
+          <a:lstStyle>
+            <a:lvl1pPr marL="0" indent="0" algn="l">
+              <a:buNone/>
+              <a:defRPr sz="1800">
+                <a:solidFill>
+                  <a:schemeClr val="tx1">
+                    <a:lumMod val="50000"/>
+                    <a:lumOff val="50000"/>
+                  </a:schemeClr>
+                </a:solidFill>
+              </a:defRPr>
+            </a:lvl1pPr>
+            <a:lvl2pPr marL="457200" indent="0">
+              <a:buNone/>
+              <a:defRPr sz="1800">
+                <a:solidFill>
+                  <a:schemeClr val="tx1">
+                    <a:tint val="75000"/>
+                  </a:schemeClr>
+                </a:solidFill>
+              </a:defRPr>
+            </a:lvl2pPr>
+            <a:lvl3pPr marL="914400" indent="0">
+              <a:buNone/>
+              <a:defRPr sz="1600">
+                <a:solidFill>
+                  <a:schemeClr val="tx1">
+                    <a:tint val="75000"/>
+                  </a:schemeClr>
+                </a:solidFill>
+              </a:defRPr>
+            </a:lvl3pPr>
+            <a:lvl4pPr marL="1371600" indent="0">
+              <a:buNone/>
+              <a:defRPr sz="1400">
+                <a:solidFill>
+                  <a:schemeClr val="tx1">
+                    <a:tint val="75000"/>
+                  </a:schemeClr>
+                </a:solidFill>
+              </a:defRPr>
+            </a:lvl4pPr>
+            <a:lvl5pPr marL="1828800" indent="0">
+              <a:buNone/>
+              <a:defRPr sz="1400">
+                <a:solidFill>
+                  <a:schemeClr val="tx1">
+                    <a:tint val="75000"/>
+                  </a:schemeClr>
+                </a:solidFill>
+              </a:defRPr>
+            </a:lvl5pPr>
+            <a:lvl6pPr marL="2286000" indent="0">
+              <a:buNone/>
+              <a:defRPr sz="1400">
+                <a:solidFill>
+                  <a:schemeClr val="tx1">
+                    <a:tint val="75000"/>
+                  </a:schemeClr>
+                </a:solidFill>
+              </a:defRPr>
+            </a:lvl6pPr>
+            <a:lvl7pPr marL="2743200" indent="0">
+              <a:buNone/>
+              <a:defRPr sz="1400">
+                <a:solidFill>
+                  <a:schemeClr val="tx1">
+                    <a:tint val="75000"/>
+                  </a:schemeClr>
+                </a:solidFill>
+              </a:defRPr>
+            </a:lvl7pPr>
+            <a:lvl8pPr marL="3200400" indent="0">
+              <a:buNone/>
+              <a:defRPr sz="1400">
+                <a:solidFill>
+                  <a:schemeClr val="tx1">
+                    <a:tint val="75000"/>
+                  </a:schemeClr>
+                </a:solidFill>
+              </a:defRPr>
+            </a:lvl8pPr>
+            <a:lvl9pPr marL="3657600" indent="0">
+              <a:buNone/>
+              <a:defRPr sz="1400">
+                <a:solidFill>
+                  <a:schemeClr val="tx1">
+                    <a:tint val="75000"/>
+                  </a:schemeClr>
+                </a:solidFill>
+              </a:defRPr>
+            </a:lvl9pPr>
+          </a:lstStyle>
+          <a:p>
+            <a:pPr lvl="0"/>
+            <a:r>
+              <a:rPr lang="en-US" smtClean="0"/>
+              <a:t>Edit Master text styles</a:t>
+            </a:r>
+          </a:p>
+        </p:txBody>
+      </p:sp>
+      <p:sp>
+        <p:nvSpPr>
+          <p:cNvPr id="4" name="Date Placeholder 3"/>
+          <p:cNvSpPr>
+            <a:spLocks noGrp="1"/>
+          </p:cNvSpPr>
+          <p:nvPr>
+            <p:ph type="dt" sz="half" idx="10"/>
+          </p:nvPr>
+        </p:nvSpPr>
+        <p:spPr/>
+        <p:txBody>
+          <a:bodyPr/>
+          <a:lstStyle/>
+          <a:p>
+            <a:fld id="{5BCAD085-E8A6-8845-BD4E-CB4CCA059FC4}" type="datetimeFigureOut">
+              <a:rPr lang="en-US" smtClean="0"/>
+              <a:t>3/12/2025</a:t>
+            </a:fld>
+            <a:endParaRPr lang="en-US"/>
+          </a:p>
+        </p:txBody>
+      </p:sp>
+      <p:sp>
+        <p:nvSpPr>
+          <p:cNvPr id="5" name="Footer Placeholder 4"/>
+          <p:cNvSpPr>
+            <a:spLocks noGrp="1"/>
+          </p:cNvSpPr>
+          <p:nvPr>
+            <p:ph type="ftr" sz="quarter" idx="11"/>
+          </p:nvPr>
+        </p:nvSpPr>
+        <p:spPr/>
+        <p:txBody>
+          <a:bodyPr/>
+          <a:lstStyle/>
+          <a:p>
+            <a:endParaRPr lang="en-US"/>
+          </a:p>
+        </p:txBody>
+      </p:sp>
+      <p:sp>
+        <p:nvSpPr>
+          <p:cNvPr id="6" name="Slide Number Placeholder 5"/>
+          <p:cNvSpPr>
+            <a:spLocks noGrp="1"/>
+          </p:cNvSpPr>
+          <p:nvPr>
+            <p:ph type="sldNum" sz="quarter" idx="12"/>
+          </p:nvPr>
+        </p:nvSpPr>
+        <p:spPr/>
+        <p:txBody>
+          <a:bodyPr/>
+          <a:lstStyle/>
+          <a:p>
+            <a:fld id="{C1FF6DA9-008F-8B48-92A6-B652298478BF}" type="slidenum">
+              <a:rPr lang="en-US" smtClean="0"/>
+              <a:t>‹#›</a:t>
+            </a:fld>
+            <a:endParaRPr lang="en-US"/>
+          </a:p>
+        </p:txBody>
+      </p:sp>
+      <p:sp>
+        <p:nvSpPr>
+          <p:cNvPr id="24" name="TextBox 23"/>
+          <p:cNvSpPr txBox="1"/>
+          <p:nvPr/>
+        </p:nvSpPr>
+        <p:spPr>
+          <a:xfrm>
+            <a:off x="482711" y="790378"/>
+            <a:ext cx="457319" cy="584776"/>
+          </a:xfrm>
+          <a:prstGeom prst="rect">
+            <a:avLst/>
+          </a:prstGeom>
+        </p:spPr>
+        <p:txBody>
+          <a:bodyPr vert="horz" lIns="91440" tIns="45720" rIns="91440" bIns="45720" rtlCol="0" anchor="ctr">
+            <a:noAutofit/>
+          </a:bodyPr>
+          <a:lstStyle/>
+          <a:p>
+            <a:pPr lvl="0"/>
+            <a:r>
+              <a:rPr lang="en-US" sz="8000" baseline="0" dirty="0">
+                <a:ln w="3175" cmpd="sng">
+                  <a:noFill/>
+                </a:ln>
+                <a:solidFill>
+                  <a:schemeClr val="accent1">
+                    <a:lumMod val="60000"/>
+                    <a:lumOff val="40000"/>
+                  </a:schemeClr>
+                </a:solidFill>
+                <a:effectLst/>
+                <a:latin typeface="Arial"/>
+              </a:rPr>
+              <a:t>“</a:t>
+            </a:r>
+          </a:p>
+        </p:txBody>
+      </p:sp>
+      <p:sp>
+        <p:nvSpPr>
+          <p:cNvPr id="25" name="TextBox 24"/>
+          <p:cNvSpPr txBox="1"/>
+          <p:nvPr/>
+        </p:nvSpPr>
+        <p:spPr>
+          <a:xfrm>
+            <a:off x="6747699" y="2886556"/>
+            <a:ext cx="457319" cy="584776"/>
+          </a:xfrm>
+          <a:prstGeom prst="rect">
+            <a:avLst/>
+          </a:prstGeom>
+        </p:spPr>
+        <p:txBody>
+          <a:bodyPr vert="horz" lIns="91440" tIns="45720" rIns="91440" bIns="45720" rtlCol="0" anchor="ctr">
+            <a:noAutofit/>
+          </a:bodyPr>
+          <a:lstStyle/>
+          <a:p>
+            <a:pPr lvl="0"/>
+            <a:r>
+              <a:rPr lang="en-US" sz="8000" baseline="0" dirty="0">
+                <a:ln w="3175" cmpd="sng">
+                  <a:noFill/>
+                </a:ln>
+                <a:solidFill>
+                  <a:schemeClr val="accent1">
+                    <a:lumMod val="60000"/>
+                    <a:lumOff val="40000"/>
+                  </a:schemeClr>
+                </a:solidFill>
+                <a:effectLst/>
+                <a:latin typeface="Arial"/>
+              </a:rPr>
+              <a:t>”</a:t>
+            </a:r>
+          </a:p>
+        </p:txBody>
+      </p:sp>
+    </p:spTree>
+    <p:extLst>
+      <p:ext uri="{BB962C8B-B14F-4D97-AF65-F5344CB8AC3E}">
+        <p14:creationId xmlns:p14="http://schemas.microsoft.com/office/powerpoint/2010/main" val="2373362886"/>
+      </p:ext>
+    </p:extLst>
+  </p:cSld>
+  <p:clrMapOvr>
+    <a:masterClrMapping/>
+  </p:clrMapOvr>
+</p:sldLayout>
+</file>
+
+<file path=ppt/slideLayouts/slideLayout14.xml><?xml version="1.0" encoding="utf-8"?>
+<p:sldLayout xmlns:a="http://schemas.openxmlformats.org/drawingml/2006/main" xmlns:r="http://schemas.openxmlformats.org/officeDocument/2006/relationships" xmlns:p="http://schemas.openxmlformats.org/presentationml/2006/main" preserve="1">
+  <p:cSld name="True or False">
+    <p:spTree>
+      <p:nvGrpSpPr>
+        <p:cNvPr id="1" name=""/>
+        <p:cNvGrpSpPr/>
+        <p:nvPr/>
+      </p:nvGrpSpPr>
+      <p:grpSpPr>
+        <a:xfrm>
+          <a:off x="0" y="0"/>
+          <a:ext cx="0" cy="0"/>
+          <a:chOff x="0" y="0"/>
+          <a:chExt cx="0" cy="0"/>
+        </a:xfrm>
+      </p:grpSpPr>
+      <p:sp>
+        <p:nvSpPr>
+          <p:cNvPr id="2" name="Title 1"/>
+          <p:cNvSpPr>
+            <a:spLocks noGrp="1"/>
+          </p:cNvSpPr>
+          <p:nvPr>
+            <p:ph type="title"/>
+          </p:nvPr>
+        </p:nvSpPr>
+        <p:spPr>
+          <a:xfrm>
+            <a:off x="615848" y="609600"/>
+            <a:ext cx="6341465" cy="3022600"/>
+          </a:xfrm>
+        </p:spPr>
+        <p:txBody>
+          <a:bodyPr anchor="ctr">
+            <a:normAutofit/>
+          </a:bodyPr>
+          <a:lstStyle>
+            <a:lvl1pPr algn="l">
+              <a:defRPr sz="4400" b="0" cap="none"/>
+            </a:lvl1pPr>
+          </a:lstStyle>
+          <a:p>
+            <a:r>
+              <a:rPr lang="en-US" smtClean="0"/>
+              <a:t>Click to edit Master title style</a:t>
+            </a:r>
+            <a:endParaRPr lang="en-US" dirty="0"/>
+          </a:p>
+        </p:txBody>
+      </p:sp>
+      <p:sp>
+        <p:nvSpPr>
+          <p:cNvPr id="23" name="Text Placeholder 9"/>
+          <p:cNvSpPr>
+            <a:spLocks noGrp="1"/>
+          </p:cNvSpPr>
+          <p:nvPr>
+            <p:ph type="body" sz="quarter" idx="13"/>
+          </p:nvPr>
+        </p:nvSpPr>
+        <p:spPr>
+          <a:xfrm>
+            <a:off x="609597" y="4013200"/>
+            <a:ext cx="6347716" cy="514248"/>
+          </a:xfrm>
+        </p:spPr>
+        <p:txBody>
+          <a:bodyPr anchor="b">
+            <a:noAutofit/>
+          </a:bodyPr>
+          <a:lstStyle>
+            <a:lvl1pPr marL="0" indent="0">
+              <a:buFontTx/>
+              <a:buNone/>
+              <a:defRPr sz="2400">
+                <a:solidFill>
+                  <a:schemeClr val="accent1"/>
+                </a:solidFill>
+              </a:defRPr>
+            </a:lvl1pPr>
+            <a:lvl2pPr marL="457200" indent="0">
+              <a:buFontTx/>
+              <a:buNone/>
+              <a:defRPr/>
+            </a:lvl2pPr>
+            <a:lvl3pPr marL="914400" indent="0">
+              <a:buFontTx/>
+              <a:buNone/>
+              <a:defRPr/>
+            </a:lvl3pPr>
+            <a:lvl4pPr marL="1371600" indent="0">
+              <a:buFontTx/>
+              <a:buNone/>
+              <a:defRPr/>
+            </a:lvl4pPr>
+            <a:lvl5pPr marL="1828800" indent="0">
+              <a:buFontTx/>
+              <a:buNone/>
+              <a:defRPr/>
+            </a:lvl5pPr>
+          </a:lstStyle>
+          <a:p>
+            <a:pPr lvl="0"/>
+            <a:r>
+              <a:rPr lang="en-US" smtClean="0"/>
+              <a:t>Edit Master text styles</a:t>
+            </a:r>
+          </a:p>
+        </p:txBody>
+      </p:sp>
+      <p:sp>
+        <p:nvSpPr>
+          <p:cNvPr id="3" name="Text Placeholder 2"/>
+          <p:cNvSpPr>
+            <a:spLocks noGrp="1"/>
+          </p:cNvSpPr>
+          <p:nvPr>
+            <p:ph type="body" idx="1"/>
+          </p:nvPr>
+        </p:nvSpPr>
+        <p:spPr>
+          <a:xfrm>
+            <a:off x="609598" y="4527448"/>
+            <a:ext cx="6347715" cy="1513914"/>
+          </a:xfrm>
+        </p:spPr>
+        <p:txBody>
+          <a:bodyPr anchor="t">
+            <a:normAutofit/>
+          </a:bodyPr>
+          <a:lstStyle>
+            <a:lvl1pPr marL="0" indent="0" algn="l">
+              <a:buNone/>
+              <a:defRPr sz="1800">
+                <a:solidFill>
+                  <a:schemeClr val="tx1">
+                    <a:lumMod val="50000"/>
+                    <a:lumOff val="50000"/>
+                  </a:schemeClr>
+                </a:solidFill>
+              </a:defRPr>
+            </a:lvl1pPr>
+            <a:lvl2pPr marL="457200" indent="0">
+              <a:buNone/>
+              <a:defRPr sz="1800">
+                <a:solidFill>
+                  <a:schemeClr val="tx1">
+                    <a:tint val="75000"/>
+                  </a:schemeClr>
+                </a:solidFill>
+              </a:defRPr>
+            </a:lvl2pPr>
+            <a:lvl3pPr marL="914400" indent="0">
+              <a:buNone/>
+              <a:defRPr sz="1600">
+                <a:solidFill>
+                  <a:schemeClr val="tx1">
+                    <a:tint val="75000"/>
+                  </a:schemeClr>
+                </a:solidFill>
+              </a:defRPr>
+            </a:lvl3pPr>
+            <a:lvl4pPr marL="1371600" indent="0">
+              <a:buNone/>
+              <a:defRPr sz="1400">
+                <a:solidFill>
+                  <a:schemeClr val="tx1">
+                    <a:tint val="75000"/>
+                  </a:schemeClr>
+                </a:solidFill>
+              </a:defRPr>
+            </a:lvl4pPr>
+            <a:lvl5pPr marL="1828800" indent="0">
+              <a:buNone/>
+              <a:defRPr sz="1400">
+                <a:solidFill>
+                  <a:schemeClr val="tx1">
+                    <a:tint val="75000"/>
+                  </a:schemeClr>
+                </a:solidFill>
+              </a:defRPr>
+            </a:lvl5pPr>
+            <a:lvl6pPr marL="2286000" indent="0">
+              <a:buNone/>
+              <a:defRPr sz="1400">
+                <a:solidFill>
+                  <a:schemeClr val="tx1">
+                    <a:tint val="75000"/>
+                  </a:schemeClr>
+                </a:solidFill>
+              </a:defRPr>
+            </a:lvl6pPr>
+            <a:lvl7pPr marL="2743200" indent="0">
+              <a:buNone/>
+              <a:defRPr sz="1400">
+                <a:solidFill>
+                  <a:schemeClr val="tx1">
+                    <a:tint val="75000"/>
+                  </a:schemeClr>
+                </a:solidFill>
+              </a:defRPr>
+            </a:lvl7pPr>
+            <a:lvl8pPr marL="3200400" indent="0">
+              <a:buNone/>
+              <a:defRPr sz="1400">
+                <a:solidFill>
+                  <a:schemeClr val="tx1">
+                    <a:tint val="75000"/>
+                  </a:schemeClr>
+                </a:solidFill>
+              </a:defRPr>
+            </a:lvl8pPr>
+            <a:lvl9pPr marL="3657600" indent="0">
+              <a:buNone/>
+              <a:defRPr sz="1400">
+                <a:solidFill>
+                  <a:schemeClr val="tx1">
+                    <a:tint val="75000"/>
+                  </a:schemeClr>
+                </a:solidFill>
+              </a:defRPr>
+            </a:lvl9pPr>
+          </a:lstStyle>
+          <a:p>
+            <a:pPr lvl="0"/>
+            <a:r>
+              <a:rPr lang="en-US" smtClean="0"/>
+              <a:t>Edit Master text styles</a:t>
+            </a:r>
+          </a:p>
+        </p:txBody>
+      </p:sp>
+      <p:sp>
+        <p:nvSpPr>
+          <p:cNvPr id="4" name="Date Placeholder 3"/>
+          <p:cNvSpPr>
+            <a:spLocks noGrp="1"/>
+          </p:cNvSpPr>
+          <p:nvPr>
+            <p:ph type="dt" sz="half" idx="10"/>
+          </p:nvPr>
+        </p:nvSpPr>
+        <p:spPr/>
+        <p:txBody>
+          <a:bodyPr/>
+          <a:lstStyle/>
+          <a:p>
+            <a:fld id="{5BCAD085-E8A6-8845-BD4E-CB4CCA059FC4}" type="datetimeFigureOut">
+              <a:rPr lang="en-US" smtClean="0"/>
+              <a:t>3/12/2025</a:t>
+            </a:fld>
+            <a:endParaRPr lang="en-US"/>
+          </a:p>
+        </p:txBody>
+      </p:sp>
+      <p:sp>
+        <p:nvSpPr>
+          <p:cNvPr id="5" name="Footer Placeholder 4"/>
+          <p:cNvSpPr>
+            <a:spLocks noGrp="1"/>
+          </p:cNvSpPr>
+          <p:nvPr>
+            <p:ph type="ftr" sz="quarter" idx="11"/>
+          </p:nvPr>
+        </p:nvSpPr>
+        <p:spPr/>
+        <p:txBody>
+          <a:bodyPr/>
+          <a:lstStyle/>
+          <a:p>
+            <a:endParaRPr lang="en-US"/>
+          </a:p>
+        </p:txBody>
+      </p:sp>
+      <p:sp>
+        <p:nvSpPr>
+          <p:cNvPr id="6" name="Slide Number Placeholder 5"/>
+          <p:cNvSpPr>
+            <a:spLocks noGrp="1"/>
+          </p:cNvSpPr>
+          <p:nvPr>
+            <p:ph type="sldNum" sz="quarter" idx="12"/>
+          </p:nvPr>
+        </p:nvSpPr>
+        <p:spPr/>
+        <p:txBody>
+          <a:bodyPr/>
+          <a:lstStyle/>
+          <a:p>
+            <a:fld id="{C1FF6DA9-008F-8B48-92A6-B652298478BF}" type="slidenum">
+              <a:rPr lang="en-US" smtClean="0"/>
+              <a:t>‹#›</a:t>
+            </a:fld>
+            <a:endParaRPr lang="en-US"/>
+          </a:p>
+        </p:txBody>
+      </p:sp>
+    </p:spTree>
+    <p:extLst>
+      <p:ext uri="{BB962C8B-B14F-4D97-AF65-F5344CB8AC3E}">
+        <p14:creationId xmlns:p14="http://schemas.microsoft.com/office/powerpoint/2010/main" val="4054745200"/>
+      </p:ext>
+    </p:extLst>
+  </p:cSld>
+  <p:clrMapOvr>
+    <a:masterClrMapping/>
+  </p:clrMapOvr>
+</p:sldLayout>
+</file>
+
+<file path=ppt/slideLayouts/slideLayout15.xml><?xml version="1.0" encoding="utf-8"?>
 <p:sldLayout xmlns:a="http://schemas.openxmlformats.org/drawingml/2006/main" xmlns:r="http://schemas.openxmlformats.org/officeDocument/2006/relationships" xmlns:p="http://schemas.openxmlformats.org/presentationml/2006/main" type="vertTx" preserve="1">
   <p:cSld name="Title and Vertical Text">
     <p:spTree>
@@ -1098,7 +3315,7 @@
               <a:rPr lang="en-US" smtClean="0"/>
               <a:t>Click to edit Master title style</a:t>
             </a:r>
-            <a:endParaRPr lang="en-US"/>
+            <a:endParaRPr lang="en-US" dirty="0"/>
           </a:p>
         </p:txBody>
       </p:sp>
@@ -1120,7 +3337,7 @@
             <a:pPr lvl="0"/>
             <a:r>
               <a:rPr lang="en-US" smtClean="0"/>
-              <a:t>Click to edit Master text styles</a:t>
+              <a:t>Edit Master text styles</a:t>
             </a:r>
           </a:p>
           <a:p>
@@ -1150,7 +3367,7 @@
               <a:rPr lang="en-US" smtClean="0"/>
               <a:t>Fifth level</a:t>
             </a:r>
-            <a:endParaRPr lang="en-US"/>
+            <a:endParaRPr lang="en-US" dirty="0"/>
           </a:p>
         </p:txBody>
       </p:sp>
@@ -1171,7 +3388,7 @@
           <a:p>
             <a:fld id="{5BCAD085-E8A6-8845-BD4E-CB4CCA059FC4}" type="datetimeFigureOut">
               <a:rPr lang="en-US" smtClean="0"/>
-              <a:t>3/11/2025</a:t>
+              <a:t>3/12/2025</a:t>
             </a:fld>
             <a:endParaRPr lang="en-US"/>
           </a:p>
@@ -1222,7 +3439,7 @@
     </p:spTree>
     <p:extLst>
       <p:ext uri="{BB962C8B-B14F-4D97-AF65-F5344CB8AC3E}">
-        <p14:creationId xmlns:p14="http://schemas.microsoft.com/office/powerpoint/2010/main" val="2910927964"/>
+        <p14:creationId xmlns:p14="http://schemas.microsoft.com/office/powerpoint/2010/main" val="1371848604"/>
       </p:ext>
     </p:extLst>
   </p:cSld>
@@ -1232,7 +3449,7 @@
 </p:sldLayout>
 </file>
 
-<file path=ppt/slideLayouts/slideLayout11.xml><?xml version="1.0" encoding="utf-8"?>
+<file path=ppt/slideLayouts/slideLayout16.xml><?xml version="1.0" encoding="utf-8"?>
 <p:sldLayout xmlns:a="http://schemas.openxmlformats.org/drawingml/2006/main" xmlns:r="http://schemas.openxmlformats.org/officeDocument/2006/relationships" xmlns:p="http://schemas.openxmlformats.org/presentationml/2006/main" type="vertTitleAndTx" preserve="1">
   <p:cSld name="Vertical Title and Text">
     <p:spTree>
@@ -1261,46 +3478,46 @@
         </p:nvSpPr>
         <p:spPr>
           <a:xfrm>
-            <a:off x="6629400" y="274638"/>
-            <a:ext cx="2057400" cy="5851525"/>
+            <a:off x="5977312" y="609600"/>
+            <a:ext cx="978812" cy="5251451"/>
           </a:xfrm>
         </p:spPr>
         <p:txBody>
+          <a:bodyPr vert="eaVert" anchor="ctr"/>
+          <a:lstStyle/>
+          <a:p>
+            <a:r>
+              <a:rPr lang="en-US" smtClean="0"/>
+              <a:t>Click to edit Master title style</a:t>
+            </a:r>
+            <a:endParaRPr lang="en-US" dirty="0"/>
+          </a:p>
+        </p:txBody>
+      </p:sp>
+      <p:sp>
+        <p:nvSpPr>
+          <p:cNvPr id="3" name="Vertical Text Placeholder 2"/>
+          <p:cNvSpPr>
+            <a:spLocks noGrp="1"/>
+          </p:cNvSpPr>
+          <p:nvPr>
+            <p:ph type="body" orient="vert" idx="1"/>
+          </p:nvPr>
+        </p:nvSpPr>
+        <p:spPr>
+          <a:xfrm>
+            <a:off x="609599" y="609600"/>
+            <a:ext cx="5195026" cy="5251451"/>
+          </a:xfrm>
+        </p:spPr>
+        <p:txBody>
           <a:bodyPr vert="eaVert"/>
           <a:lstStyle/>
           <a:p>
-            <a:r>
-              <a:rPr lang="en-US" smtClean="0"/>
-              <a:t>Click to edit Master title style</a:t>
-            </a:r>
-            <a:endParaRPr lang="en-US"/>
-          </a:p>
-        </p:txBody>
-      </p:sp>
-      <p:sp>
-        <p:nvSpPr>
-          <p:cNvPr id="3" name="Vertical Text Placeholder 2"/>
-          <p:cNvSpPr>
-            <a:spLocks noGrp="1"/>
-          </p:cNvSpPr>
-          <p:nvPr>
-            <p:ph type="body" orient="vert" idx="1"/>
-          </p:nvPr>
-        </p:nvSpPr>
-        <p:spPr>
-          <a:xfrm>
-            <a:off x="457200" y="274638"/>
-            <a:ext cx="6019800" cy="5851525"/>
-          </a:xfrm>
-        </p:spPr>
-        <p:txBody>
-          <a:bodyPr vert="eaVert"/>
-          <a:lstStyle/>
-          <a:p>
             <a:pPr lvl="0"/>
             <a:r>
               <a:rPr lang="en-US" smtClean="0"/>
-              <a:t>Click to edit Master text styles</a:t>
+              <a:t>Edit Master text styles</a:t>
             </a:r>
           </a:p>
           <a:p>
@@ -1330,7 +3547,7 @@
               <a:rPr lang="en-US" smtClean="0"/>
               <a:t>Fifth level</a:t>
             </a:r>
-            <a:endParaRPr lang="en-US"/>
+            <a:endParaRPr lang="en-US" dirty="0"/>
           </a:p>
         </p:txBody>
       </p:sp>
@@ -1351,7 +3568,7 @@
           <a:p>
             <a:fld id="{5BCAD085-E8A6-8845-BD4E-CB4CCA059FC4}" type="datetimeFigureOut">
               <a:rPr lang="en-US" smtClean="0"/>
-              <a:t>3/11/2025</a:t>
+              <a:t>3/12/2025</a:t>
             </a:fld>
             <a:endParaRPr lang="en-US"/>
           </a:p>
@@ -1402,7 +3619,7 @@
     </p:spTree>
     <p:extLst>
       <p:ext uri="{BB962C8B-B14F-4D97-AF65-F5344CB8AC3E}">
-        <p14:creationId xmlns:p14="http://schemas.microsoft.com/office/powerpoint/2010/main" val="3612223792"/>
+        <p14:creationId xmlns:p14="http://schemas.microsoft.com/office/powerpoint/2010/main" val="2835303654"/>
       </p:ext>
     </p:extLst>
   </p:cSld>
@@ -1448,7 +3665,7 @@
               <a:rPr lang="en-US" smtClean="0"/>
               <a:t>Click to edit Master title style</a:t>
             </a:r>
-            <a:endParaRPr lang="en-US"/>
+            <a:endParaRPr lang="en-US" dirty="0"/>
           </a:p>
         </p:txBody>
       </p:sp>
@@ -1470,7 +3687,7 @@
             <a:pPr lvl="0"/>
             <a:r>
               <a:rPr lang="en-US" smtClean="0"/>
-              <a:t>Click to edit Master text styles</a:t>
+              <a:t>Edit Master text styles</a:t>
             </a:r>
           </a:p>
           <a:p>
@@ -1500,7 +3717,7 @@
               <a:rPr lang="en-US" smtClean="0"/>
               <a:t>Fifth level</a:t>
             </a:r>
-            <a:endParaRPr lang="en-US"/>
+            <a:endParaRPr lang="en-US" dirty="0"/>
           </a:p>
         </p:txBody>
       </p:sp>
@@ -1521,7 +3738,7 @@
           <a:p>
             <a:fld id="{5BCAD085-E8A6-8845-BD4E-CB4CCA059FC4}" type="datetimeFigureOut">
               <a:rPr lang="en-US" smtClean="0"/>
-              <a:t>3/11/2025</a:t>
+              <a:t>3/12/2025</a:t>
             </a:fld>
             <a:endParaRPr lang="en-US"/>
           </a:p>
@@ -1572,7 +3789,7 @@
     </p:spTree>
     <p:extLst>
       <p:ext uri="{BB962C8B-B14F-4D97-AF65-F5344CB8AC3E}">
-        <p14:creationId xmlns:p14="http://schemas.microsoft.com/office/powerpoint/2010/main" val="2614314258"/>
+        <p14:creationId xmlns:p14="http://schemas.microsoft.com/office/powerpoint/2010/main" val="305426902"/>
       </p:ext>
     </p:extLst>
   </p:cSld>
@@ -1611,51 +3828,52 @@
         </p:nvSpPr>
         <p:spPr>
           <a:xfrm>
-            <a:off x="722313" y="4406900"/>
-            <a:ext cx="7772400" cy="1362075"/>
+            <a:off x="609598" y="2700868"/>
+            <a:ext cx="6347715" cy="1826581"/>
           </a:xfrm>
         </p:spPr>
         <p:txBody>
+          <a:bodyPr anchor="b"/>
+          <a:lstStyle>
+            <a:lvl1pPr algn="l">
+              <a:defRPr sz="4000" b="0" cap="none"/>
+            </a:lvl1pPr>
+          </a:lstStyle>
+          <a:p>
+            <a:r>
+              <a:rPr lang="en-US" smtClean="0"/>
+              <a:t>Click to edit Master title style</a:t>
+            </a:r>
+            <a:endParaRPr lang="en-US" dirty="0"/>
+          </a:p>
+        </p:txBody>
+      </p:sp>
+      <p:sp>
+        <p:nvSpPr>
+          <p:cNvPr id="3" name="Text Placeholder 2"/>
+          <p:cNvSpPr>
+            <a:spLocks noGrp="1"/>
+          </p:cNvSpPr>
+          <p:nvPr>
+            <p:ph type="body" idx="1"/>
+          </p:nvPr>
+        </p:nvSpPr>
+        <p:spPr>
+          <a:xfrm>
+            <a:off x="609598" y="4527448"/>
+            <a:ext cx="6347715" cy="860400"/>
+          </a:xfrm>
+        </p:spPr>
+        <p:txBody>
           <a:bodyPr anchor="t"/>
           <a:lstStyle>
-            <a:lvl1pPr algn="l">
-              <a:defRPr sz="4000" b="1" cap="all"/>
-            </a:lvl1pPr>
-          </a:lstStyle>
-          <a:p>
-            <a:r>
-              <a:rPr lang="en-US" smtClean="0"/>
-              <a:t>Click to edit Master title style</a:t>
-            </a:r>
-            <a:endParaRPr lang="en-US"/>
-          </a:p>
-        </p:txBody>
-      </p:sp>
-      <p:sp>
-        <p:nvSpPr>
-          <p:cNvPr id="3" name="Text Placeholder 2"/>
-          <p:cNvSpPr>
-            <a:spLocks noGrp="1"/>
-          </p:cNvSpPr>
-          <p:nvPr>
-            <p:ph type="body" idx="1"/>
-          </p:nvPr>
-        </p:nvSpPr>
-        <p:spPr>
-          <a:xfrm>
-            <a:off x="722313" y="2906713"/>
-            <a:ext cx="7772400" cy="1500187"/>
-          </a:xfrm>
-        </p:spPr>
-        <p:txBody>
-          <a:bodyPr anchor="b"/>
-          <a:lstStyle>
-            <a:lvl1pPr marL="0" indent="0">
+            <a:lvl1pPr marL="0" indent="0" algn="l">
               <a:buNone/>
               <a:defRPr sz="2000">
                 <a:solidFill>
                   <a:schemeClr val="tx1">
-                    <a:tint val="75000"/>
+                    <a:lumMod val="50000"/>
+                    <a:lumOff val="50000"/>
                   </a:schemeClr>
                 </a:solidFill>
               </a:defRPr>
@@ -1745,7 +3963,7 @@
             <a:pPr lvl="0"/>
             <a:r>
               <a:rPr lang="en-US" smtClean="0"/>
-              <a:t>Click to edit Master text styles</a:t>
+              <a:t>Edit Master text styles</a:t>
             </a:r>
           </a:p>
         </p:txBody>
@@ -1767,7 +3985,7 @@
           <a:p>
             <a:fld id="{5BCAD085-E8A6-8845-BD4E-CB4CCA059FC4}" type="datetimeFigureOut">
               <a:rPr lang="en-US" smtClean="0"/>
-              <a:t>3/11/2025</a:t>
+              <a:t>3/12/2025</a:t>
             </a:fld>
             <a:endParaRPr lang="en-US"/>
           </a:p>
@@ -1818,7 +4036,7 @@
     </p:spTree>
     <p:extLst>
       <p:ext uri="{BB962C8B-B14F-4D97-AF65-F5344CB8AC3E}">
-        <p14:creationId xmlns:p14="http://schemas.microsoft.com/office/powerpoint/2010/main" val="960648375"/>
+        <p14:creationId xmlns:p14="http://schemas.microsoft.com/office/powerpoint/2010/main" val="3997658027"/>
       </p:ext>
     </p:extLst>
   </p:cSld>
@@ -1855,7 +4073,12 @@
             <p:ph type="title"/>
           </p:nvPr>
         </p:nvSpPr>
-        <p:spPr/>
+        <p:spPr>
+          <a:xfrm>
+            <a:off x="609600" y="609600"/>
+            <a:ext cx="6347714" cy="1320800"/>
+          </a:xfrm>
+        </p:spPr>
         <p:txBody>
           <a:bodyPr/>
           <a:lstStyle/>
@@ -1864,7 +4087,7 @@
               <a:rPr lang="en-US" smtClean="0"/>
               <a:t>Click to edit Master title style</a:t>
             </a:r>
-            <a:endParaRPr lang="en-US"/>
+            <a:endParaRPr lang="en-US" dirty="0"/>
           </a:p>
         </p:txBody>
       </p:sp>
@@ -1880,46 +4103,48 @@
         </p:nvSpPr>
         <p:spPr>
           <a:xfrm>
-            <a:off x="457200" y="1600200"/>
-            <a:ext cx="4038600" cy="4525963"/>
+            <a:off x="609600" y="2160589"/>
+            <a:ext cx="3088109" cy="3880772"/>
           </a:xfrm>
         </p:spPr>
         <p:txBody>
-          <a:bodyPr/>
+          <a:bodyPr>
+            <a:normAutofit/>
+          </a:bodyPr>
           <a:lstStyle>
             <a:lvl1pPr>
-              <a:defRPr sz="2800"/>
+              <a:defRPr sz="1800"/>
             </a:lvl1pPr>
             <a:lvl2pPr>
-              <a:defRPr sz="2400"/>
+              <a:defRPr sz="1600"/>
             </a:lvl2pPr>
             <a:lvl3pPr>
-              <a:defRPr sz="2000"/>
+              <a:defRPr sz="1400"/>
             </a:lvl3pPr>
             <a:lvl4pPr>
-              <a:defRPr sz="1800"/>
+              <a:defRPr sz="1200"/>
             </a:lvl4pPr>
             <a:lvl5pPr>
-              <a:defRPr sz="1800"/>
+              <a:defRPr sz="1200"/>
             </a:lvl5pPr>
             <a:lvl6pPr>
-              <a:defRPr sz="1800"/>
+              <a:defRPr sz="1200"/>
             </a:lvl6pPr>
             <a:lvl7pPr>
-              <a:defRPr sz="1800"/>
+              <a:defRPr sz="1200"/>
             </a:lvl7pPr>
             <a:lvl8pPr>
-              <a:defRPr sz="1800"/>
+              <a:defRPr sz="1200"/>
             </a:lvl8pPr>
             <a:lvl9pPr>
-              <a:defRPr sz="1800"/>
+              <a:defRPr sz="1200"/>
             </a:lvl9pPr>
           </a:lstStyle>
           <a:p>
             <a:pPr lvl="0"/>
             <a:r>
               <a:rPr lang="en-US" smtClean="0"/>
-              <a:t>Click to edit Master text styles</a:t>
+              <a:t>Edit Master text styles</a:t>
             </a:r>
           </a:p>
           <a:p>
@@ -1949,7 +4174,7 @@
               <a:rPr lang="en-US" smtClean="0"/>
               <a:t>Fifth level</a:t>
             </a:r>
-            <a:endParaRPr lang="en-US"/>
+            <a:endParaRPr lang="en-US" dirty="0"/>
           </a:p>
         </p:txBody>
       </p:sp>
@@ -1965,46 +4190,48 @@
         </p:nvSpPr>
         <p:spPr>
           <a:xfrm>
-            <a:off x="4648200" y="1600200"/>
-            <a:ext cx="4038600" cy="4525963"/>
+            <a:off x="3869204" y="2160590"/>
+            <a:ext cx="3088110" cy="3880773"/>
           </a:xfrm>
         </p:spPr>
         <p:txBody>
-          <a:bodyPr/>
+          <a:bodyPr>
+            <a:normAutofit/>
+          </a:bodyPr>
           <a:lstStyle>
             <a:lvl1pPr>
-              <a:defRPr sz="2800"/>
+              <a:defRPr sz="1800"/>
             </a:lvl1pPr>
             <a:lvl2pPr>
-              <a:defRPr sz="2400"/>
+              <a:defRPr sz="1600"/>
             </a:lvl2pPr>
             <a:lvl3pPr>
-              <a:defRPr sz="2000"/>
+              <a:defRPr sz="1400"/>
             </a:lvl3pPr>
             <a:lvl4pPr>
-              <a:defRPr sz="1800"/>
+              <a:defRPr sz="1200"/>
             </a:lvl4pPr>
             <a:lvl5pPr>
-              <a:defRPr sz="1800"/>
+              <a:defRPr sz="1200"/>
             </a:lvl5pPr>
             <a:lvl6pPr>
-              <a:defRPr sz="1800"/>
+              <a:defRPr sz="1200"/>
             </a:lvl6pPr>
             <a:lvl7pPr>
-              <a:defRPr sz="1800"/>
+              <a:defRPr sz="1200"/>
             </a:lvl7pPr>
             <a:lvl8pPr>
-              <a:defRPr sz="1800"/>
+              <a:defRPr sz="1200"/>
             </a:lvl8pPr>
             <a:lvl9pPr>
-              <a:defRPr sz="1800"/>
+              <a:defRPr sz="1200"/>
             </a:lvl9pPr>
           </a:lstStyle>
           <a:p>
             <a:pPr lvl="0"/>
             <a:r>
               <a:rPr lang="en-US" smtClean="0"/>
-              <a:t>Click to edit Master text styles</a:t>
+              <a:t>Edit Master text styles</a:t>
             </a:r>
           </a:p>
           <a:p>
@@ -2034,7 +4261,7 @@
               <a:rPr lang="en-US" smtClean="0"/>
               <a:t>Fifth level</a:t>
             </a:r>
-            <a:endParaRPr lang="en-US"/>
+            <a:endParaRPr lang="en-US" dirty="0"/>
           </a:p>
         </p:txBody>
       </p:sp>
@@ -2055,7 +4282,7 @@
           <a:p>
             <a:fld id="{5BCAD085-E8A6-8845-BD4E-CB4CCA059FC4}" type="datetimeFigureOut">
               <a:rPr lang="en-US" smtClean="0"/>
-              <a:t>3/11/2025</a:t>
+              <a:t>3/12/2025</a:t>
             </a:fld>
             <a:endParaRPr lang="en-US"/>
           </a:p>
@@ -2106,7 +4333,7 @@
     </p:spTree>
     <p:extLst>
       <p:ext uri="{BB962C8B-B14F-4D97-AF65-F5344CB8AC3E}">
-        <p14:creationId xmlns:p14="http://schemas.microsoft.com/office/powerpoint/2010/main" val="2782244947"/>
+        <p14:creationId xmlns:p14="http://schemas.microsoft.com/office/powerpoint/2010/main" val="3571109775"/>
       </p:ext>
     </p:extLst>
   </p:cSld>
@@ -2143,7 +4370,12 @@
             <p:ph type="title"/>
           </p:nvPr>
         </p:nvSpPr>
-        <p:spPr/>
+        <p:spPr>
+          <a:xfrm>
+            <a:off x="609599" y="609600"/>
+            <a:ext cx="6347713" cy="1320800"/>
+          </a:xfrm>
+        </p:spPr>
         <p:txBody>
           <a:bodyPr/>
           <a:lstStyle>
@@ -2156,7 +4388,7 @@
               <a:rPr lang="en-US" smtClean="0"/>
               <a:t>Click to edit Master title style</a:t>
             </a:r>
-            <a:endParaRPr lang="en-US"/>
+            <a:endParaRPr lang="en-US" dirty="0"/>
           </a:p>
         </p:txBody>
       </p:sp>
@@ -2172,16 +4404,18 @@
         </p:nvSpPr>
         <p:spPr>
           <a:xfrm>
-            <a:off x="457200" y="1535113"/>
-            <a:ext cx="4040188" cy="639762"/>
+            <a:off x="609599" y="2160983"/>
+            <a:ext cx="3090672" cy="576262"/>
           </a:xfrm>
         </p:spPr>
         <p:txBody>
-          <a:bodyPr anchor="b"/>
+          <a:bodyPr anchor="b">
+            <a:noAutofit/>
+          </a:bodyPr>
           <a:lstStyle>
             <a:lvl1pPr marL="0" indent="0">
               <a:buNone/>
-              <a:defRPr sz="2400" b="1"/>
+              <a:defRPr sz="2400" b="0"/>
             </a:lvl1pPr>
             <a:lvl2pPr marL="457200" indent="0">
               <a:buNone/>
@@ -2220,7 +4454,7 @@
             <a:pPr lvl="0"/>
             <a:r>
               <a:rPr lang="en-US" smtClean="0"/>
-              <a:t>Click to edit Master text styles</a:t>
+              <a:t>Edit Master text styles</a:t>
             </a:r>
           </a:p>
         </p:txBody>
@@ -2237,46 +4471,20 @@
         </p:nvSpPr>
         <p:spPr>
           <a:xfrm>
-            <a:off x="457200" y="2174875"/>
-            <a:ext cx="4040188" cy="3951288"/>
+            <a:off x="609599" y="2737246"/>
+            <a:ext cx="3090672" cy="3304117"/>
           </a:xfrm>
         </p:spPr>
         <p:txBody>
-          <a:bodyPr/>
-          <a:lstStyle>
-            <a:lvl1pPr>
-              <a:defRPr sz="2400"/>
-            </a:lvl1pPr>
-            <a:lvl2pPr>
-              <a:defRPr sz="2000"/>
-            </a:lvl2pPr>
-            <a:lvl3pPr>
-              <a:defRPr sz="1800"/>
-            </a:lvl3pPr>
-            <a:lvl4pPr>
-              <a:defRPr sz="1600"/>
-            </a:lvl4pPr>
-            <a:lvl5pPr>
-              <a:defRPr sz="1600"/>
-            </a:lvl5pPr>
-            <a:lvl6pPr>
-              <a:defRPr sz="1600"/>
-            </a:lvl6pPr>
-            <a:lvl7pPr>
-              <a:defRPr sz="1600"/>
-            </a:lvl7pPr>
-            <a:lvl8pPr>
-              <a:defRPr sz="1600"/>
-            </a:lvl8pPr>
-            <a:lvl9pPr>
-              <a:defRPr sz="1600"/>
-            </a:lvl9pPr>
-          </a:lstStyle>
+          <a:bodyPr>
+            <a:normAutofit/>
+          </a:bodyPr>
+          <a:lstStyle/>
           <a:p>
             <a:pPr lvl="0"/>
             <a:r>
               <a:rPr lang="en-US" smtClean="0"/>
-              <a:t>Click to edit Master text styles</a:t>
+              <a:t>Edit Master text styles</a:t>
             </a:r>
           </a:p>
           <a:p>
@@ -2306,7 +4514,7 @@
               <a:rPr lang="en-US" smtClean="0"/>
               <a:t>Fifth level</a:t>
             </a:r>
-            <a:endParaRPr lang="en-US"/>
+            <a:endParaRPr lang="en-US" dirty="0"/>
           </a:p>
         </p:txBody>
       </p:sp>
@@ -2322,16 +4530,18 @@
         </p:nvSpPr>
         <p:spPr>
           <a:xfrm>
-            <a:off x="4645025" y="1535113"/>
-            <a:ext cx="4041775" cy="639762"/>
+            <a:off x="3866640" y="2160983"/>
+            <a:ext cx="3090672" cy="576262"/>
           </a:xfrm>
         </p:spPr>
         <p:txBody>
-          <a:bodyPr anchor="b"/>
+          <a:bodyPr anchor="b">
+            <a:noAutofit/>
+          </a:bodyPr>
           <a:lstStyle>
             <a:lvl1pPr marL="0" indent="0">
               <a:buNone/>
-              <a:defRPr sz="2400" b="1"/>
+              <a:defRPr sz="2400" b="0"/>
             </a:lvl1pPr>
             <a:lvl2pPr marL="457200" indent="0">
               <a:buNone/>
@@ -2370,7 +4580,7 @@
             <a:pPr lvl="0"/>
             <a:r>
               <a:rPr lang="en-US" smtClean="0"/>
-              <a:t>Click to edit Master text styles</a:t>
+              <a:t>Edit Master text styles</a:t>
             </a:r>
           </a:p>
         </p:txBody>
@@ -2387,46 +4597,20 @@
         </p:nvSpPr>
         <p:spPr>
           <a:xfrm>
-            <a:off x="4645025" y="2174875"/>
-            <a:ext cx="4041775" cy="3951288"/>
+            <a:off x="3866640" y="2737246"/>
+            <a:ext cx="3090672" cy="3304117"/>
           </a:xfrm>
         </p:spPr>
         <p:txBody>
-          <a:bodyPr/>
-          <a:lstStyle>
-            <a:lvl1pPr>
-              <a:defRPr sz="2400"/>
-            </a:lvl1pPr>
-            <a:lvl2pPr>
-              <a:defRPr sz="2000"/>
-            </a:lvl2pPr>
-            <a:lvl3pPr>
-              <a:defRPr sz="1800"/>
-            </a:lvl3pPr>
-            <a:lvl4pPr>
-              <a:defRPr sz="1600"/>
-            </a:lvl4pPr>
-            <a:lvl5pPr>
-              <a:defRPr sz="1600"/>
-            </a:lvl5pPr>
-            <a:lvl6pPr>
-              <a:defRPr sz="1600"/>
-            </a:lvl6pPr>
-            <a:lvl7pPr>
-              <a:defRPr sz="1600"/>
-            </a:lvl7pPr>
-            <a:lvl8pPr>
-              <a:defRPr sz="1600"/>
-            </a:lvl8pPr>
-            <a:lvl9pPr>
-              <a:defRPr sz="1600"/>
-            </a:lvl9pPr>
-          </a:lstStyle>
+          <a:bodyPr>
+            <a:normAutofit/>
+          </a:bodyPr>
+          <a:lstStyle/>
           <a:p>
             <a:pPr lvl="0"/>
             <a:r>
               <a:rPr lang="en-US" smtClean="0"/>
-              <a:t>Click to edit Master text styles</a:t>
+              <a:t>Edit Master text styles</a:t>
             </a:r>
           </a:p>
           <a:p>
@@ -2456,7 +4640,7 @@
               <a:rPr lang="en-US" smtClean="0"/>
               <a:t>Fifth level</a:t>
             </a:r>
-            <a:endParaRPr lang="en-US"/>
+            <a:endParaRPr lang="en-US" dirty="0"/>
           </a:p>
         </p:txBody>
       </p:sp>
@@ -2477,7 +4661,7 @@
           <a:p>
             <a:fld id="{5BCAD085-E8A6-8845-BD4E-CB4CCA059FC4}" type="datetimeFigureOut">
               <a:rPr lang="en-US" smtClean="0"/>
-              <a:t>3/11/2025</a:t>
+              <a:t>3/12/2025</a:t>
             </a:fld>
             <a:endParaRPr lang="en-US"/>
           </a:p>
@@ -2528,7 +4712,7 @@
     </p:spTree>
     <p:extLst>
       <p:ext uri="{BB962C8B-B14F-4D97-AF65-F5344CB8AC3E}">
-        <p14:creationId xmlns:p14="http://schemas.microsoft.com/office/powerpoint/2010/main" val="990158736"/>
+        <p14:creationId xmlns:p14="http://schemas.microsoft.com/office/powerpoint/2010/main" val="1094249350"/>
       </p:ext>
     </p:extLst>
   </p:cSld>
@@ -2565,7 +4749,12 @@
             <p:ph type="title"/>
           </p:nvPr>
         </p:nvSpPr>
-        <p:spPr/>
+        <p:spPr>
+          <a:xfrm>
+            <a:off x="609599" y="609600"/>
+            <a:ext cx="6347714" cy="1320800"/>
+          </a:xfrm>
+        </p:spPr>
         <p:txBody>
           <a:bodyPr/>
           <a:lstStyle/>
@@ -2574,7 +4763,7 @@
               <a:rPr lang="en-US" smtClean="0"/>
               <a:t>Click to edit Master title style</a:t>
             </a:r>
-            <a:endParaRPr lang="en-US"/>
+            <a:endParaRPr lang="en-US" dirty="0"/>
           </a:p>
         </p:txBody>
       </p:sp>
@@ -2595,7 +4784,7 @@
           <a:p>
             <a:fld id="{5BCAD085-E8A6-8845-BD4E-CB4CCA059FC4}" type="datetimeFigureOut">
               <a:rPr lang="en-US" smtClean="0"/>
-              <a:t>3/11/2025</a:t>
+              <a:t>3/12/2025</a:t>
             </a:fld>
             <a:endParaRPr lang="en-US"/>
           </a:p>
@@ -2646,7 +4835,7 @@
     </p:spTree>
     <p:extLst>
       <p:ext uri="{BB962C8B-B14F-4D97-AF65-F5344CB8AC3E}">
-        <p14:creationId xmlns:p14="http://schemas.microsoft.com/office/powerpoint/2010/main" val="727027711"/>
+        <p14:creationId xmlns:p14="http://schemas.microsoft.com/office/powerpoint/2010/main" val="2871194417"/>
       </p:ext>
     </p:extLst>
   </p:cSld>
@@ -2690,7 +4879,7 @@
           <a:p>
             <a:fld id="{5BCAD085-E8A6-8845-BD4E-CB4CCA059FC4}" type="datetimeFigureOut">
               <a:rPr lang="en-US" smtClean="0"/>
-              <a:t>3/11/2025</a:t>
+              <a:t>3/12/2025</a:t>
             </a:fld>
             <a:endParaRPr lang="en-US"/>
           </a:p>
@@ -2741,7 +4930,7 @@
     </p:spTree>
     <p:extLst>
       <p:ext uri="{BB962C8B-B14F-4D97-AF65-F5344CB8AC3E}">
-        <p14:creationId xmlns:p14="http://schemas.microsoft.com/office/powerpoint/2010/main" val="1212999818"/>
+        <p14:creationId xmlns:p14="http://schemas.microsoft.com/office/powerpoint/2010/main" val="3362156748"/>
       </p:ext>
     </p:extLst>
   </p:cSld>
@@ -2780,15 +4969,17 @@
         </p:nvSpPr>
         <p:spPr>
           <a:xfrm>
-            <a:off x="457200" y="273050"/>
-            <a:ext cx="3008313" cy="1162050"/>
+            <a:off x="609599" y="1498604"/>
+            <a:ext cx="2790182" cy="1278466"/>
           </a:xfrm>
         </p:spPr>
         <p:txBody>
-          <a:bodyPr anchor="b"/>
+          <a:bodyPr anchor="b">
+            <a:normAutofit/>
+          </a:bodyPr>
           <a:lstStyle>
-            <a:lvl1pPr algn="l">
-              <a:defRPr sz="2000" b="1"/>
+            <a:lvl1pPr>
+              <a:defRPr sz="2000"/>
             </a:lvl1pPr>
           </a:lstStyle>
           <a:p>
@@ -2796,7 +4987,7 @@
               <a:rPr lang="en-US" smtClean="0"/>
               <a:t>Click to edit Master title style</a:t>
             </a:r>
-            <a:endParaRPr lang="en-US"/>
+            <a:endParaRPr lang="en-US" dirty="0"/>
           </a:p>
         </p:txBody>
       </p:sp>
@@ -2812,140 +5003,116 @@
         </p:nvSpPr>
         <p:spPr>
           <a:xfrm>
-            <a:off x="3575050" y="273050"/>
-            <a:ext cx="5111750" cy="5853113"/>
+            <a:off x="3571275" y="514925"/>
+            <a:ext cx="3386037" cy="5526437"/>
           </a:xfrm>
         </p:spPr>
         <p:txBody>
-          <a:bodyPr/>
+          <a:bodyPr>
+            <a:normAutofit/>
+          </a:bodyPr>
+          <a:lstStyle/>
+          <a:p>
+            <a:pPr lvl="0"/>
+            <a:r>
+              <a:rPr lang="en-US" smtClean="0"/>
+              <a:t>Edit Master text styles</a:t>
+            </a:r>
+          </a:p>
+          <a:p>
+            <a:pPr lvl="1"/>
+            <a:r>
+              <a:rPr lang="en-US" smtClean="0"/>
+              <a:t>Second level</a:t>
+            </a:r>
+          </a:p>
+          <a:p>
+            <a:pPr lvl="2"/>
+            <a:r>
+              <a:rPr lang="en-US" smtClean="0"/>
+              <a:t>Third level</a:t>
+            </a:r>
+          </a:p>
+          <a:p>
+            <a:pPr lvl="3"/>
+            <a:r>
+              <a:rPr lang="en-US" smtClean="0"/>
+              <a:t>Fourth level</a:t>
+            </a:r>
+          </a:p>
+          <a:p>
+            <a:pPr lvl="4"/>
+            <a:r>
+              <a:rPr lang="en-US" smtClean="0"/>
+              <a:t>Fifth level</a:t>
+            </a:r>
+            <a:endParaRPr lang="en-US" dirty="0"/>
+          </a:p>
+        </p:txBody>
+      </p:sp>
+      <p:sp>
+        <p:nvSpPr>
+          <p:cNvPr id="4" name="Text Placeholder 3"/>
+          <p:cNvSpPr>
+            <a:spLocks noGrp="1"/>
+          </p:cNvSpPr>
+          <p:nvPr>
+            <p:ph type="body" sz="half" idx="2"/>
+          </p:nvPr>
+        </p:nvSpPr>
+        <p:spPr>
+          <a:xfrm>
+            <a:off x="609599" y="2777069"/>
+            <a:ext cx="2790182" cy="2584449"/>
+          </a:xfrm>
+        </p:spPr>
+        <p:txBody>
+          <a:bodyPr>
+            <a:normAutofit/>
+          </a:bodyPr>
           <a:lstStyle>
-            <a:lvl1pPr>
-              <a:defRPr sz="3200"/>
+            <a:lvl1pPr marL="0" indent="0">
+              <a:buNone/>
+              <a:defRPr sz="1400"/>
             </a:lvl1pPr>
-            <a:lvl2pPr>
-              <a:defRPr sz="2800"/>
+            <a:lvl2pPr marL="342900" indent="0">
+              <a:buNone/>
+              <a:defRPr sz="1050"/>
             </a:lvl2pPr>
-            <a:lvl3pPr>
-              <a:defRPr sz="2400"/>
+            <a:lvl3pPr marL="685800" indent="0">
+              <a:buNone/>
+              <a:defRPr sz="900"/>
             </a:lvl3pPr>
-            <a:lvl4pPr>
-              <a:defRPr sz="2000"/>
+            <a:lvl4pPr marL="1028700" indent="0">
+              <a:buNone/>
+              <a:defRPr sz="750"/>
             </a:lvl4pPr>
-            <a:lvl5pPr>
-              <a:defRPr sz="2000"/>
+            <a:lvl5pPr marL="1371600" indent="0">
+              <a:buNone/>
+              <a:defRPr sz="750"/>
             </a:lvl5pPr>
-            <a:lvl6pPr>
-              <a:defRPr sz="2000"/>
+            <a:lvl6pPr marL="1714500" indent="0">
+              <a:buNone/>
+              <a:defRPr sz="750"/>
             </a:lvl6pPr>
-            <a:lvl7pPr>
-              <a:defRPr sz="2000"/>
+            <a:lvl7pPr marL="2057400" indent="0">
+              <a:buNone/>
+              <a:defRPr sz="750"/>
             </a:lvl7pPr>
-            <a:lvl8pPr>
-              <a:defRPr sz="2000"/>
+            <a:lvl8pPr marL="2400300" indent="0">
+              <a:buNone/>
+              <a:defRPr sz="750"/>
             </a:lvl8pPr>
-            <a:lvl9pPr>
-              <a:defRPr sz="2000"/>
+            <a:lvl9pPr marL="2743200" indent="0">
+              <a:buNone/>
+              <a:defRPr sz="750"/>
             </a:lvl9pPr>
           </a:lstStyle>
           <a:p>
             <a:pPr lvl="0"/>
             <a:r>
               <a:rPr lang="en-US" smtClean="0"/>
-              <a:t>Click to edit Master text styles</a:t>
-            </a:r>
-          </a:p>
-          <a:p>
-            <a:pPr lvl="1"/>
-            <a:r>
-              <a:rPr lang="en-US" smtClean="0"/>
-              <a:t>Second level</a:t>
-            </a:r>
-          </a:p>
-          <a:p>
-            <a:pPr lvl="2"/>
-            <a:r>
-              <a:rPr lang="en-US" smtClean="0"/>
-              <a:t>Third level</a:t>
-            </a:r>
-          </a:p>
-          <a:p>
-            <a:pPr lvl="3"/>
-            <a:r>
-              <a:rPr lang="en-US" smtClean="0"/>
-              <a:t>Fourth level</a:t>
-            </a:r>
-          </a:p>
-          <a:p>
-            <a:pPr lvl="4"/>
-            <a:r>
-              <a:rPr lang="en-US" smtClean="0"/>
-              <a:t>Fifth level</a:t>
-            </a:r>
-            <a:endParaRPr lang="en-US"/>
-          </a:p>
-        </p:txBody>
-      </p:sp>
-      <p:sp>
-        <p:nvSpPr>
-          <p:cNvPr id="4" name="Text Placeholder 3"/>
-          <p:cNvSpPr>
-            <a:spLocks noGrp="1"/>
-          </p:cNvSpPr>
-          <p:nvPr>
-            <p:ph type="body" sz="half" idx="2"/>
-          </p:nvPr>
-        </p:nvSpPr>
-        <p:spPr>
-          <a:xfrm>
-            <a:off x="457200" y="1435100"/>
-            <a:ext cx="3008313" cy="4691063"/>
-          </a:xfrm>
-        </p:spPr>
-        <p:txBody>
-          <a:bodyPr/>
-          <a:lstStyle>
-            <a:lvl1pPr marL="0" indent="0">
-              <a:buNone/>
-              <a:defRPr sz="1400"/>
-            </a:lvl1pPr>
-            <a:lvl2pPr marL="457200" indent="0">
-              <a:buNone/>
-              <a:defRPr sz="1200"/>
-            </a:lvl2pPr>
-            <a:lvl3pPr marL="914400" indent="0">
-              <a:buNone/>
-              <a:defRPr sz="1000"/>
-            </a:lvl3pPr>
-            <a:lvl4pPr marL="1371600" indent="0">
-              <a:buNone/>
-              <a:defRPr sz="900"/>
-            </a:lvl4pPr>
-            <a:lvl5pPr marL="1828800" indent="0">
-              <a:buNone/>
-              <a:defRPr sz="900"/>
-            </a:lvl5pPr>
-            <a:lvl6pPr marL="2286000" indent="0">
-              <a:buNone/>
-              <a:defRPr sz="900"/>
-            </a:lvl6pPr>
-            <a:lvl7pPr marL="2743200" indent="0">
-              <a:buNone/>
-              <a:defRPr sz="900"/>
-            </a:lvl7pPr>
-            <a:lvl8pPr marL="3200400" indent="0">
-              <a:buNone/>
-              <a:defRPr sz="900"/>
-            </a:lvl8pPr>
-            <a:lvl9pPr marL="3657600" indent="0">
-              <a:buNone/>
-              <a:defRPr sz="900"/>
-            </a:lvl9pPr>
-          </a:lstStyle>
-          <a:p>
-            <a:pPr lvl="0"/>
-            <a:r>
-              <a:rPr lang="en-US" smtClean="0"/>
-              <a:t>Click to edit Master text styles</a:t>
+              <a:t>Edit Master text styles</a:t>
             </a:r>
           </a:p>
         </p:txBody>
@@ -2967,7 +5134,7 @@
           <a:p>
             <a:fld id="{5BCAD085-E8A6-8845-BD4E-CB4CCA059FC4}" type="datetimeFigureOut">
               <a:rPr lang="en-US" smtClean="0"/>
-              <a:t>3/11/2025</a:t>
+              <a:t>3/12/2025</a:t>
             </a:fld>
             <a:endParaRPr lang="en-US"/>
           </a:p>
@@ -3018,7 +5185,7 @@
     </p:spTree>
     <p:extLst>
       <p:ext uri="{BB962C8B-B14F-4D97-AF65-F5344CB8AC3E}">
-        <p14:creationId xmlns:p14="http://schemas.microsoft.com/office/powerpoint/2010/main" val="1840726560"/>
+        <p14:creationId xmlns:p14="http://schemas.microsoft.com/office/powerpoint/2010/main" val="3430163617"/>
       </p:ext>
     </p:extLst>
   </p:cSld>
@@ -3057,15 +5224,17 @@
         </p:nvSpPr>
         <p:spPr>
           <a:xfrm>
-            <a:off x="1792288" y="4800600"/>
-            <a:ext cx="5486400" cy="566738"/>
+            <a:off x="609599" y="4800600"/>
+            <a:ext cx="6347714" cy="566738"/>
           </a:xfrm>
         </p:spPr>
         <p:txBody>
-          <a:bodyPr anchor="b"/>
+          <a:bodyPr anchor="b">
+            <a:normAutofit/>
+          </a:bodyPr>
           <a:lstStyle>
             <a:lvl1pPr algn="l">
-              <a:defRPr sz="2000" b="1"/>
+              <a:defRPr sz="2400" b="0"/>
             </a:lvl1pPr>
           </a:lstStyle>
           <a:p>
@@ -3073,7 +5242,7 @@
               <a:rPr lang="en-US" smtClean="0"/>
               <a:t>Click to edit Master title style</a:t>
             </a:r>
-            <a:endParaRPr lang="en-US"/>
+            <a:endParaRPr lang="en-US" dirty="0"/>
           </a:p>
         </p:txBody>
       </p:sp>
@@ -3081,7 +5250,7 @@
         <p:nvSpPr>
           <p:cNvPr id="3" name="Picture Placeholder 2"/>
           <p:cNvSpPr>
-            <a:spLocks noGrp="1"/>
+            <a:spLocks noGrp="1" noChangeAspect="1"/>
           </p:cNvSpPr>
           <p:nvPr>
             <p:ph type="pic" idx="1"/>
@@ -3089,77 +5258,85 @@
         </p:nvSpPr>
         <p:spPr>
           <a:xfrm>
-            <a:off x="1792288" y="612775"/>
-            <a:ext cx="5486400" cy="4114800"/>
+            <a:off x="609599" y="609600"/>
+            <a:ext cx="6347714" cy="3845718"/>
           </a:xfrm>
         </p:spPr>
         <p:txBody>
-          <a:bodyPr/>
+          <a:bodyPr anchor="t">
+            <a:normAutofit/>
+          </a:bodyPr>
+          <a:lstStyle>
+            <a:lvl1pPr marL="0" indent="0" algn="ctr">
+              <a:buNone/>
+              <a:defRPr sz="1600"/>
+            </a:lvl1pPr>
+            <a:lvl2pPr marL="457200" indent="0">
+              <a:buNone/>
+              <a:defRPr sz="1600"/>
+            </a:lvl2pPr>
+            <a:lvl3pPr marL="914400" indent="0">
+              <a:buNone/>
+              <a:defRPr sz="1600"/>
+            </a:lvl3pPr>
+            <a:lvl4pPr marL="1371600" indent="0">
+              <a:buNone/>
+              <a:defRPr sz="1600"/>
+            </a:lvl4pPr>
+            <a:lvl5pPr marL="1828800" indent="0">
+              <a:buNone/>
+              <a:defRPr sz="1600"/>
+            </a:lvl5pPr>
+            <a:lvl6pPr marL="2286000" indent="0">
+              <a:buNone/>
+              <a:defRPr sz="1600"/>
+            </a:lvl6pPr>
+            <a:lvl7pPr marL="2743200" indent="0">
+              <a:buNone/>
+              <a:defRPr sz="1600"/>
+            </a:lvl7pPr>
+            <a:lvl8pPr marL="3200400" indent="0">
+              <a:buNone/>
+              <a:defRPr sz="1600"/>
+            </a:lvl8pPr>
+            <a:lvl9pPr marL="3657600" indent="0">
+              <a:buNone/>
+              <a:defRPr sz="1600"/>
+            </a:lvl9pPr>
+          </a:lstStyle>
+          <a:p>
+            <a:r>
+              <a:rPr lang="en-US" smtClean="0"/>
+              <a:t>Click icon to add picture</a:t>
+            </a:r>
+            <a:endParaRPr lang="en-US" dirty="0"/>
+          </a:p>
+        </p:txBody>
+      </p:sp>
+      <p:sp>
+        <p:nvSpPr>
+          <p:cNvPr id="4" name="Text Placeholder 3"/>
+          <p:cNvSpPr>
+            <a:spLocks noGrp="1"/>
+          </p:cNvSpPr>
+          <p:nvPr>
+            <p:ph type="body" sz="half" idx="2"/>
+          </p:nvPr>
+        </p:nvSpPr>
+        <p:spPr>
+          <a:xfrm>
+            <a:off x="609599" y="5367338"/>
+            <a:ext cx="6347714" cy="674024"/>
+          </a:xfrm>
+        </p:spPr>
+        <p:txBody>
+          <a:bodyPr>
+            <a:normAutofit/>
+          </a:bodyPr>
           <a:lstStyle>
             <a:lvl1pPr marL="0" indent="0">
               <a:buNone/>
-              <a:defRPr sz="3200"/>
-            </a:lvl1pPr>
-            <a:lvl2pPr marL="457200" indent="0">
-              <a:buNone/>
-              <a:defRPr sz="2800"/>
-            </a:lvl2pPr>
-            <a:lvl3pPr marL="914400" indent="0">
-              <a:buNone/>
-              <a:defRPr sz="2400"/>
-            </a:lvl3pPr>
-            <a:lvl4pPr marL="1371600" indent="0">
-              <a:buNone/>
-              <a:defRPr sz="2000"/>
-            </a:lvl4pPr>
-            <a:lvl5pPr marL="1828800" indent="0">
-              <a:buNone/>
-              <a:defRPr sz="2000"/>
-            </a:lvl5pPr>
-            <a:lvl6pPr marL="2286000" indent="0">
-              <a:buNone/>
-              <a:defRPr sz="2000"/>
-            </a:lvl6pPr>
-            <a:lvl7pPr marL="2743200" indent="0">
-              <a:buNone/>
-              <a:defRPr sz="2000"/>
-            </a:lvl7pPr>
-            <a:lvl8pPr marL="3200400" indent="0">
-              <a:buNone/>
-              <a:defRPr sz="2000"/>
-            </a:lvl8pPr>
-            <a:lvl9pPr marL="3657600" indent="0">
-              <a:buNone/>
-              <a:defRPr sz="2000"/>
-            </a:lvl9pPr>
-          </a:lstStyle>
-          <a:p>
-            <a:endParaRPr lang="en-US"/>
-          </a:p>
-        </p:txBody>
-      </p:sp>
-      <p:sp>
-        <p:nvSpPr>
-          <p:cNvPr id="4" name="Text Placeholder 3"/>
-          <p:cNvSpPr>
-            <a:spLocks noGrp="1"/>
-          </p:cNvSpPr>
-          <p:nvPr>
-            <p:ph type="body" sz="half" idx="2"/>
-          </p:nvPr>
-        </p:nvSpPr>
-        <p:spPr>
-          <a:xfrm>
-            <a:off x="1792288" y="5367338"/>
-            <a:ext cx="5486400" cy="804862"/>
-          </a:xfrm>
-        </p:spPr>
-        <p:txBody>
-          <a:bodyPr/>
-          <a:lstStyle>
-            <a:lvl1pPr marL="0" indent="0">
-              <a:buNone/>
-              <a:defRPr sz="1400"/>
+              <a:defRPr sz="1200"/>
             </a:lvl1pPr>
             <a:lvl2pPr marL="457200" indent="0">
               <a:buNone/>
@@ -3198,7 +5375,7 @@
             <a:pPr lvl="0"/>
             <a:r>
               <a:rPr lang="en-US" smtClean="0"/>
-              <a:t>Click to edit Master text styles</a:t>
+              <a:t>Edit Master text styles</a:t>
             </a:r>
           </a:p>
         </p:txBody>
@@ -3220,7 +5397,7 @@
           <a:p>
             <a:fld id="{5BCAD085-E8A6-8845-BD4E-CB4CCA059FC4}" type="datetimeFigureOut">
               <a:rPr lang="en-US" smtClean="0"/>
-              <a:t>3/11/2025</a:t>
+              <a:t>3/12/2025</a:t>
             </a:fld>
             <a:endParaRPr lang="en-US"/>
           </a:p>
@@ -3271,7 +5448,7 @@
     </p:spTree>
     <p:extLst>
       <p:ext uri="{BB962C8B-B14F-4D97-AF65-F5344CB8AC3E}">
-        <p14:creationId xmlns:p14="http://schemas.microsoft.com/office/powerpoint/2010/main" val="3889236939"/>
+        <p14:creationId xmlns:p14="http://schemas.microsoft.com/office/powerpoint/2010/main" val="3353994181"/>
       </p:ext>
     </p:extLst>
   </p:cSld>
@@ -3303,6 +5480,607 @@
           <a:chExt cx="0" cy="0"/>
         </a:xfrm>
       </p:grpSpPr>
+      <p:grpSp>
+        <p:nvGrpSpPr>
+          <p:cNvPr id="17" name="Group 16"/>
+          <p:cNvGrpSpPr/>
+          <p:nvPr/>
+        </p:nvGrpSpPr>
+        <p:grpSpPr>
+          <a:xfrm>
+            <a:off x="-8467" y="-8468"/>
+            <a:ext cx="9169805" cy="6874935"/>
+            <a:chOff x="-8467" y="-8468"/>
+            <a:chExt cx="9169805" cy="6874935"/>
+          </a:xfrm>
+        </p:grpSpPr>
+        <p:sp>
+          <p:nvSpPr>
+            <p:cNvPr id="7" name="Freeform 6"/>
+            <p:cNvSpPr/>
+            <p:nvPr/>
+          </p:nvSpPr>
+          <p:spPr>
+            <a:xfrm>
+              <a:off x="-8467" y="4013200"/>
+              <a:ext cx="457200" cy="2853267"/>
+            </a:xfrm>
+            <a:custGeom>
+              <a:avLst/>
+              <a:gdLst/>
+              <a:ahLst/>
+              <a:cxnLst/>
+              <a:rect l="l" t="t" r="r" b="b"/>
+              <a:pathLst>
+                <a:path w="457200" h="2853267">
+                  <a:moveTo>
+                    <a:pt x="0" y="0"/>
+                  </a:moveTo>
+                  <a:lnTo>
+                    <a:pt x="457200" y="2853267"/>
+                  </a:lnTo>
+                  <a:lnTo>
+                    <a:pt x="0" y="2844800"/>
+                  </a:lnTo>
+                  <a:cubicBezTo>
+                    <a:pt x="2822" y="1905000"/>
+                    <a:pt x="5645" y="965200"/>
+                    <a:pt x="0" y="0"/>
+                  </a:cubicBezTo>
+                  <a:close/>
+                </a:path>
+              </a:pathLst>
+            </a:custGeom>
+            <a:solidFill>
+              <a:schemeClr val="accent1">
+                <a:alpha val="85000"/>
+              </a:schemeClr>
+            </a:solidFill>
+            <a:ln>
+              <a:noFill/>
+            </a:ln>
+            <a:effectLst/>
+          </p:spPr>
+          <p:style>
+            <a:lnRef idx="1">
+              <a:schemeClr val="accent1"/>
+            </a:lnRef>
+            <a:fillRef idx="3">
+              <a:schemeClr val="accent1"/>
+            </a:fillRef>
+            <a:effectRef idx="2">
+              <a:schemeClr val="accent1"/>
+            </a:effectRef>
+            <a:fontRef idx="minor">
+              <a:schemeClr val="lt1"/>
+            </a:fontRef>
+          </p:style>
+        </p:sp>
+        <p:cxnSp>
+          <p:nvCxnSpPr>
+            <p:cNvPr id="8" name="Straight Connector 7"/>
+            <p:cNvCxnSpPr/>
+            <p:nvPr/>
+          </p:nvCxnSpPr>
+          <p:spPr>
+            <a:xfrm flipV="1">
+              <a:off x="5130830" y="4175605"/>
+              <a:ext cx="4022475" cy="2682396"/>
+            </a:xfrm>
+            <a:prstGeom prst="line">
+              <a:avLst/>
+            </a:prstGeom>
+            <a:ln w="9525">
+              <a:solidFill>
+                <a:schemeClr val="bg1">
+                  <a:lumMod val="85000"/>
+                </a:schemeClr>
+              </a:solidFill>
+            </a:ln>
+          </p:spPr>
+          <p:style>
+            <a:lnRef idx="2">
+              <a:schemeClr val="accent1"/>
+            </a:lnRef>
+            <a:fillRef idx="0">
+              <a:schemeClr val="accent1"/>
+            </a:fillRef>
+            <a:effectRef idx="1">
+              <a:schemeClr val="accent1"/>
+            </a:effectRef>
+            <a:fontRef idx="minor">
+              <a:schemeClr val="tx1"/>
+            </a:fontRef>
+          </p:style>
+        </p:cxnSp>
+        <p:cxnSp>
+          <p:nvCxnSpPr>
+            <p:cNvPr id="9" name="Straight Connector 8"/>
+            <p:cNvCxnSpPr/>
+            <p:nvPr/>
+          </p:nvCxnSpPr>
+          <p:spPr>
+            <a:xfrm>
+              <a:off x="7042707" y="0"/>
+              <a:ext cx="1219200" cy="6858000"/>
+            </a:xfrm>
+            <a:prstGeom prst="line">
+              <a:avLst/>
+            </a:prstGeom>
+            <a:ln w="9525">
+              <a:solidFill>
+                <a:schemeClr val="bg1">
+                  <a:lumMod val="75000"/>
+                </a:schemeClr>
+              </a:solidFill>
+            </a:ln>
+          </p:spPr>
+          <p:style>
+            <a:lnRef idx="2">
+              <a:schemeClr val="accent1"/>
+            </a:lnRef>
+            <a:fillRef idx="0">
+              <a:schemeClr val="accent1"/>
+            </a:fillRef>
+            <a:effectRef idx="1">
+              <a:schemeClr val="accent1"/>
+            </a:effectRef>
+            <a:fontRef idx="minor">
+              <a:schemeClr val="tx1"/>
+            </a:fontRef>
+          </p:style>
+        </p:cxnSp>
+        <p:sp>
+          <p:nvSpPr>
+            <p:cNvPr id="10" name="Freeform 9"/>
+            <p:cNvSpPr/>
+            <p:nvPr/>
+          </p:nvSpPr>
+          <p:spPr>
+            <a:xfrm>
+              <a:off x="6891896" y="1"/>
+              <a:ext cx="2269442" cy="6866466"/>
+            </a:xfrm>
+            <a:custGeom>
+              <a:avLst/>
+              <a:gdLst/>
+              <a:ahLst/>
+              <a:cxnLst/>
+              <a:rect l="l" t="t" r="r" b="b"/>
+              <a:pathLst>
+                <a:path w="2269442" h="6866466">
+                  <a:moveTo>
+                    <a:pt x="2023534" y="0"/>
+                  </a:moveTo>
+                  <a:lnTo>
+                    <a:pt x="0" y="6858000"/>
+                  </a:lnTo>
+                  <a:lnTo>
+                    <a:pt x="2269067" y="6866466"/>
+                  </a:lnTo>
+                  <a:cubicBezTo>
+                    <a:pt x="2271889" y="4580466"/>
+                    <a:pt x="2257778" y="2294466"/>
+                    <a:pt x="2260600" y="8466"/>
+                  </a:cubicBezTo>
+                  <a:lnTo>
+                    <a:pt x="2023534" y="0"/>
+                  </a:lnTo>
+                  <a:close/>
+                </a:path>
+              </a:pathLst>
+            </a:custGeom>
+            <a:solidFill>
+              <a:schemeClr val="accent1">
+                <a:alpha val="30000"/>
+              </a:schemeClr>
+            </a:solidFill>
+            <a:ln>
+              <a:noFill/>
+            </a:ln>
+            <a:effectLst/>
+          </p:spPr>
+          <p:style>
+            <a:lnRef idx="1">
+              <a:schemeClr val="accent1"/>
+            </a:lnRef>
+            <a:fillRef idx="3">
+              <a:schemeClr val="accent1"/>
+            </a:fillRef>
+            <a:effectRef idx="2">
+              <a:schemeClr val="accent1"/>
+            </a:effectRef>
+            <a:fontRef idx="minor">
+              <a:schemeClr val="lt1"/>
+            </a:fontRef>
+          </p:style>
+        </p:sp>
+        <p:sp>
+          <p:nvSpPr>
+            <p:cNvPr id="11" name="Freeform 10"/>
+            <p:cNvSpPr/>
+            <p:nvPr/>
+          </p:nvSpPr>
+          <p:spPr>
+            <a:xfrm>
+              <a:off x="7205158" y="-8467"/>
+              <a:ext cx="1948147" cy="6866467"/>
+            </a:xfrm>
+            <a:custGeom>
+              <a:avLst/>
+              <a:gdLst/>
+              <a:ahLst/>
+              <a:cxnLst/>
+              <a:rect l="l" t="t" r="r" b="b"/>
+              <a:pathLst>
+                <a:path w="1948147" h="6866467">
+                  <a:moveTo>
+                    <a:pt x="0" y="0"/>
+                  </a:moveTo>
+                  <a:lnTo>
+                    <a:pt x="1202267" y="6866467"/>
+                  </a:lnTo>
+                  <a:lnTo>
+                    <a:pt x="1947333" y="6866467"/>
+                  </a:lnTo>
+                  <a:cubicBezTo>
+                    <a:pt x="1944511" y="4577645"/>
+                    <a:pt x="1950155" y="2288822"/>
+                    <a:pt x="1947333" y="0"/>
+                  </a:cubicBezTo>
+                  <a:lnTo>
+                    <a:pt x="0" y="0"/>
+                  </a:lnTo>
+                  <a:close/>
+                </a:path>
+              </a:pathLst>
+            </a:custGeom>
+            <a:solidFill>
+              <a:schemeClr val="accent1">
+                <a:alpha val="20000"/>
+              </a:schemeClr>
+            </a:solidFill>
+            <a:ln>
+              <a:noFill/>
+            </a:ln>
+            <a:effectLst/>
+          </p:spPr>
+          <p:style>
+            <a:lnRef idx="1">
+              <a:schemeClr val="accent1"/>
+            </a:lnRef>
+            <a:fillRef idx="3">
+              <a:schemeClr val="accent1"/>
+            </a:fillRef>
+            <a:effectRef idx="2">
+              <a:schemeClr val="accent1"/>
+            </a:effectRef>
+            <a:fontRef idx="minor">
+              <a:schemeClr val="lt1"/>
+            </a:fontRef>
+          </p:style>
+        </p:sp>
+        <p:sp>
+          <p:nvSpPr>
+            <p:cNvPr id="12" name="Freeform 11"/>
+            <p:cNvSpPr/>
+            <p:nvPr/>
+          </p:nvSpPr>
+          <p:spPr>
+            <a:xfrm>
+              <a:off x="6637896" y="3920066"/>
+              <a:ext cx="2513565" cy="2937933"/>
+            </a:xfrm>
+            <a:custGeom>
+              <a:avLst/>
+              <a:gdLst/>
+              <a:ahLst/>
+              <a:cxnLst/>
+              <a:rect l="l" t="t" r="r" b="b"/>
+              <a:pathLst>
+                <a:path w="3259667" h="3810000">
+                  <a:moveTo>
+                    <a:pt x="0" y="3810000"/>
+                  </a:moveTo>
+                  <a:lnTo>
+                    <a:pt x="3251200" y="0"/>
+                  </a:lnTo>
+                  <a:cubicBezTo>
+                    <a:pt x="3254022" y="1270000"/>
+                    <a:pt x="3256845" y="2540000"/>
+                    <a:pt x="3259667" y="3810000"/>
+                  </a:cubicBezTo>
+                  <a:lnTo>
+                    <a:pt x="0" y="3810000"/>
+                  </a:lnTo>
+                  <a:close/>
+                </a:path>
+              </a:pathLst>
+            </a:custGeom>
+            <a:solidFill>
+              <a:schemeClr val="accent2">
+                <a:alpha val="72000"/>
+              </a:schemeClr>
+            </a:solidFill>
+            <a:ln>
+              <a:noFill/>
+            </a:ln>
+            <a:effectLst/>
+          </p:spPr>
+          <p:style>
+            <a:lnRef idx="1">
+              <a:schemeClr val="accent1"/>
+            </a:lnRef>
+            <a:fillRef idx="3">
+              <a:schemeClr val="accent1"/>
+            </a:fillRef>
+            <a:effectRef idx="2">
+              <a:schemeClr val="accent1"/>
+            </a:effectRef>
+            <a:fontRef idx="minor">
+              <a:schemeClr val="lt1"/>
+            </a:fontRef>
+          </p:style>
+        </p:sp>
+        <p:sp>
+          <p:nvSpPr>
+            <p:cNvPr id="13" name="Freeform 12"/>
+            <p:cNvSpPr/>
+            <p:nvPr/>
+          </p:nvSpPr>
+          <p:spPr>
+            <a:xfrm>
+              <a:off x="7010429" y="-8467"/>
+              <a:ext cx="2142876" cy="6866467"/>
+            </a:xfrm>
+            <a:custGeom>
+              <a:avLst/>
+              <a:gdLst/>
+              <a:ahLst/>
+              <a:cxnLst/>
+              <a:rect l="l" t="t" r="r" b="b"/>
+              <a:pathLst>
+                <a:path w="2853267" h="6866467">
+                  <a:moveTo>
+                    <a:pt x="0" y="0"/>
+                  </a:moveTo>
+                  <a:lnTo>
+                    <a:pt x="2472267" y="6866467"/>
+                  </a:lnTo>
+                  <a:lnTo>
+                    <a:pt x="2853267" y="6858000"/>
+                  </a:lnTo>
+                  <a:lnTo>
+                    <a:pt x="2853267" y="0"/>
+                  </a:lnTo>
+                  <a:lnTo>
+                    <a:pt x="0" y="0"/>
+                  </a:lnTo>
+                  <a:close/>
+                </a:path>
+              </a:pathLst>
+            </a:custGeom>
+            <a:solidFill>
+              <a:schemeClr val="accent2">
+                <a:lumMod val="75000"/>
+                <a:alpha val="70000"/>
+              </a:schemeClr>
+            </a:solidFill>
+            <a:ln>
+              <a:noFill/>
+            </a:ln>
+            <a:effectLst/>
+          </p:spPr>
+          <p:style>
+            <a:lnRef idx="1">
+              <a:schemeClr val="accent1"/>
+            </a:lnRef>
+            <a:fillRef idx="3">
+              <a:schemeClr val="accent1"/>
+            </a:fillRef>
+            <a:effectRef idx="2">
+              <a:schemeClr val="accent1"/>
+            </a:effectRef>
+            <a:fontRef idx="minor">
+              <a:schemeClr val="lt1"/>
+            </a:fontRef>
+          </p:style>
+        </p:sp>
+        <p:sp>
+          <p:nvSpPr>
+            <p:cNvPr id="14" name="Freeform 13"/>
+            <p:cNvSpPr/>
+            <p:nvPr/>
+          </p:nvSpPr>
+          <p:spPr>
+            <a:xfrm>
+              <a:off x="8295776" y="-8467"/>
+              <a:ext cx="857530" cy="6866467"/>
+            </a:xfrm>
+            <a:custGeom>
+              <a:avLst/>
+              <a:gdLst/>
+              <a:ahLst/>
+              <a:cxnLst/>
+              <a:rect l="l" t="t" r="r" b="b"/>
+              <a:pathLst>
+                <a:path w="1286933" h="6866467">
+                  <a:moveTo>
+                    <a:pt x="1016000" y="0"/>
+                  </a:moveTo>
+                  <a:lnTo>
+                    <a:pt x="0" y="6866467"/>
+                  </a:lnTo>
+                  <a:lnTo>
+                    <a:pt x="1286933" y="6866467"/>
+                  </a:lnTo>
+                  <a:cubicBezTo>
+                    <a:pt x="1284111" y="4577645"/>
+                    <a:pt x="1281288" y="2288822"/>
+                    <a:pt x="1278466" y="0"/>
+                  </a:cubicBezTo>
+                  <a:lnTo>
+                    <a:pt x="1016000" y="0"/>
+                  </a:lnTo>
+                  <a:close/>
+                </a:path>
+              </a:pathLst>
+            </a:custGeom>
+            <a:solidFill>
+              <a:schemeClr val="accent1">
+                <a:lumMod val="60000"/>
+                <a:lumOff val="40000"/>
+                <a:alpha val="70000"/>
+              </a:schemeClr>
+            </a:solidFill>
+            <a:ln>
+              <a:noFill/>
+            </a:ln>
+            <a:effectLst/>
+          </p:spPr>
+          <p:style>
+            <a:lnRef idx="1">
+              <a:schemeClr val="accent1"/>
+            </a:lnRef>
+            <a:fillRef idx="3">
+              <a:schemeClr val="accent1"/>
+            </a:fillRef>
+            <a:effectRef idx="2">
+              <a:schemeClr val="accent1"/>
+            </a:effectRef>
+            <a:fontRef idx="minor">
+              <a:schemeClr val="lt1"/>
+            </a:fontRef>
+          </p:style>
+        </p:sp>
+        <p:sp>
+          <p:nvSpPr>
+            <p:cNvPr id="15" name="Freeform 14"/>
+            <p:cNvSpPr/>
+            <p:nvPr/>
+          </p:nvSpPr>
+          <p:spPr>
+            <a:xfrm>
+              <a:off x="8077231" y="-8468"/>
+              <a:ext cx="1066770" cy="6866467"/>
+            </a:xfrm>
+            <a:custGeom>
+              <a:avLst/>
+              <a:gdLst/>
+              <a:ahLst/>
+              <a:cxnLst/>
+              <a:rect l="l" t="t" r="r" b="b"/>
+              <a:pathLst>
+                <a:path w="1270244" h="6866467">
+                  <a:moveTo>
+                    <a:pt x="0" y="0"/>
+                  </a:moveTo>
+                  <a:lnTo>
+                    <a:pt x="1117600" y="6866467"/>
+                  </a:lnTo>
+                  <a:lnTo>
+                    <a:pt x="1270000" y="6866467"/>
+                  </a:lnTo>
+                  <a:cubicBezTo>
+                    <a:pt x="1272822" y="4574822"/>
+                    <a:pt x="1250245" y="2291645"/>
+                    <a:pt x="1253067" y="0"/>
+                  </a:cubicBezTo>
+                  <a:lnTo>
+                    <a:pt x="0" y="0"/>
+                  </a:lnTo>
+                  <a:close/>
+                </a:path>
+              </a:pathLst>
+            </a:custGeom>
+            <a:solidFill>
+              <a:schemeClr val="accent1">
+                <a:alpha val="65000"/>
+              </a:schemeClr>
+            </a:solidFill>
+            <a:ln>
+              <a:noFill/>
+            </a:ln>
+            <a:effectLst/>
+          </p:spPr>
+          <p:style>
+            <a:lnRef idx="1">
+              <a:schemeClr val="accent1"/>
+            </a:lnRef>
+            <a:fillRef idx="3">
+              <a:schemeClr val="accent1"/>
+            </a:fillRef>
+            <a:effectRef idx="2">
+              <a:schemeClr val="accent1"/>
+            </a:effectRef>
+            <a:fontRef idx="minor">
+              <a:schemeClr val="lt1"/>
+            </a:fontRef>
+          </p:style>
+        </p:sp>
+        <p:sp>
+          <p:nvSpPr>
+            <p:cNvPr id="16" name="Freeform 15"/>
+            <p:cNvSpPr/>
+            <p:nvPr/>
+          </p:nvSpPr>
+          <p:spPr>
+            <a:xfrm>
+              <a:off x="8060297" y="4893733"/>
+              <a:ext cx="1094086" cy="1964267"/>
+            </a:xfrm>
+            <a:custGeom>
+              <a:avLst/>
+              <a:gdLst/>
+              <a:ahLst/>
+              <a:cxnLst/>
+              <a:rect l="l" t="t" r="r" b="b"/>
+              <a:pathLst>
+                <a:path w="1820333" h="3268133">
+                  <a:moveTo>
+                    <a:pt x="0" y="3268133"/>
+                  </a:moveTo>
+                  <a:lnTo>
+                    <a:pt x="1811866" y="0"/>
+                  </a:lnTo>
+                  <a:cubicBezTo>
+                    <a:pt x="1814688" y="1086555"/>
+                    <a:pt x="1817511" y="2173111"/>
+                    <a:pt x="1820333" y="3259666"/>
+                  </a:cubicBezTo>
+                  <a:lnTo>
+                    <a:pt x="0" y="3268133"/>
+                  </a:lnTo>
+                  <a:close/>
+                </a:path>
+              </a:pathLst>
+            </a:custGeom>
+            <a:solidFill>
+              <a:schemeClr val="accent1">
+                <a:alpha val="80000"/>
+              </a:schemeClr>
+            </a:solidFill>
+            <a:ln>
+              <a:noFill/>
+            </a:ln>
+            <a:effectLst/>
+          </p:spPr>
+          <p:style>
+            <a:lnRef idx="1">
+              <a:schemeClr val="accent1"/>
+            </a:lnRef>
+            <a:fillRef idx="3">
+              <a:schemeClr val="accent1"/>
+            </a:fillRef>
+            <a:effectRef idx="2">
+              <a:schemeClr val="accent1"/>
+            </a:effectRef>
+            <a:fontRef idx="minor">
+              <a:schemeClr val="lt1"/>
+            </a:fontRef>
+          </p:style>
+        </p:sp>
+      </p:grpSp>
       <p:sp>
         <p:nvSpPr>
           <p:cNvPr id="2" name="Title Placeholder 1"/>
@@ -3315,15 +6093,15 @@
         </p:nvSpPr>
         <p:spPr>
           <a:xfrm>
-            <a:off x="457200" y="274638"/>
-            <a:ext cx="8229600" cy="1143000"/>
+            <a:off x="609599" y="609600"/>
+            <a:ext cx="6347713" cy="1320800"/>
           </a:xfrm>
           <a:prstGeom prst="rect">
             <a:avLst/>
           </a:prstGeom>
         </p:spPr>
         <p:txBody>
-          <a:bodyPr vert="horz" lIns="91440" tIns="45720" rIns="91440" bIns="45720" rtlCol="0" anchor="ctr">
+          <a:bodyPr vert="horz" lIns="91440" tIns="45720" rIns="91440" bIns="45720" rtlCol="0" anchor="t">
             <a:normAutofit/>
           </a:bodyPr>
           <a:lstStyle/>
@@ -3332,7 +6110,7 @@
               <a:rPr lang="en-US" smtClean="0"/>
               <a:t>Click to edit Master title style</a:t>
             </a:r>
-            <a:endParaRPr lang="en-US"/>
+            <a:endParaRPr lang="en-US" dirty="0"/>
           </a:p>
         </p:txBody>
       </p:sp>
@@ -3348,8 +6126,8 @@
         </p:nvSpPr>
         <p:spPr>
           <a:xfrm>
-            <a:off x="457200" y="1600200"/>
-            <a:ext cx="8229600" cy="4525963"/>
+            <a:off x="609599" y="2160590"/>
+            <a:ext cx="6347714" cy="3880773"/>
           </a:xfrm>
           <a:prstGeom prst="rect">
             <a:avLst/>
@@ -3364,7 +6142,7 @@
             <a:pPr lvl="0"/>
             <a:r>
               <a:rPr lang="en-US" smtClean="0"/>
-              <a:t>Click to edit Master text styles</a:t>
+              <a:t>Edit Master text styles</a:t>
             </a:r>
           </a:p>
           <a:p>
@@ -3394,7 +6172,7 @@
               <a:rPr lang="en-US" smtClean="0"/>
               <a:t>Fifth level</a:t>
             </a:r>
-            <a:endParaRPr lang="en-US"/>
+            <a:endParaRPr lang="en-US" dirty="0"/>
           </a:p>
         </p:txBody>
       </p:sp>
@@ -3410,8 +6188,8 @@
         </p:nvSpPr>
         <p:spPr>
           <a:xfrm>
-            <a:off x="457200" y="6356350"/>
-            <a:ext cx="2133600" cy="365125"/>
+            <a:off x="5405258" y="6041363"/>
+            <a:ext cx="684132" cy="365125"/>
           </a:xfrm>
           <a:prstGeom prst="rect">
             <a:avLst/>
@@ -3420,8 +6198,8 @@
         <p:txBody>
           <a:bodyPr vert="horz" lIns="91440" tIns="45720" rIns="91440" bIns="45720" rtlCol="0" anchor="ctr"/>
           <a:lstStyle>
-            <a:lvl1pPr algn="l">
-              <a:defRPr sz="1200">
+            <a:lvl1pPr algn="r">
+              <a:defRPr sz="900">
                 <a:solidFill>
                   <a:schemeClr val="tx1">
                     <a:tint val="75000"/>
@@ -3433,7 +6211,7 @@
           <a:p>
             <a:fld id="{5BCAD085-E8A6-8845-BD4E-CB4CCA059FC4}" type="datetimeFigureOut">
               <a:rPr lang="en-US" smtClean="0"/>
-              <a:t>3/11/2025</a:t>
+              <a:t>3/12/2025</a:t>
             </a:fld>
             <a:endParaRPr lang="en-US"/>
           </a:p>
@@ -3451,8 +6229,8 @@
         </p:nvSpPr>
         <p:spPr>
           <a:xfrm>
-            <a:off x="3124200" y="6356350"/>
-            <a:ext cx="2895600" cy="365125"/>
+            <a:off x="609599" y="6041363"/>
+            <a:ext cx="4622973" cy="365125"/>
           </a:xfrm>
           <a:prstGeom prst="rect">
             <a:avLst/>
@@ -3461,8 +6239,8 @@
         <p:txBody>
           <a:bodyPr vert="horz" lIns="91440" tIns="45720" rIns="91440" bIns="45720" rtlCol="0" anchor="ctr"/>
           <a:lstStyle>
-            <a:lvl1pPr algn="ctr">
-              <a:defRPr sz="1200">
+            <a:lvl1pPr algn="l">
+              <a:defRPr sz="900">
                 <a:solidFill>
                   <a:schemeClr val="tx1">
                     <a:tint val="75000"/>
@@ -3488,8 +6266,8 @@
         </p:nvSpPr>
         <p:spPr>
           <a:xfrm>
-            <a:off x="6553200" y="6356350"/>
-            <a:ext cx="2133600" cy="365125"/>
+            <a:off x="6444676" y="6041363"/>
+            <a:ext cx="512638" cy="365125"/>
           </a:xfrm>
           <a:prstGeom prst="rect">
             <a:avLst/>
@@ -3499,11 +6277,9 @@
           <a:bodyPr vert="horz" lIns="91440" tIns="45720" rIns="91440" bIns="45720" rtlCol="0" anchor="ctr"/>
           <a:lstStyle>
             <a:lvl1pPr algn="r">
-              <a:defRPr sz="1200">
+              <a:defRPr sz="900">
                 <a:solidFill>
-                  <a:schemeClr val="tx1">
-                    <a:tint val="75000"/>
-                  </a:schemeClr>
+                  <a:schemeClr val="accent1"/>
                 </a:solidFill>
               </a:defRPr>
             </a:lvl1pPr>
@@ -3520,51 +6296,122 @@
     </p:spTree>
     <p:extLst>
       <p:ext uri="{BB962C8B-B14F-4D97-AF65-F5344CB8AC3E}">
-        <p14:creationId xmlns:p14="http://schemas.microsoft.com/office/powerpoint/2010/main" val="2209977519"/>
+        <p14:creationId xmlns:p14="http://schemas.microsoft.com/office/powerpoint/2010/main" val="2941281862"/>
       </p:ext>
     </p:extLst>
   </p:cSld>
   <p:clrMap bg1="lt1" tx1="dk1" bg2="lt2" tx2="dk2" accent1="accent1" accent2="accent2" accent3="accent3" accent4="accent4" accent5="accent5" accent6="accent6" hlink="hlink" folHlink="folHlink"/>
   <p:sldLayoutIdLst>
-    <p:sldLayoutId id="2147483649" r:id="rId1"/>
-    <p:sldLayoutId id="2147483650" r:id="rId2"/>
-    <p:sldLayoutId id="2147483651" r:id="rId3"/>
-    <p:sldLayoutId id="2147483652" r:id="rId4"/>
-    <p:sldLayoutId id="2147483653" r:id="rId5"/>
-    <p:sldLayoutId id="2147483654" r:id="rId6"/>
-    <p:sldLayoutId id="2147483655" r:id="rId7"/>
-    <p:sldLayoutId id="2147483656" r:id="rId8"/>
-    <p:sldLayoutId id="2147483657" r:id="rId9"/>
-    <p:sldLayoutId id="2147483658" r:id="rId10"/>
-    <p:sldLayoutId id="2147483659" r:id="rId11"/>
+    <p:sldLayoutId id="2147483661" r:id="rId1"/>
+    <p:sldLayoutId id="2147483662" r:id="rId2"/>
+    <p:sldLayoutId id="2147483663" r:id="rId3"/>
+    <p:sldLayoutId id="2147483664" r:id="rId4"/>
+    <p:sldLayoutId id="2147483665" r:id="rId5"/>
+    <p:sldLayoutId id="2147483666" r:id="rId6"/>
+    <p:sldLayoutId id="2147483667" r:id="rId7"/>
+    <p:sldLayoutId id="2147483668" r:id="rId8"/>
+    <p:sldLayoutId id="2147483669" r:id="rId9"/>
+    <p:sldLayoutId id="2147483670" r:id="rId10"/>
+    <p:sldLayoutId id="2147483671" r:id="rId11"/>
+    <p:sldLayoutId id="2147483672" r:id="rId12"/>
+    <p:sldLayoutId id="2147483673" r:id="rId13"/>
+    <p:sldLayoutId id="2147483674" r:id="rId14"/>
+    <p:sldLayoutId id="2147483675" r:id="rId15"/>
+    <p:sldLayoutId id="2147483676" r:id="rId16"/>
   </p:sldLayoutIdLst>
   <p:txStyles>
     <p:titleStyle>
-      <a:lvl1pPr algn="ctr" defTabSz="457200" rtl="0" eaLnBrk="1" latinLnBrk="0" hangingPunct="1">
+      <a:lvl1pPr algn="l" defTabSz="457200" rtl="0" eaLnBrk="1" latinLnBrk="0" hangingPunct="1">
         <a:spcBef>
           <a:spcPct val="0"/>
         </a:spcBef>
         <a:buNone/>
-        <a:defRPr sz="4400" kern="1200">
+        <a:defRPr sz="3600" kern="1200">
           <a:solidFill>
-            <a:schemeClr val="tx1"/>
+            <a:schemeClr val="accent1"/>
           </a:solidFill>
           <a:latin typeface="+mj-lt"/>
           <a:ea typeface="+mj-ea"/>
           <a:cs typeface="+mj-cs"/>
         </a:defRPr>
       </a:lvl1pPr>
+      <a:lvl2pPr eaLnBrk="1" hangingPunct="1">
+        <a:defRPr>
+          <a:solidFill>
+            <a:schemeClr val="tx2"/>
+          </a:solidFill>
+        </a:defRPr>
+      </a:lvl2pPr>
+      <a:lvl3pPr eaLnBrk="1" hangingPunct="1">
+        <a:defRPr>
+          <a:solidFill>
+            <a:schemeClr val="tx2"/>
+          </a:solidFill>
+        </a:defRPr>
+      </a:lvl3pPr>
+      <a:lvl4pPr eaLnBrk="1" hangingPunct="1">
+        <a:defRPr>
+          <a:solidFill>
+            <a:schemeClr val="tx2"/>
+          </a:solidFill>
+        </a:defRPr>
+      </a:lvl4pPr>
+      <a:lvl5pPr eaLnBrk="1" hangingPunct="1">
+        <a:defRPr>
+          <a:solidFill>
+            <a:schemeClr val="tx2"/>
+          </a:solidFill>
+        </a:defRPr>
+      </a:lvl5pPr>
+      <a:lvl6pPr eaLnBrk="1" hangingPunct="1">
+        <a:defRPr>
+          <a:solidFill>
+            <a:schemeClr val="tx2"/>
+          </a:solidFill>
+        </a:defRPr>
+      </a:lvl6pPr>
+      <a:lvl7pPr eaLnBrk="1" hangingPunct="1">
+        <a:defRPr>
+          <a:solidFill>
+            <a:schemeClr val="tx2"/>
+          </a:solidFill>
+        </a:defRPr>
+      </a:lvl7pPr>
+      <a:lvl8pPr eaLnBrk="1" hangingPunct="1">
+        <a:defRPr>
+          <a:solidFill>
+            <a:schemeClr val="tx2"/>
+          </a:solidFill>
+        </a:defRPr>
+      </a:lvl8pPr>
+      <a:lvl9pPr eaLnBrk="1" hangingPunct="1">
+        <a:defRPr>
+          <a:solidFill>
+            <a:schemeClr val="tx2"/>
+          </a:solidFill>
+        </a:defRPr>
+      </a:lvl9pPr>
     </p:titleStyle>
     <p:bodyStyle>
       <a:lvl1pPr marL="342900" indent="-342900" algn="l" defTabSz="457200" rtl="0" eaLnBrk="1" latinLnBrk="0" hangingPunct="1">
         <a:spcBef>
-          <a:spcPct val="20000"/>
+          <a:spcPts val="1000"/>
         </a:spcBef>
-        <a:buFont typeface="Arial"/>
-        <a:buChar char="•"/>
-        <a:defRPr sz="3200" kern="1200">
+        <a:spcAft>
+          <a:spcPts val="0"/>
+        </a:spcAft>
+        <a:buClr>
+          <a:schemeClr val="accent1"/>
+        </a:buClr>
+        <a:buSzPct val="80000"/>
+        <a:buFont typeface="Wingdings 3" charset="2"/>
+        <a:buChar char=""/>
+        <a:defRPr sz="1800" kern="1200">
           <a:solidFill>
-            <a:schemeClr val="tx1"/>
+            <a:schemeClr val="tx1">
+              <a:lumMod val="75000"/>
+              <a:lumOff val="25000"/>
+            </a:schemeClr>
           </a:solidFill>
           <a:latin typeface="+mn-lt"/>
           <a:ea typeface="+mn-ea"/>
@@ -3573,13 +6420,23 @@
       </a:lvl1pPr>
       <a:lvl2pPr marL="742950" indent="-285750" algn="l" defTabSz="457200" rtl="0" eaLnBrk="1" latinLnBrk="0" hangingPunct="1">
         <a:spcBef>
-          <a:spcPct val="20000"/>
+          <a:spcPts val="1000"/>
         </a:spcBef>
-        <a:buFont typeface="Arial"/>
-        <a:buChar char="–"/>
-        <a:defRPr sz="2800" kern="1200">
+        <a:spcAft>
+          <a:spcPts val="0"/>
+        </a:spcAft>
+        <a:buClr>
+          <a:schemeClr val="accent1"/>
+        </a:buClr>
+        <a:buSzPct val="80000"/>
+        <a:buFont typeface="Wingdings 3" charset="2"/>
+        <a:buChar char=""/>
+        <a:defRPr sz="1600" kern="1200">
           <a:solidFill>
-            <a:schemeClr val="tx1"/>
+            <a:schemeClr val="tx1">
+              <a:lumMod val="75000"/>
+              <a:lumOff val="25000"/>
+            </a:schemeClr>
           </a:solidFill>
           <a:latin typeface="+mn-lt"/>
           <a:ea typeface="+mn-ea"/>
@@ -3588,13 +6445,23 @@
       </a:lvl2pPr>
       <a:lvl3pPr marL="1143000" indent="-228600" algn="l" defTabSz="457200" rtl="0" eaLnBrk="1" latinLnBrk="0" hangingPunct="1">
         <a:spcBef>
-          <a:spcPct val="20000"/>
+          <a:spcPts val="1000"/>
         </a:spcBef>
-        <a:buFont typeface="Arial"/>
-        <a:buChar char="•"/>
-        <a:defRPr sz="2400" kern="1200">
+        <a:spcAft>
+          <a:spcPts val="0"/>
+        </a:spcAft>
+        <a:buClr>
+          <a:schemeClr val="accent1"/>
+        </a:buClr>
+        <a:buSzPct val="80000"/>
+        <a:buFont typeface="Wingdings 3" charset="2"/>
+        <a:buChar char=""/>
+        <a:defRPr sz="1400" kern="1200">
           <a:solidFill>
-            <a:schemeClr val="tx1"/>
+            <a:schemeClr val="tx1">
+              <a:lumMod val="75000"/>
+              <a:lumOff val="25000"/>
+            </a:schemeClr>
           </a:solidFill>
           <a:latin typeface="+mn-lt"/>
           <a:ea typeface="+mn-ea"/>
@@ -3603,13 +6470,23 @@
       </a:lvl3pPr>
       <a:lvl4pPr marL="1600200" indent="-228600" algn="l" defTabSz="457200" rtl="0" eaLnBrk="1" latinLnBrk="0" hangingPunct="1">
         <a:spcBef>
-          <a:spcPct val="20000"/>
+          <a:spcPts val="1000"/>
         </a:spcBef>
-        <a:buFont typeface="Arial"/>
-        <a:buChar char="–"/>
-        <a:defRPr sz="2000" kern="1200">
+        <a:spcAft>
+          <a:spcPts val="0"/>
+        </a:spcAft>
+        <a:buClr>
+          <a:schemeClr val="accent1"/>
+        </a:buClr>
+        <a:buSzPct val="80000"/>
+        <a:buFont typeface="Wingdings 3" charset="2"/>
+        <a:buChar char=""/>
+        <a:defRPr sz="1200" kern="1200">
           <a:solidFill>
-            <a:schemeClr val="tx1"/>
+            <a:schemeClr val="tx1">
+              <a:lumMod val="75000"/>
+              <a:lumOff val="25000"/>
+            </a:schemeClr>
           </a:solidFill>
           <a:latin typeface="+mn-lt"/>
           <a:ea typeface="+mn-ea"/>
@@ -3618,13 +6495,23 @@
       </a:lvl4pPr>
       <a:lvl5pPr marL="2057400" indent="-228600" algn="l" defTabSz="457200" rtl="0" eaLnBrk="1" latinLnBrk="0" hangingPunct="1">
         <a:spcBef>
-          <a:spcPct val="20000"/>
+          <a:spcPts val="1000"/>
         </a:spcBef>
-        <a:buFont typeface="Arial"/>
-        <a:buChar char="»"/>
-        <a:defRPr sz="2000" kern="1200">
+        <a:spcAft>
+          <a:spcPts val="0"/>
+        </a:spcAft>
+        <a:buClr>
+          <a:schemeClr val="accent1"/>
+        </a:buClr>
+        <a:buSzPct val="80000"/>
+        <a:buFont typeface="Wingdings 3" charset="2"/>
+        <a:buChar char=""/>
+        <a:defRPr sz="1200" kern="1200">
           <a:solidFill>
-            <a:schemeClr val="tx1"/>
+            <a:schemeClr val="tx1">
+              <a:lumMod val="75000"/>
+              <a:lumOff val="25000"/>
+            </a:schemeClr>
           </a:solidFill>
           <a:latin typeface="+mn-lt"/>
           <a:ea typeface="+mn-ea"/>
@@ -3633,13 +6520,23 @@
       </a:lvl5pPr>
       <a:lvl6pPr marL="2514600" indent="-228600" algn="l" defTabSz="457200" rtl="0" eaLnBrk="1" latinLnBrk="0" hangingPunct="1">
         <a:spcBef>
-          <a:spcPct val="20000"/>
+          <a:spcPts val="1000"/>
         </a:spcBef>
-        <a:buFont typeface="Arial"/>
-        <a:buChar char="•"/>
-        <a:defRPr sz="2000" kern="1200">
+        <a:spcAft>
+          <a:spcPts val="0"/>
+        </a:spcAft>
+        <a:buClr>
+          <a:schemeClr val="accent1"/>
+        </a:buClr>
+        <a:buSzPct val="80000"/>
+        <a:buFont typeface="Wingdings 3" charset="2"/>
+        <a:buChar char=""/>
+        <a:defRPr sz="1200" kern="1200">
           <a:solidFill>
-            <a:schemeClr val="tx1"/>
+            <a:schemeClr val="tx1">
+              <a:lumMod val="75000"/>
+              <a:lumOff val="25000"/>
+            </a:schemeClr>
           </a:solidFill>
           <a:latin typeface="+mn-lt"/>
           <a:ea typeface="+mn-ea"/>
@@ -3648,13 +6545,23 @@
       </a:lvl6pPr>
       <a:lvl7pPr marL="2971800" indent="-228600" algn="l" defTabSz="457200" rtl="0" eaLnBrk="1" latinLnBrk="0" hangingPunct="1">
         <a:spcBef>
-          <a:spcPct val="20000"/>
+          <a:spcPts val="1000"/>
         </a:spcBef>
-        <a:buFont typeface="Arial"/>
-        <a:buChar char="•"/>
-        <a:defRPr sz="2000" kern="1200">
+        <a:spcAft>
+          <a:spcPts val="0"/>
+        </a:spcAft>
+        <a:buClr>
+          <a:schemeClr val="accent1"/>
+        </a:buClr>
+        <a:buSzPct val="80000"/>
+        <a:buFont typeface="Wingdings 3" charset="2"/>
+        <a:buChar char=""/>
+        <a:defRPr sz="1200" kern="1200">
           <a:solidFill>
-            <a:schemeClr val="tx1"/>
+            <a:schemeClr val="tx1">
+              <a:lumMod val="75000"/>
+              <a:lumOff val="25000"/>
+            </a:schemeClr>
           </a:solidFill>
           <a:latin typeface="+mn-lt"/>
           <a:ea typeface="+mn-ea"/>
@@ -3663,13 +6570,23 @@
       </a:lvl7pPr>
       <a:lvl8pPr marL="3429000" indent="-228600" algn="l" defTabSz="457200" rtl="0" eaLnBrk="1" latinLnBrk="0" hangingPunct="1">
         <a:spcBef>
-          <a:spcPct val="20000"/>
+          <a:spcPts val="1000"/>
         </a:spcBef>
-        <a:buFont typeface="Arial"/>
-        <a:buChar char="•"/>
-        <a:defRPr sz="2000" kern="1200">
+        <a:spcAft>
+          <a:spcPts val="0"/>
+        </a:spcAft>
+        <a:buClr>
+          <a:schemeClr val="accent1"/>
+        </a:buClr>
+        <a:buSzPct val="80000"/>
+        <a:buFont typeface="Wingdings 3" charset="2"/>
+        <a:buChar char=""/>
+        <a:defRPr sz="1200" kern="1200">
           <a:solidFill>
-            <a:schemeClr val="tx1"/>
+            <a:schemeClr val="tx1">
+              <a:lumMod val="75000"/>
+              <a:lumOff val="25000"/>
+            </a:schemeClr>
           </a:solidFill>
           <a:latin typeface="+mn-lt"/>
           <a:ea typeface="+mn-ea"/>
@@ -3678,13 +6595,23 @@
       </a:lvl8pPr>
       <a:lvl9pPr marL="3886200" indent="-228600" algn="l" defTabSz="457200" rtl="0" eaLnBrk="1" latinLnBrk="0" hangingPunct="1">
         <a:spcBef>
-          <a:spcPct val="20000"/>
+          <a:spcPts val="1000"/>
         </a:spcBef>
-        <a:buFont typeface="Arial"/>
-        <a:buChar char="•"/>
-        <a:defRPr sz="2000" kern="1200">
+        <a:spcAft>
+          <a:spcPts val="0"/>
+        </a:spcAft>
+        <a:buClr>
+          <a:schemeClr val="accent1"/>
+        </a:buClr>
+        <a:buSzPct val="80000"/>
+        <a:buFont typeface="Wingdings 3" charset="2"/>
+        <a:buChar char=""/>
+        <a:defRPr sz="1200" kern="1200">
           <a:solidFill>
-            <a:schemeClr val="tx1"/>
+            <a:schemeClr val="tx1">
+              <a:lumMod val="75000"/>
+              <a:lumOff val="25000"/>
+            </a:schemeClr>
           </a:solidFill>
           <a:latin typeface="+mn-lt"/>
           <a:ea typeface="+mn-ea"/>
@@ -3836,8 +6763,8 @@
         </p:blipFill>
         <p:spPr>
           <a:xfrm>
-            <a:off x="1675362" y="3579003"/>
-            <a:ext cx="5817119" cy="3272129"/>
+            <a:off x="3256384" y="4233236"/>
+            <a:ext cx="4666247" cy="2624763"/>
           </a:xfrm>
           <a:prstGeom prst="rect">
             <a:avLst/>
@@ -3995,6 +6922,13 @@
   <p:clrMapOvr>
     <a:masterClrMapping/>
   </p:clrMapOvr>
+  <p:timing>
+    <p:tnLst>
+      <p:par>
+        <p:cTn id="1" dur="indefinite" restart="never" nodeType="tmRoot"/>
+      </p:par>
+    </p:tnLst>
+  </p:timing>
 </p:sld>
 </file>
 
@@ -4032,136 +6966,28 @@
           <a:p>
             <a:r>
               <a:rPr lang="en-US" dirty="0" smtClean="0"/>
-              <a:t>Results</a:t>
+              <a:t>Distributed System Principles</a:t>
             </a:r>
             <a:endParaRPr lang="en-US" dirty="0"/>
           </a:p>
         </p:txBody>
       </p:sp>
-      <p:pic>
-        <p:nvPicPr>
-          <p:cNvPr id="4" name="Picture 3"/>
-          <p:cNvPicPr>
-            <a:picLocks noChangeAspect="1"/>
-          </p:cNvPicPr>
-          <p:nvPr/>
-        </p:nvPicPr>
-        <p:blipFill>
-          <a:blip r:embed="rId2">
-            <a:extLst>
-              <a:ext uri="{28A0092B-C50C-407E-A947-70E740481C1C}">
-                <a14:useLocalDpi xmlns:a14="http://schemas.microsoft.com/office/drawing/2010/main" val="0"/>
-              </a:ext>
-            </a:extLst>
-          </a:blip>
-          <a:stretch>
-            <a:fillRect/>
-          </a:stretch>
-        </p:blipFill>
+      <p:sp>
+        <p:nvSpPr>
+          <p:cNvPr id="3" name="Content Placeholder 2"/>
+          <p:cNvSpPr>
+            <a:spLocks noGrp="1"/>
+          </p:cNvSpPr>
+          <p:nvPr>
+            <p:ph idx="1"/>
+          </p:nvPr>
+        </p:nvSpPr>
         <p:spPr>
           <a:xfrm>
-            <a:off x="-1459650" y="803454"/>
-            <a:ext cx="9144000" cy="5486400"/>
+            <a:off x="609599" y="1544769"/>
+            <a:ext cx="6347714" cy="3880773"/>
           </a:xfrm>
-          <a:prstGeom prst="rect">
-            <a:avLst/>
-          </a:prstGeom>
         </p:spPr>
-      </p:pic>
-      <p:pic>
-        <p:nvPicPr>
-          <p:cNvPr id="5" name="Picture 4"/>
-          <p:cNvPicPr>
-            <a:picLocks noChangeAspect="1"/>
-          </p:cNvPicPr>
-          <p:nvPr/>
-        </p:nvPicPr>
-        <p:blipFill>
-          <a:blip r:embed="rId3">
-            <a:extLst>
-              <a:ext uri="{28A0092B-C50C-407E-A947-70E740481C1C}">
-                <a14:useLocalDpi xmlns:a14="http://schemas.microsoft.com/office/drawing/2010/main" val="0"/>
-              </a:ext>
-            </a:extLst>
-          </a:blip>
-          <a:stretch>
-            <a:fillRect/>
-          </a:stretch>
-        </p:blipFill>
-        <p:spPr>
-          <a:xfrm>
-            <a:off x="-147600" y="1551521"/>
-            <a:ext cx="9144000" cy="5486400"/>
-          </a:xfrm>
-          <a:prstGeom prst="rect">
-            <a:avLst/>
-          </a:prstGeom>
-        </p:spPr>
-      </p:pic>
-    </p:spTree>
-    <p:extLst>
-      <p:ext uri="{BB962C8B-B14F-4D97-AF65-F5344CB8AC3E}">
-        <p14:creationId xmlns:p14="http://schemas.microsoft.com/office/powerpoint/2010/main" val="1999484643"/>
-      </p:ext>
-    </p:extLst>
-  </p:cSld>
-  <p:clrMapOvr>
-    <a:masterClrMapping/>
-  </p:clrMapOvr>
-</p:sld>
-</file>
-
-<file path=ppt/slides/slide11.xml><?xml version="1.0" encoding="utf-8"?>
-<p:sld xmlns:a="http://schemas.openxmlformats.org/drawingml/2006/main" xmlns:r="http://schemas.openxmlformats.org/officeDocument/2006/relationships" xmlns:p="http://schemas.openxmlformats.org/presentationml/2006/main">
-  <p:cSld>
-    <p:spTree>
-      <p:nvGrpSpPr>
-        <p:cNvPr id="1" name=""/>
-        <p:cNvGrpSpPr/>
-        <p:nvPr/>
-      </p:nvGrpSpPr>
-      <p:grpSpPr>
-        <a:xfrm>
-          <a:off x="0" y="0"/>
-          <a:ext cx="0" cy="0"/>
-          <a:chOff x="0" y="0"/>
-          <a:chExt cx="0" cy="0"/>
-        </a:xfrm>
-      </p:grpSpPr>
-      <p:sp>
-        <p:nvSpPr>
-          <p:cNvPr id="2" name="Title 1"/>
-          <p:cNvSpPr>
-            <a:spLocks noGrp="1"/>
-          </p:cNvSpPr>
-          <p:nvPr>
-            <p:ph type="title"/>
-          </p:nvPr>
-        </p:nvSpPr>
-        <p:spPr/>
-        <p:txBody>
-          <a:bodyPr/>
-          <a:lstStyle/>
-          <a:p>
-            <a:r>
-              <a:rPr lang="en-US" dirty="0" smtClean="0"/>
-              <a:t>Distributed System Principles</a:t>
-            </a:r>
-            <a:endParaRPr lang="en-US" dirty="0"/>
-          </a:p>
-        </p:txBody>
-      </p:sp>
-      <p:sp>
-        <p:nvSpPr>
-          <p:cNvPr id="3" name="Content Placeholder 2"/>
-          <p:cNvSpPr>
-            <a:spLocks noGrp="1"/>
-          </p:cNvSpPr>
-          <p:nvPr>
-            <p:ph idx="1"/>
-          </p:nvPr>
-        </p:nvSpPr>
-        <p:spPr/>
         <p:txBody>
           <a:bodyPr>
             <a:normAutofit/>
@@ -4224,8 +7050,8 @@
         </p:blipFill>
         <p:spPr bwMode="auto">
           <a:xfrm>
-            <a:off x="1729272" y="3452611"/>
-            <a:ext cx="5688565" cy="3405389"/>
+            <a:off x="4873324" y="4301413"/>
+            <a:ext cx="4270676" cy="2556588"/>
           </a:xfrm>
           <a:prstGeom prst="rect">
             <a:avLst/>
@@ -4252,6 +7078,139 @@
   <p:clrMapOvr>
     <a:masterClrMapping/>
   </p:clrMapOvr>
+  <p:timing>
+    <p:tnLst>
+      <p:par>
+        <p:cTn id="1" dur="indefinite" restart="never" nodeType="tmRoot"/>
+      </p:par>
+    </p:tnLst>
+  </p:timing>
+</p:sld>
+</file>
+
+<file path=ppt/slides/slide11.xml><?xml version="1.0" encoding="utf-8"?>
+<p:sld xmlns:a="http://schemas.openxmlformats.org/drawingml/2006/main" xmlns:r="http://schemas.openxmlformats.org/officeDocument/2006/relationships" xmlns:p="http://schemas.openxmlformats.org/presentationml/2006/main">
+  <p:cSld>
+    <p:spTree>
+      <p:nvGrpSpPr>
+        <p:cNvPr id="1" name=""/>
+        <p:cNvGrpSpPr/>
+        <p:nvPr/>
+      </p:nvGrpSpPr>
+      <p:grpSpPr>
+        <a:xfrm>
+          <a:off x="0" y="0"/>
+          <a:ext cx="0" cy="0"/>
+          <a:chOff x="0" y="0"/>
+          <a:chExt cx="0" cy="0"/>
+        </a:xfrm>
+      </p:grpSpPr>
+      <p:sp>
+        <p:nvSpPr>
+          <p:cNvPr id="2" name="Title 1"/>
+          <p:cNvSpPr>
+            <a:spLocks noGrp="1"/>
+          </p:cNvSpPr>
+          <p:nvPr>
+            <p:ph type="title"/>
+          </p:nvPr>
+        </p:nvSpPr>
+        <p:spPr/>
+        <p:txBody>
+          <a:bodyPr/>
+          <a:lstStyle/>
+          <a:p>
+            <a:r>
+              <a:rPr dirty="0"/>
+              <a:t>Lessons Learned</a:t>
+            </a:r>
+          </a:p>
+        </p:txBody>
+      </p:sp>
+      <p:sp>
+        <p:nvSpPr>
+          <p:cNvPr id="3" name="Content Placeholder 2"/>
+          <p:cNvSpPr>
+            <a:spLocks noGrp="1"/>
+          </p:cNvSpPr>
+          <p:nvPr>
+            <p:ph idx="1"/>
+          </p:nvPr>
+        </p:nvSpPr>
+        <p:spPr>
+          <a:xfrm>
+            <a:off x="609599" y="1694059"/>
+            <a:ext cx="6347714" cy="3880773"/>
+          </a:xfrm>
+        </p:spPr>
+        <p:txBody>
+          <a:bodyPr>
+            <a:normAutofit/>
+          </a:bodyPr>
+          <a:lstStyle/>
+          <a:p>
+            <a:r>
+              <a:rPr lang="en-US" sz="2800" dirty="0"/>
+              <a:t>Communication overhead hurts small-scale </a:t>
+            </a:r>
+            <a:r>
+              <a:rPr lang="en-US" sz="2800" dirty="0" smtClean="0"/>
+              <a:t>performance</a:t>
+            </a:r>
+          </a:p>
+          <a:p>
+            <a:r>
+              <a:rPr lang="en-US" sz="2800" dirty="0" smtClean="0"/>
+              <a:t>Single </a:t>
+            </a:r>
+            <a:r>
+              <a:rPr lang="en-US" sz="2800" dirty="0"/>
+              <a:t>coordinator is a weak </a:t>
+            </a:r>
+            <a:r>
+              <a:rPr lang="en-US" sz="2800" dirty="0" smtClean="0"/>
+              <a:t>point</a:t>
+            </a:r>
+          </a:p>
+          <a:p>
+            <a:r>
+              <a:rPr lang="en-US" sz="2800" dirty="0" smtClean="0"/>
+              <a:t>Docker </a:t>
+            </a:r>
+            <a:r>
+              <a:rPr lang="en-US" sz="2800" dirty="0"/>
+              <a:t>is great for simulation, but real nodes </a:t>
+            </a:r>
+            <a:r>
+              <a:rPr lang="en-US" sz="2800" dirty="0" smtClean="0"/>
+              <a:t>differ</a:t>
+            </a:r>
+          </a:p>
+          <a:p>
+            <a:r>
+              <a:rPr lang="en-US" sz="2800" dirty="0" smtClean="0"/>
+              <a:t>Load </a:t>
+            </a:r>
+            <a:r>
+              <a:rPr lang="en-US" sz="2800" dirty="0"/>
+              <a:t>balancing needs optimization</a:t>
+            </a:r>
+            <a:endParaRPr sz="2800" dirty="0"/>
+          </a:p>
+        </p:txBody>
+      </p:sp>
+    </p:spTree>
+  </p:cSld>
+  <p:clrMapOvr>
+    <a:masterClrMapping/>
+  </p:clrMapOvr>
+  <p:timing>
+    <p:tnLst>
+      <p:par>
+        <p:cTn id="1" dur="indefinite" restart="never" nodeType="tmRoot"/>
+      </p:par>
+    </p:tnLst>
+  </p:timing>
 </p:sld>
 </file>
 
@@ -4288,8 +7247,7 @@
           <a:lstStyle/>
           <a:p>
             <a:r>
-              <a:rPr dirty="0"/>
-              <a:t>Lessons Learned</a:t>
+              <a:t>Future Work</a:t>
             </a:r>
           </a:p>
         </p:txBody>
@@ -4304,58 +7262,93 @@
             <p:ph idx="1"/>
           </p:nvPr>
         </p:nvSpPr>
-        <p:spPr/>
+        <p:spPr>
+          <a:xfrm>
+            <a:off x="609599" y="1656737"/>
+            <a:ext cx="6347714" cy="3880773"/>
+          </a:xfrm>
+        </p:spPr>
         <p:txBody>
           <a:bodyPr>
-            <a:normAutofit/>
+            <a:noAutofit/>
           </a:bodyPr>
           <a:lstStyle/>
           <a:p>
             <a:r>
-              <a:rPr lang="en-US" sz="2800" dirty="0"/>
-              <a:t>Communication overhead hurts small-scale </a:t>
+              <a:rPr sz="2800" dirty="0" smtClean="0"/>
+              <a:t>Addressing </a:t>
+            </a:r>
+            <a:r>
+              <a:rPr sz="2800" dirty="0"/>
+              <a:t>the Single Point of </a:t>
+            </a:r>
+            <a:r>
+              <a:rPr sz="2800" dirty="0" smtClean="0"/>
+              <a:t>Failure</a:t>
+            </a:r>
+            <a:endParaRPr lang="en-US" sz="2800" dirty="0" smtClean="0"/>
+          </a:p>
+          <a:p>
+            <a:r>
+              <a:rPr sz="2800" dirty="0" smtClean="0"/>
+              <a:t>Optimized </a:t>
+            </a:r>
+            <a:r>
+              <a:rPr sz="2800" dirty="0"/>
+              <a:t>Load Balancing </a:t>
+            </a:r>
+            <a:r>
+              <a:rPr sz="2800" dirty="0" smtClean="0"/>
+              <a:t>Strategies</a:t>
+            </a:r>
+            <a:endParaRPr lang="en-US" sz="2800" dirty="0" smtClean="0"/>
+          </a:p>
+          <a:p>
+            <a:r>
+              <a:rPr sz="2800" dirty="0" smtClean="0"/>
+              <a:t>Alternative </a:t>
+            </a:r>
+            <a:r>
+              <a:rPr sz="2800" dirty="0"/>
+              <a:t>Matrix Computation </a:t>
+            </a:r>
+            <a:r>
+              <a:rPr sz="2800" dirty="0" smtClean="0"/>
+              <a:t>Methods</a:t>
             </a:r>
             <a:r>
               <a:rPr lang="en-US" sz="2800" dirty="0" smtClean="0"/>
-              <a:t>performance</a:t>
-            </a:r>
-          </a:p>
-          <a:p>
+              <a:t> </a:t>
+            </a:r>
+          </a:p>
+          <a:p>
+            <a:r>
+              <a:rPr sz="2800" dirty="0" smtClean="0"/>
+              <a:t>Improving </a:t>
+            </a:r>
+            <a:r>
+              <a:rPr sz="2800" dirty="0"/>
+              <a:t>Communication </a:t>
+            </a:r>
+            <a:r>
+              <a:rPr sz="2800" dirty="0" smtClean="0"/>
+              <a:t>Efficiency</a:t>
+            </a:r>
             <a:r>
               <a:rPr lang="en-US" sz="2800" dirty="0" smtClean="0"/>
-              <a:t>Single </a:t>
-            </a:r>
-            <a:r>
-              <a:rPr lang="en-US" sz="2800" dirty="0"/>
-              <a:t>coordinator is a weak </a:t>
-            </a:r>
-            <a:r>
-              <a:rPr lang="en-US" sz="2800" dirty="0" smtClean="0"/>
-              <a:t>point</a:t>
-            </a:r>
-          </a:p>
-          <a:p>
-            <a:r>
-              <a:rPr lang="en-US" sz="2800" dirty="0" smtClean="0"/>
-              <a:t>Docker </a:t>
-            </a:r>
-            <a:r>
-              <a:rPr lang="en-US" sz="2800" dirty="0"/>
-              <a:t>is great for simulation, but real nodes </a:t>
-            </a:r>
-            <a:r>
-              <a:rPr lang="en-US" sz="2800" dirty="0" smtClean="0"/>
-              <a:t>differ</a:t>
-            </a:r>
-          </a:p>
-          <a:p>
-            <a:r>
-              <a:rPr lang="en-US" sz="2800" dirty="0" smtClean="0"/>
-              <a:t>Load </a:t>
-            </a:r>
-            <a:r>
-              <a:rPr lang="en-US" sz="2800" dirty="0"/>
-              <a:t>balancing needs optimization</a:t>
+              <a:t> </a:t>
+            </a:r>
+            <a:r>
+              <a:rPr sz="2800" dirty="0" smtClean="0"/>
+              <a:t>Real </a:t>
+            </a:r>
+            <a:r>
+              <a:rPr sz="2800" dirty="0"/>
+              <a:t>Multi-Node </a:t>
+            </a:r>
+            <a:r>
+              <a:rPr sz="2800" dirty="0" smtClean="0"/>
+              <a:t>Deployment</a:t>
             </a:r>
             <a:endParaRPr sz="2800" dirty="0"/>
           </a:p>
@@ -4366,6 +7359,13 @@
   <p:clrMapOvr>
     <a:masterClrMapping/>
   </p:clrMapOvr>
+  <p:timing>
+    <p:tnLst>
+      <p:par>
+        <p:cTn id="1" dur="indefinite" restart="never" nodeType="tmRoot"/>
+      </p:par>
+    </p:tnLst>
+  </p:timing>
 </p:sld>
 </file>
 
@@ -4402,7 +7402,7 @@
           <a:lstStyle/>
           <a:p>
             <a:r>
-              <a:t>Future Work</a:t>
+              <a:t>Conclusion</a:t>
             </a:r>
           </a:p>
         </p:txBody>
@@ -4417,88 +7417,63 @@
             <p:ph idx="1"/>
           </p:nvPr>
         </p:nvSpPr>
-        <p:spPr/>
+        <p:spPr>
+          <a:xfrm>
+            <a:off x="609599" y="1656737"/>
+            <a:ext cx="6347714" cy="3880773"/>
+          </a:xfrm>
+        </p:spPr>
         <p:txBody>
           <a:bodyPr>
-            <a:noAutofit/>
+            <a:normAutofit/>
           </a:bodyPr>
           <a:lstStyle/>
           <a:p>
             <a:r>
+              <a:rPr sz="2800" dirty="0" err="1" smtClean="0"/>
+              <a:t>DMaC</a:t>
+            </a:r>
+            <a:r>
               <a:rPr sz="2800" dirty="0" smtClean="0"/>
-              <a:t>Addressing </a:t>
+              <a:t> </a:t>
             </a:r>
             <a:r>
               <a:rPr sz="2800" dirty="0"/>
-              <a:t>the Single Point of </a:t>
+              <a:t>demonstrates the potential of distributed computing for matrix </a:t>
             </a:r>
             <a:r>
               <a:rPr sz="2800" dirty="0" smtClean="0"/>
-              <a:t>Failure</a:t>
-            </a:r>
-            <a:endParaRPr lang="en-US" sz="2800" dirty="0" smtClean="0"/>
+              <a:t>operations</a:t>
+            </a:r>
+            <a:endParaRPr sz="2800" dirty="0"/>
           </a:p>
           <a:p>
             <a:r>
               <a:rPr sz="2800" dirty="0" smtClean="0"/>
-              <a:t>Optimized </a:t>
+              <a:t>Offers </a:t>
             </a:r>
             <a:r>
               <a:rPr sz="2800" dirty="0"/>
-              <a:t>Load Balancing </a:t>
+              <a:t>scalability, though overhead remains a </a:t>
             </a:r>
             <a:r>
               <a:rPr sz="2800" dirty="0" smtClean="0"/>
-              <a:t>Strategies</a:t>
-            </a:r>
-            <a:endParaRPr lang="en-US" sz="2800" dirty="0" smtClean="0"/>
+              <a:t>challenge</a:t>
+            </a:r>
+            <a:endParaRPr sz="2800" dirty="0"/>
           </a:p>
           <a:p>
             <a:r>
               <a:rPr sz="2800" dirty="0" smtClean="0"/>
-              <a:t>Alternative </a:t>
+              <a:t>Future </a:t>
             </a:r>
             <a:r>
               <a:rPr sz="2800" dirty="0"/>
-              <a:t>Matrix Computation </a:t>
+              <a:t>improvements can enhance real-world </a:t>
             </a:r>
             <a:r>
               <a:rPr sz="2800" dirty="0" smtClean="0"/>
-              <a:t>Methods</a:t>
-            </a:r>
-            <a:r>
-              <a:rPr lang="en-US" sz="2800" dirty="0" smtClean="0"/>
-              <a:t> </a:t>
-            </a:r>
-          </a:p>
-          <a:p>
-            <a:r>
-              <a:rPr sz="2800" dirty="0" smtClean="0"/>
-              <a:t>Improving </a:t>
-            </a:r>
-            <a:r>
-              <a:rPr sz="2800" dirty="0"/>
-              <a:t>Communication </a:t>
-            </a:r>
-            <a:r>
-              <a:rPr sz="2800" dirty="0" smtClean="0"/>
-              <a:t>Efficiency</a:t>
-            </a:r>
-            <a:r>
-              <a:rPr lang="en-US" sz="2800" dirty="0" smtClean="0"/>
-              <a:t> </a:t>
-            </a:r>
-            <a:r>
-              <a:rPr sz="2800" dirty="0" smtClean="0"/>
-              <a:t>Real </a:t>
-            </a:r>
-            <a:r>
-              <a:rPr sz="2800" dirty="0"/>
-              <a:t>Multi-Node </a:t>
-            </a:r>
-            <a:r>
-              <a:rPr sz="2800" dirty="0" smtClean="0"/>
-              <a:t>Deployment</a:t>
+              <a:t>applicability</a:t>
             </a:r>
             <a:endParaRPr sz="2800" dirty="0"/>
           </a:p>
@@ -4509,6 +7484,13 @@
   <p:clrMapOvr>
     <a:masterClrMapping/>
   </p:clrMapOvr>
+  <p:timing>
+    <p:tnLst>
+      <p:par>
+        <p:cTn id="1" dur="indefinite" restart="never" nodeType="tmRoot"/>
+      </p:par>
+    </p:tnLst>
+  </p:timing>
 </p:sld>
 </file>
 
@@ -4545,7 +7527,7 @@
           <a:lstStyle/>
           <a:p>
             <a:r>
-              <a:t>Conclusion</a:t>
+              <a:t>References</a:t>
             </a:r>
           </a:p>
         </p:txBody>
@@ -4560,58 +7542,283 @@
             <p:ph idx="1"/>
           </p:nvPr>
         </p:nvSpPr>
-        <p:spPr/>
+        <p:spPr>
+          <a:xfrm>
+            <a:off x="609599" y="1567544"/>
+            <a:ext cx="6347713" cy="4473820"/>
+          </a:xfrm>
+        </p:spPr>
         <p:txBody>
           <a:bodyPr>
-            <a:normAutofit/>
+            <a:normAutofit fontScale="55000" lnSpcReduction="20000"/>
           </a:bodyPr>
           <a:lstStyle/>
           <a:p>
             <a:r>
-              <a:rPr sz="2800" dirty="0" err="1" smtClean="0"/>
-              <a:t>DMaC</a:t>
-            </a:r>
-            <a:r>
-              <a:rPr sz="2800" dirty="0" smtClean="0"/>
+              <a:rPr lang="en-US" sz="2800" dirty="0" smtClean="0"/>
+              <a:t>API </a:t>
+            </a:r>
+            <a:r>
+              <a:rPr lang="en-US" sz="2800" dirty="0"/>
+              <a:t>— Flask Documentation (3.0.x). 2024. url: </a:t>
+            </a:r>
+            <a:r>
+              <a:rPr lang="en-US" sz="2800" dirty="0">
+                <a:hlinkClick r:id="rId2"/>
+              </a:rPr>
+              <a:t>https://flask.palletsprojects.com/en/stable/api</a:t>
+            </a:r>
+            <a:r>
+              <a:rPr lang="en-US" sz="2800" dirty="0" smtClean="0">
+                <a:hlinkClick r:id="rId2"/>
+              </a:rPr>
+              <a:t>/</a:t>
+            </a:r>
+            <a:r>
+              <a:rPr lang="en-US" sz="2800" dirty="0" smtClean="0"/>
+              <a:t>.</a:t>
+            </a:r>
+          </a:p>
+          <a:p>
+            <a:r>
+              <a:rPr lang="en-US" sz="2800" dirty="0" err="1" smtClean="0"/>
+              <a:t>Ankur</a:t>
+            </a:r>
+            <a:r>
+              <a:rPr lang="en-US" sz="2800" dirty="0" smtClean="0"/>
               <a:t> </a:t>
             </a:r>
             <a:r>
-              <a:rPr sz="2800" dirty="0"/>
-              <a:t>demonstrates the potential of distributed computing for matrix </a:t>
-            </a:r>
-            <a:r>
-              <a:rPr sz="2800" dirty="0" smtClean="0"/>
-              <a:t>operations</a:t>
-            </a:r>
-            <a:endParaRPr sz="2800" dirty="0"/>
-          </a:p>
-          <a:p>
-            <a:r>
-              <a:rPr sz="2800" dirty="0" smtClean="0"/>
-              <a:t>Offers </a:t>
-            </a:r>
-            <a:r>
-              <a:rPr sz="2800" dirty="0"/>
-              <a:t>scalability, though overhead remains a </a:t>
-            </a:r>
-            <a:r>
-              <a:rPr sz="2800" dirty="0" smtClean="0"/>
-              <a:t>challenge</a:t>
-            </a:r>
-            <a:endParaRPr sz="2800" dirty="0"/>
-          </a:p>
-          <a:p>
-            <a:r>
-              <a:rPr sz="2800" dirty="0" smtClean="0"/>
-              <a:t>Future </a:t>
-            </a:r>
-            <a:r>
-              <a:rPr sz="2800" dirty="0"/>
-              <a:t>improvements can enhance real-world </a:t>
-            </a:r>
-            <a:r>
-              <a:rPr sz="2800" dirty="0" smtClean="0"/>
-              <a:t>applicability</a:t>
+              <a:rPr lang="en-US" sz="2800" dirty="0" err="1"/>
+              <a:t>Mallick</a:t>
+            </a:r>
+            <a:r>
+              <a:rPr lang="en-US" sz="2800" dirty="0"/>
+              <a:t>, </a:t>
+            </a:r>
+            <a:r>
+              <a:rPr lang="en-US" sz="2800" dirty="0" err="1"/>
+              <a:t>Malhar</a:t>
+            </a:r>
+            <a:r>
+              <a:rPr lang="en-US" sz="2800" dirty="0"/>
+              <a:t> </a:t>
+            </a:r>
+            <a:r>
+              <a:rPr lang="en-US" sz="2800" dirty="0" err="1"/>
+              <a:t>Chaudhari</a:t>
+            </a:r>
+            <a:r>
+              <a:rPr lang="en-US" sz="2800" dirty="0"/>
+              <a:t>, and </a:t>
+            </a:r>
+            <a:r>
+              <a:rPr lang="en-US" sz="2800" dirty="0" err="1"/>
+              <a:t>Gauri</a:t>
+            </a:r>
+            <a:r>
+              <a:rPr lang="en-US" sz="2800" dirty="0"/>
+              <a:t> Joshi. “Fast and Efficient Distributed Matrix-vector Multiplication </a:t>
+            </a:r>
+            <a:r>
+              <a:rPr lang="en-US" sz="2800" dirty="0" err="1"/>
+              <a:t>UsingRateless</a:t>
+            </a:r>
+            <a:r>
+              <a:rPr lang="en-US" sz="2800" dirty="0"/>
+              <a:t> Fountain Codes”. In: ICASSP 2019 - 2019 IEEE International Conference on Acoustics, Speech and </a:t>
+            </a:r>
+            <a:r>
+              <a:rPr lang="en-US" sz="2800" dirty="0" err="1"/>
+              <a:t>SignalProcessing</a:t>
+            </a:r>
+            <a:r>
+              <a:rPr lang="en-US" sz="2800" dirty="0"/>
+              <a:t> (ICASSP). 2019, pp. 8192–8196. </a:t>
+            </a:r>
+            <a:r>
+              <a:rPr lang="en-US" sz="2800" dirty="0" err="1"/>
+              <a:t>doi</a:t>
+            </a:r>
+            <a:r>
+              <a:rPr lang="en-US" sz="2800" dirty="0"/>
+              <a:t>: </a:t>
+            </a:r>
+            <a:r>
+              <a:rPr lang="en-US" sz="2800" dirty="0" smtClean="0"/>
+              <a:t>10.1109/ICASSP.2019.8682347.</a:t>
+            </a:r>
+          </a:p>
+          <a:p>
+            <a:r>
+              <a:rPr lang="en-US" sz="2800" dirty="0" err="1" smtClean="0"/>
+              <a:t>Oded</a:t>
+            </a:r>
+            <a:r>
+              <a:rPr lang="en-US" sz="2800" dirty="0" smtClean="0"/>
+              <a:t> </a:t>
+            </a:r>
+            <a:r>
+              <a:rPr lang="en-US" sz="2800" dirty="0"/>
+              <a:t>Schwartz and </a:t>
+            </a:r>
+            <a:r>
+              <a:rPr lang="en-US" sz="2800" dirty="0" err="1"/>
+              <a:t>Noa</a:t>
+            </a:r>
+            <a:r>
+              <a:rPr lang="en-US" sz="2800" dirty="0"/>
+              <a:t> </a:t>
+            </a:r>
+            <a:r>
+              <a:rPr lang="en-US" sz="2800" dirty="0" err="1"/>
+              <a:t>Vaknin</a:t>
+            </a:r>
+            <a:r>
+              <a:rPr lang="en-US" sz="2800" dirty="0"/>
+              <a:t>. “Pebbling Game and Alternative Basis for High Performance Matrix </a:t>
+            </a:r>
+            <a:r>
+              <a:rPr lang="en-US" sz="2800" dirty="0" err="1"/>
+              <a:t>Multiplication”.In</a:t>
+            </a:r>
+            <a:r>
+              <a:rPr lang="en-US" sz="2800" dirty="0"/>
+              <a:t>: SIAM Journal on Scientific Computing 45.6 (2023), pp. C277–C303. </a:t>
+            </a:r>
+            <a:r>
+              <a:rPr lang="en-US" sz="2800" dirty="0" err="1"/>
+              <a:t>doi</a:t>
+            </a:r>
+            <a:r>
+              <a:rPr lang="en-US" sz="2800" dirty="0"/>
+              <a:t>: 10.1137/22M1502719. </a:t>
+            </a:r>
+            <a:r>
+              <a:rPr lang="en-US" sz="2800" dirty="0" err="1"/>
+              <a:t>eprint</a:t>
+            </a:r>
+            <a:r>
+              <a:rPr lang="en-US" sz="2800" dirty="0"/>
+              <a:t>: https://doi.org/10.1137/22M1502719. url: </a:t>
+            </a:r>
+            <a:r>
+              <a:rPr lang="en-US" sz="2800" dirty="0">
+                <a:hlinkClick r:id="rId3"/>
+              </a:rPr>
+              <a:t>https://doi.org/10.1137/22M1502719</a:t>
+            </a:r>
+            <a:r>
+              <a:rPr lang="en-US" sz="2800" dirty="0" smtClean="0"/>
+              <a:t>.</a:t>
+            </a:r>
+          </a:p>
+          <a:p>
+            <a:r>
+              <a:rPr lang="en-US" sz="2800" dirty="0" smtClean="0"/>
+              <a:t>Volker </a:t>
+            </a:r>
+            <a:r>
+              <a:rPr lang="en-US" sz="2800" dirty="0"/>
+              <a:t>Strassen. “Gaussian elimination is not optimal”. In: </a:t>
+            </a:r>
+            <a:r>
+              <a:rPr lang="en-US" sz="2800" dirty="0" err="1"/>
+              <a:t>Numerische</a:t>
+            </a:r>
+            <a:r>
+              <a:rPr lang="en-US" sz="2800" dirty="0"/>
+              <a:t> </a:t>
+            </a:r>
+            <a:r>
+              <a:rPr lang="en-US" sz="2800" dirty="0" err="1"/>
+              <a:t>Mathematik</a:t>
+            </a:r>
+            <a:r>
+              <a:rPr lang="en-US" sz="2800" dirty="0"/>
+              <a:t> 13.4 (Aug. 1969), pp. 354–356. doi:10.1007/bf02165411. url: </a:t>
+            </a:r>
+            <a:r>
+              <a:rPr lang="en-US" sz="2800" dirty="0">
+                <a:hlinkClick r:id="rId4"/>
+              </a:rPr>
+              <a:t>https://</a:t>
+            </a:r>
+            <a:r>
+              <a:rPr lang="en-US" sz="2800" dirty="0" smtClean="0">
+                <a:hlinkClick r:id="rId4"/>
+              </a:rPr>
+              <a:t>doi.org/10.1007/bf02165411</a:t>
+            </a:r>
+            <a:r>
+              <a:rPr lang="en-US" sz="2800" dirty="0" smtClean="0"/>
+              <a:t>.</a:t>
+            </a:r>
+          </a:p>
+          <a:p>
+            <a:r>
+              <a:rPr lang="en-US" sz="2800" dirty="0" err="1" smtClean="0"/>
+              <a:t>Serhii</a:t>
+            </a:r>
+            <a:r>
+              <a:rPr lang="en-US" sz="2800" dirty="0" smtClean="0"/>
+              <a:t> </a:t>
+            </a:r>
+            <a:r>
+              <a:rPr lang="en-US" sz="2800" dirty="0" err="1"/>
+              <a:t>Zybin</a:t>
+            </a:r>
+            <a:r>
+              <a:rPr lang="en-US" sz="2800" dirty="0"/>
+              <a:t>, Vladimir </a:t>
+            </a:r>
+            <a:r>
+              <a:rPr lang="en-US" sz="2800" dirty="0" err="1"/>
+              <a:t>Khoroshko</a:t>
+            </a:r>
+            <a:r>
+              <a:rPr lang="en-US" sz="2800" dirty="0"/>
+              <a:t>, </a:t>
+            </a:r>
+            <a:r>
+              <a:rPr lang="en-US" sz="2800" dirty="0" err="1"/>
+              <a:t>Volodymyr</a:t>
+            </a:r>
+            <a:r>
+              <a:rPr lang="en-US" sz="2800" dirty="0"/>
+              <a:t> </a:t>
+            </a:r>
+            <a:r>
+              <a:rPr lang="en-US" sz="2800" dirty="0" err="1"/>
+              <a:t>Maksymovych</a:t>
+            </a:r>
+            <a:r>
+              <a:rPr lang="en-US" sz="2800" dirty="0"/>
+              <a:t>, and Ivan </a:t>
+            </a:r>
+            <a:r>
+              <a:rPr lang="en-US" sz="2800" dirty="0" err="1"/>
+              <a:t>Opirskyy</a:t>
+            </a:r>
+            <a:r>
+              <a:rPr lang="en-US" sz="2800" dirty="0"/>
+              <a:t>. “Effective Distribution of Tasks </a:t>
+            </a:r>
+            <a:r>
+              <a:rPr lang="en-US" sz="2800" dirty="0" err="1"/>
+              <a:t>inMultiprocessor</a:t>
+            </a:r>
+            <a:r>
+              <a:rPr lang="en-US" sz="2800" dirty="0"/>
+              <a:t> and Multi-Computers Distributed Homogeneous Systems”. In: International Journal of Computing (June2021), pp. 211–220. </a:t>
+            </a:r>
+            <a:r>
+              <a:rPr lang="en-US" sz="2800" dirty="0" err="1"/>
+              <a:t>doi</a:t>
+            </a:r>
+            <a:r>
+              <a:rPr lang="en-US" sz="2800" dirty="0"/>
+              <a:t>: 10.47839/ijc.20.2.2168.</a:t>
             </a:r>
             <a:endParaRPr sz="2800" dirty="0"/>
           </a:p>
@@ -4622,116 +7829,13 @@
   <p:clrMapOvr>
     <a:masterClrMapping/>
   </p:clrMapOvr>
-</p:sld>
-</file>
-
-<file path=ppt/slides/slide15.xml><?xml version="1.0" encoding="utf-8"?>
-<p:sld xmlns:a="http://schemas.openxmlformats.org/drawingml/2006/main" xmlns:r="http://schemas.openxmlformats.org/officeDocument/2006/relationships" xmlns:p="http://schemas.openxmlformats.org/presentationml/2006/main">
-  <p:cSld>
-    <p:spTree>
-      <p:nvGrpSpPr>
-        <p:cNvPr id="1" name=""/>
-        <p:cNvGrpSpPr/>
-        <p:nvPr/>
-      </p:nvGrpSpPr>
-      <p:grpSpPr>
-        <a:xfrm>
-          <a:off x="0" y="0"/>
-          <a:ext cx="0" cy="0"/>
-          <a:chOff x="0" y="0"/>
-          <a:chExt cx="0" cy="0"/>
-        </a:xfrm>
-      </p:grpSpPr>
-      <p:sp>
-        <p:nvSpPr>
-          <p:cNvPr id="2" name="Title 1"/>
-          <p:cNvSpPr>
-            <a:spLocks noGrp="1"/>
-          </p:cNvSpPr>
-          <p:nvPr>
-            <p:ph type="title"/>
-          </p:nvPr>
-        </p:nvSpPr>
-        <p:spPr/>
-        <p:txBody>
-          <a:bodyPr/>
-          <a:lstStyle/>
-          <a:p>
-            <a:r>
-              <a:t>References</a:t>
-            </a:r>
-          </a:p>
-        </p:txBody>
-      </p:sp>
-      <p:sp>
-        <p:nvSpPr>
-          <p:cNvPr id="3" name="Content Placeholder 2"/>
-          <p:cNvSpPr>
-            <a:spLocks noGrp="1"/>
-          </p:cNvSpPr>
-          <p:nvPr>
-            <p:ph idx="1"/>
-          </p:nvPr>
-        </p:nvSpPr>
-        <p:spPr/>
-        <p:txBody>
-          <a:bodyPr>
-            <a:normAutofit/>
-          </a:bodyPr>
-          <a:lstStyle/>
-          <a:p>
-            <a:r>
-              <a:rPr sz="2800" dirty="0" err="1" smtClean="0"/>
-              <a:t>Mallick</a:t>
-            </a:r>
-            <a:r>
-              <a:rPr sz="2800" dirty="0" smtClean="0"/>
-              <a:t> </a:t>
-            </a:r>
-            <a:r>
-              <a:rPr sz="2800" dirty="0"/>
-              <a:t>et al. (2019). Fast and Efficient Distributed Matrix-vector Multiplication.</a:t>
-            </a:r>
-          </a:p>
-          <a:p>
-            <a:r>
-              <a:rPr sz="2800" dirty="0" smtClean="0"/>
-              <a:t>Schwartz </a:t>
-            </a:r>
-            <a:r>
-              <a:rPr sz="2800" dirty="0"/>
-              <a:t>&amp; </a:t>
-            </a:r>
-            <a:r>
-              <a:rPr sz="2800" dirty="0" err="1"/>
-              <a:t>Vaknin</a:t>
-            </a:r>
-            <a:r>
-              <a:rPr sz="2800" dirty="0"/>
-              <a:t> (2023). High Performance Matrix Multiplication.</a:t>
-            </a:r>
-          </a:p>
-          <a:p>
-            <a:r>
-              <a:rPr sz="2800" dirty="0" err="1" smtClean="0"/>
-              <a:t>Zybin</a:t>
-            </a:r>
-            <a:r>
-              <a:rPr sz="2800" dirty="0" smtClean="0"/>
-              <a:t> </a:t>
-            </a:r>
-            <a:r>
-              <a:rPr sz="2800" dirty="0"/>
-              <a:t>et al. (2021). Effective Task Distribution in Distributed Systems.</a:t>
-            </a:r>
-          </a:p>
-        </p:txBody>
-      </p:sp>
-    </p:spTree>
-  </p:cSld>
-  <p:clrMapOvr>
-    <a:masterClrMapping/>
-  </p:clrMapOvr>
+  <p:timing>
+    <p:tnLst>
+      <p:par>
+        <p:cTn id="1" dur="indefinite" restart="never" nodeType="tmRoot"/>
+      </p:par>
+    </p:tnLst>
+  </p:timing>
 </p:sld>
 </file>
 
@@ -4783,7 +7887,12 @@
             <p:ph idx="1"/>
           </p:nvPr>
         </p:nvSpPr>
-        <p:spPr/>
+        <p:spPr>
+          <a:xfrm>
+            <a:off x="609599" y="1591422"/>
+            <a:ext cx="6347714" cy="3880773"/>
+          </a:xfrm>
+        </p:spPr>
         <p:txBody>
           <a:bodyPr>
             <a:normAutofit/>
@@ -4845,6 +7954,13 @@
   <p:clrMapOvr>
     <a:masterClrMapping/>
   </p:clrMapOvr>
+  <p:timing>
+    <p:tnLst>
+      <p:par>
+        <p:cTn id="1" dur="indefinite" restart="never" nodeType="tmRoot"/>
+      </p:par>
+    </p:tnLst>
+  </p:timing>
 </p:sld>
 </file>
 
@@ -4896,7 +8012,12 @@
             <p:ph idx="1"/>
           </p:nvPr>
         </p:nvSpPr>
-        <p:spPr/>
+        <p:spPr>
+          <a:xfrm>
+            <a:off x="609598" y="1684729"/>
+            <a:ext cx="6347714" cy="3880773"/>
+          </a:xfrm>
+        </p:spPr>
         <p:txBody>
           <a:bodyPr>
             <a:normAutofit/>
@@ -4909,8 +8030,13 @@
             </a:r>
             <a:r>
               <a:rPr sz="2800" dirty="0"/>
-              <a:t>matrix computations require efficiency.</a:t>
-            </a:r>
+              <a:t>matrix computations require </a:t>
+            </a:r>
+            <a:r>
+              <a:rPr sz="2800" dirty="0" smtClean="0"/>
+              <a:t>efficiency</a:t>
+            </a:r>
+            <a:endParaRPr sz="2800" dirty="0"/>
           </a:p>
           <a:p>
             <a:r>
@@ -4919,8 +8045,13 @@
             </a:r>
             <a:r>
               <a:rPr sz="2800" dirty="0"/>
-              <a:t>processing is slow and limited.</a:t>
-            </a:r>
+              <a:t>processing is slow and </a:t>
+            </a:r>
+            <a:r>
+              <a:rPr sz="2800" dirty="0" smtClean="0"/>
+              <a:t>limited</a:t>
+            </a:r>
+            <a:endParaRPr sz="2800" dirty="0"/>
           </a:p>
           <a:p>
             <a:r>
@@ -4929,8 +8060,13 @@
             </a:r>
             <a:r>
               <a:rPr sz="2800" dirty="0"/>
-              <a:t>systems improve scalability and fault tolerance.</a:t>
-            </a:r>
+              <a:t>systems improve scalability and fault </a:t>
+            </a:r>
+            <a:r>
+              <a:rPr sz="2800" dirty="0" smtClean="0"/>
+              <a:t>tolerance</a:t>
+            </a:r>
+            <a:endParaRPr sz="2800" dirty="0"/>
           </a:p>
         </p:txBody>
       </p:sp>
@@ -4939,6 +8075,13 @@
   <p:clrMapOvr>
     <a:masterClrMapping/>
   </p:clrMapOvr>
+  <p:timing>
+    <p:tnLst>
+      <p:par>
+        <p:cTn id="1" dur="indefinite" restart="never" nodeType="tmRoot"/>
+      </p:par>
+    </p:tnLst>
+  </p:timing>
 </p:sld>
 </file>
 
@@ -5264,6 +8407,13 @@
   <p:clrMapOvr>
     <a:masterClrMapping/>
   </p:clrMapOvr>
+  <p:timing>
+    <p:tnLst>
+      <p:par>
+        <p:cTn id="1" dur="indefinite" restart="never" nodeType="tmRoot"/>
+      </p:par>
+    </p:tnLst>
+  </p:timing>
 </p:sld>
 </file>
 
@@ -5305,109 +8455,261 @@
           </a:p>
         </p:txBody>
       </p:sp>
-      <p:sp>
-        <p:nvSpPr>
-          <p:cNvPr id="3" name="Content Placeholder 2"/>
-          <p:cNvSpPr>
-            <a:spLocks noGrp="1"/>
-          </p:cNvSpPr>
-          <p:nvPr>
-            <p:ph idx="1"/>
-          </p:nvPr>
-        </p:nvSpPr>
-        <p:spPr/>
-        <p:txBody>
-          <a:bodyPr>
-            <a:normAutofit/>
-          </a:bodyPr>
-          <a:lstStyle/>
-          <a:p>
-            <a:r>
-              <a:rPr sz="2800" dirty="0" smtClean="0"/>
-              <a:t>Worker </a:t>
-            </a:r>
-            <a:r>
-              <a:rPr sz="2800" dirty="0"/>
-              <a:t>nodes communicate with the coordinator.</a:t>
-            </a:r>
-          </a:p>
-          <a:p>
-            <a:r>
-              <a:rPr lang="en-US" sz="2800" dirty="0" smtClean="0"/>
-              <a:t>Client</a:t>
-            </a:r>
-            <a:r>
-              <a:rPr sz="2800" dirty="0" smtClean="0"/>
-              <a:t> module handle</a:t>
-            </a:r>
-            <a:r>
-              <a:rPr lang="en-US" sz="2800" dirty="0" smtClean="0"/>
-              <a:t>s</a:t>
-            </a:r>
-            <a:r>
-              <a:rPr sz="2800" dirty="0" smtClean="0"/>
-              <a:t> </a:t>
-            </a:r>
-            <a:r>
-              <a:rPr sz="2800" dirty="0"/>
-              <a:t>user interaction.</a:t>
-            </a:r>
-          </a:p>
-          <a:p>
-            <a:r>
-              <a:rPr sz="2800" dirty="0" smtClean="0"/>
-              <a:t>Failure </a:t>
-            </a:r>
-            <a:r>
-              <a:rPr sz="2800" dirty="0"/>
-              <a:t>handling with redundancy mechanisms</a:t>
-            </a:r>
-            <a:r>
-              <a:rPr sz="2800" dirty="0" smtClean="0"/>
-              <a:t>.</a:t>
-            </a:r>
-            <a:endParaRPr lang="en-US" sz="2800" dirty="0" smtClean="0"/>
-          </a:p>
-          <a:p>
-            <a:r>
-              <a:rPr lang="en-US" sz="2800" dirty="0"/>
-              <a:t>Python with Flask, </a:t>
-            </a:r>
-            <a:r>
-              <a:rPr lang="en-US" sz="2800" dirty="0" err="1"/>
-              <a:t>NumPy</a:t>
-            </a:r>
-            <a:r>
-              <a:rPr lang="en-US" sz="2800" dirty="0"/>
-              <a:t>, and </a:t>
-            </a:r>
-            <a:r>
-              <a:rPr lang="en-US" sz="2800" dirty="0" smtClean="0"/>
-              <a:t>threading</a:t>
-            </a:r>
-          </a:p>
-          <a:p>
-            <a:r>
-              <a:rPr lang="en-US" sz="2800" b="1" dirty="0" smtClean="0"/>
-              <a:t>Strassen’s </a:t>
-            </a:r>
-            <a:r>
-              <a:rPr lang="en-US" sz="2800" b="1" dirty="0"/>
-              <a:t>Algorithm</a:t>
-            </a:r>
-            <a:r>
-              <a:rPr lang="en-US" sz="2800" dirty="0"/>
-              <a:t> for matrix multiplication (O(n^2.807) vs. O(n^3))</a:t>
-            </a:r>
-            <a:endParaRPr sz="2800" dirty="0"/>
-          </a:p>
-        </p:txBody>
-      </p:sp>
+      <mc:AlternateContent xmlns:mc="http://schemas.openxmlformats.org/markup-compatibility/2006">
+        <mc:Choice xmlns:a14="http://schemas.microsoft.com/office/drawing/2010/main" Requires="a14">
+          <p:sp>
+            <p:nvSpPr>
+              <p:cNvPr id="3" name="Content Placeholder 2"/>
+              <p:cNvSpPr>
+                <a:spLocks noGrp="1"/>
+              </p:cNvSpPr>
+              <p:nvPr>
+                <p:ph idx="1"/>
+              </p:nvPr>
+            </p:nvSpPr>
+            <p:spPr>
+              <a:xfrm>
+                <a:off x="609599" y="1703390"/>
+                <a:ext cx="6347714" cy="3880773"/>
+              </a:xfrm>
+            </p:spPr>
+            <p:txBody>
+              <a:bodyPr>
+                <a:normAutofit fontScale="92500" lnSpcReduction="10000"/>
+              </a:bodyPr>
+              <a:lstStyle/>
+              <a:p>
+                <a:r>
+                  <a:rPr lang="en-US" sz="2800" dirty="0" smtClean="0"/>
+                  <a:t>Worker </a:t>
+                </a:r>
+                <a:r>
+                  <a:rPr lang="en-US" sz="2800" dirty="0"/>
+                  <a:t>nodes communicate with the </a:t>
+                </a:r>
+                <a:r>
+                  <a:rPr lang="en-US" sz="2800" dirty="0" smtClean="0"/>
+                  <a:t>coordinator</a:t>
+                </a:r>
+                <a:endParaRPr lang="en-US" sz="2800" dirty="0"/>
+              </a:p>
+              <a:p>
+                <a:r>
+                  <a:rPr lang="en-US" sz="2800" dirty="0" smtClean="0"/>
+                  <a:t>Client module handles </a:t>
+                </a:r>
+                <a:r>
+                  <a:rPr lang="en-US" sz="2800" dirty="0"/>
+                  <a:t>user </a:t>
+                </a:r>
+                <a:r>
+                  <a:rPr lang="en-US" sz="2800" dirty="0" smtClean="0"/>
+                  <a:t>interaction</a:t>
+                </a:r>
+                <a:endParaRPr lang="en-US" sz="2800" dirty="0"/>
+              </a:p>
+              <a:p>
+                <a:r>
+                  <a:rPr lang="en-US" sz="2800" dirty="0" smtClean="0"/>
+                  <a:t>Failure </a:t>
+                </a:r>
+                <a:r>
+                  <a:rPr lang="en-US" sz="2800" dirty="0"/>
+                  <a:t>handling with redundancy </a:t>
+                </a:r>
+                <a:r>
+                  <a:rPr lang="en-US" sz="2800" dirty="0" smtClean="0"/>
+                  <a:t>mechanisms</a:t>
+                </a:r>
+                <a:endParaRPr lang="en-US" sz="2800" dirty="0" smtClean="0"/>
+              </a:p>
+              <a:p>
+                <a:r>
+                  <a:rPr lang="en-US" sz="2800" dirty="0"/>
+                  <a:t>Python with Flask, </a:t>
+                </a:r>
+                <a:r>
+                  <a:rPr lang="en-US" sz="2800" dirty="0" err="1"/>
+                  <a:t>NumPy</a:t>
+                </a:r>
+                <a:r>
+                  <a:rPr lang="en-US" sz="2800" dirty="0"/>
+                  <a:t>, and </a:t>
+                </a:r>
+                <a:r>
+                  <a:rPr lang="en-US" sz="2800" dirty="0" smtClean="0"/>
+                  <a:t>threading</a:t>
+                </a:r>
+                <a:endParaRPr lang="en-US" sz="2800" dirty="0" smtClean="0"/>
+              </a:p>
+              <a:p>
+                <a:r>
+                  <a:rPr lang="en-US" sz="2800" b="1" dirty="0" smtClean="0"/>
+                  <a:t>Strassen’s </a:t>
+                </a:r>
+                <a:r>
+                  <a:rPr lang="en-US" sz="2800" b="1" dirty="0"/>
+                  <a:t>Algorithm</a:t>
+                </a:r>
+                <a:r>
+                  <a:rPr lang="en-US" sz="2800" dirty="0"/>
+                  <a:t> for matrix multiplication (</a:t>
+                </a:r>
+                <a14:m>
+                  <m:oMath xmlns:m="http://schemas.openxmlformats.org/officeDocument/2006/math">
+                    <m:r>
+                      <a:rPr lang="en-US" sz="2800" i="1">
+                        <a:latin typeface="Cambria Math" panose="02040503050406030204" pitchFamily="18" charset="0"/>
+                      </a:rPr>
+                      <m:t>𝑂</m:t>
+                    </m:r>
+                    <m:d>
+                      <m:dPr>
+                        <m:ctrlPr>
+                          <a:rPr lang="en-US" sz="2800" i="1">
+                            <a:latin typeface="Cambria Math" panose="02040503050406030204" pitchFamily="18" charset="0"/>
+                          </a:rPr>
+                        </m:ctrlPr>
+                      </m:dPr>
+                      <m:e>
+                        <m:sSup>
+                          <m:sSupPr>
+                            <m:ctrlPr>
+                              <a:rPr lang="en-US" sz="2800" i="1">
+                                <a:latin typeface="Cambria Math" panose="02040503050406030204" pitchFamily="18" charset="0"/>
+                              </a:rPr>
+                            </m:ctrlPr>
+                          </m:sSupPr>
+                          <m:e>
+                            <m:r>
+                              <a:rPr lang="en-US" sz="2800" i="1">
+                                <a:latin typeface="Cambria Math" panose="02040503050406030204" pitchFamily="18" charset="0"/>
+                              </a:rPr>
+                              <m:t>𝑛</m:t>
+                            </m:r>
+                          </m:e>
+                          <m:sup>
+                            <m:r>
+                              <a:rPr lang="en-US" sz="2800" i="1">
+                                <a:latin typeface="Cambria Math" panose="02040503050406030204" pitchFamily="18" charset="0"/>
+                              </a:rPr>
+                              <m:t>2.807</m:t>
+                            </m:r>
+                          </m:sup>
+                        </m:sSup>
+                      </m:e>
+                    </m:d>
+                  </m:oMath>
+                </a14:m>
+                <a:r>
+                  <a:rPr lang="en-US" sz="2800" dirty="0"/>
+                  <a:t> vs. </a:t>
+                </a:r>
+                <a14:m>
+                  <m:oMath xmlns:m="http://schemas.openxmlformats.org/officeDocument/2006/math">
+                    <m:r>
+                      <a:rPr lang="en-US" sz="2800" i="1">
+                        <a:latin typeface="Cambria Math" panose="02040503050406030204" pitchFamily="18" charset="0"/>
+                      </a:rPr>
+                      <m:t>𝑂</m:t>
+                    </m:r>
+                    <m:d>
+                      <m:dPr>
+                        <m:ctrlPr>
+                          <a:rPr lang="en-US" sz="2800" i="1">
+                            <a:latin typeface="Cambria Math" panose="02040503050406030204" pitchFamily="18" charset="0"/>
+                          </a:rPr>
+                        </m:ctrlPr>
+                      </m:dPr>
+                      <m:e>
+                        <m:sSup>
+                          <m:sSupPr>
+                            <m:ctrlPr>
+                              <a:rPr lang="en-US" sz="2800" i="1">
+                                <a:latin typeface="Cambria Math" panose="02040503050406030204" pitchFamily="18" charset="0"/>
+                              </a:rPr>
+                            </m:ctrlPr>
+                          </m:sSupPr>
+                          <m:e>
+                            <m:r>
+                              <a:rPr lang="en-US" sz="2800" i="1">
+                                <a:latin typeface="Cambria Math" panose="02040503050406030204" pitchFamily="18" charset="0"/>
+                              </a:rPr>
+                              <m:t>𝑛</m:t>
+                            </m:r>
+                          </m:e>
+                          <m:sup>
+                            <m:r>
+                              <a:rPr lang="en-US" sz="2800" b="0" i="1" smtClean="0">
+                                <a:latin typeface="Cambria Math" panose="02040503050406030204" pitchFamily="18" charset="0"/>
+                              </a:rPr>
+                              <m:t>3</m:t>
+                            </m:r>
+                          </m:sup>
+                        </m:sSup>
+                      </m:e>
+                    </m:d>
+                  </m:oMath>
+                </a14:m>
+                <a:r>
+                  <a:rPr lang="en-US" sz="2800" dirty="0"/>
+                  <a:t>)</a:t>
+                </a:r>
+                <a:endParaRPr sz="2800" dirty="0"/>
+              </a:p>
+            </p:txBody>
+          </p:sp>
+        </mc:Choice>
+        <mc:Fallback>
+          <p:sp>
+            <p:nvSpPr>
+              <p:cNvPr id="3" name="Content Placeholder 2"/>
+              <p:cNvSpPr>
+                <a:spLocks noGrp="1" noRot="1" noChangeAspect="1" noMove="1" noResize="1" noEditPoints="1" noAdjustHandles="1" noChangeArrowheads="1" noChangeShapeType="1" noTextEdit="1"/>
+              </p:cNvSpPr>
+              <p:nvPr>
+                <p:ph idx="1"/>
+              </p:nvPr>
+            </p:nvSpPr>
+            <p:spPr>
+              <a:xfrm>
+                <a:off x="609599" y="1703390"/>
+                <a:ext cx="6347714" cy="3880773"/>
+              </a:xfrm>
+              <a:blipFill>
+                <a:blip r:embed="rId2"/>
+                <a:stretch>
+                  <a:fillRect l="-961" t="-2512" r="-480" b="-2041"/>
+                </a:stretch>
+              </a:blipFill>
+            </p:spPr>
+            <p:txBody>
+              <a:bodyPr/>
+              <a:lstStyle/>
+              <a:p>
+                <a:r>
+                  <a:rPr lang="en-US">
+                    <a:noFill/>
+                  </a:rPr>
+                  <a:t> </a:t>
+                </a:r>
+              </a:p>
+            </p:txBody>
+          </p:sp>
+        </mc:Fallback>
+      </mc:AlternateContent>
     </p:spTree>
   </p:cSld>
   <p:clrMapOvr>
     <a:masterClrMapping/>
   </p:clrMapOvr>
+  <p:timing>
+    <p:tnLst>
+      <p:par>
+        <p:cTn id="1" dur="indefinite" restart="never" nodeType="tmRoot"/>
+      </p:par>
+    </p:tnLst>
+  </p:timing>
 </p:sld>
 </file>
 
@@ -5461,6 +8763,13 @@
   <p:clrMapOvr>
     <a:masterClrMapping/>
   </p:clrMapOvr>
+  <p:timing>
+    <p:tnLst>
+      <p:par>
+        <p:cTn id="1" dur="indefinite" restart="never" nodeType="tmRoot"/>
+      </p:par>
+    </p:tnLst>
+  </p:timing>
 </p:sld>
 </file>
 
@@ -5512,10 +8821,15 @@
             <p:ph idx="1"/>
           </p:nvPr>
         </p:nvSpPr>
-        <p:spPr/>
+        <p:spPr>
+          <a:xfrm>
+            <a:off x="609598" y="1703390"/>
+            <a:ext cx="6347714" cy="3880773"/>
+          </a:xfrm>
+        </p:spPr>
         <p:txBody>
           <a:bodyPr>
-            <a:normAutofit/>
+            <a:normAutofit fontScale="92500" lnSpcReduction="20000"/>
           </a:bodyPr>
           <a:lstStyle/>
           <a:p>
@@ -5616,6 +8930,13 @@
   <p:clrMapOvr>
     <a:masterClrMapping/>
   </p:clrMapOvr>
+  <p:timing>
+    <p:tnLst>
+      <p:par>
+        <p:cTn id="1" dur="indefinite" restart="never" nodeType="tmRoot"/>
+      </p:par>
+    </p:tnLst>
+  </p:timing>
 </p:sld>
 </file>
 
@@ -5653,7 +8974,7 @@
           <a:p>
             <a:r>
               <a:rPr lang="en-US" dirty="0" smtClean="0"/>
-              <a:t>Results</a:t>
+              <a:t>Results - Diagnostics</a:t>
             </a:r>
             <a:endParaRPr lang="en-US" dirty="0"/>
           </a:p>
@@ -5681,121 +9002,8 @@
         </p:blipFill>
         <p:spPr>
           <a:xfrm>
-            <a:off x="-2210645" y="1267638"/>
-            <a:ext cx="9144000" cy="5486400"/>
-          </a:xfrm>
-          <a:prstGeom prst="rect">
-            <a:avLst/>
-          </a:prstGeom>
-        </p:spPr>
-      </p:pic>
-      <p:pic>
-        <p:nvPicPr>
-          <p:cNvPr id="9" name="Picture 8"/>
-          <p:cNvPicPr>
-            <a:picLocks noChangeAspect="1"/>
-          </p:cNvPicPr>
-          <p:nvPr/>
-        </p:nvPicPr>
-        <p:blipFill>
-          <a:blip r:embed="rId3">
-            <a:extLst>
-              <a:ext uri="{28A0092B-C50C-407E-A947-70E740481C1C}">
-                <a14:useLocalDpi xmlns:a14="http://schemas.microsoft.com/office/drawing/2010/main" val="0"/>
-              </a:ext>
-            </a:extLst>
-          </a:blip>
-          <a:stretch>
-            <a:fillRect/>
-          </a:stretch>
-        </p:blipFill>
-        <p:spPr>
-          <a:xfrm>
-            <a:off x="3303746" y="1417638"/>
-            <a:ext cx="9144000" cy="5486400"/>
-          </a:xfrm>
-          <a:prstGeom prst="rect">
-            <a:avLst/>
-          </a:prstGeom>
-        </p:spPr>
-      </p:pic>
-    </p:spTree>
-    <p:extLst>
-      <p:ext uri="{BB962C8B-B14F-4D97-AF65-F5344CB8AC3E}">
-        <p14:creationId xmlns:p14="http://schemas.microsoft.com/office/powerpoint/2010/main" val="3643346659"/>
-      </p:ext>
-    </p:extLst>
-  </p:cSld>
-  <p:clrMapOvr>
-    <a:masterClrMapping/>
-  </p:clrMapOvr>
-</p:sld>
-</file>
-
-<file path=ppt/slides/slide9.xml><?xml version="1.0" encoding="utf-8"?>
-<p:sld xmlns:a="http://schemas.openxmlformats.org/drawingml/2006/main" xmlns:r="http://schemas.openxmlformats.org/officeDocument/2006/relationships" xmlns:p="http://schemas.openxmlformats.org/presentationml/2006/main">
-  <p:cSld>
-    <p:spTree>
-      <p:nvGrpSpPr>
-        <p:cNvPr id="1" name=""/>
-        <p:cNvGrpSpPr/>
-        <p:nvPr/>
-      </p:nvGrpSpPr>
-      <p:grpSpPr>
-        <a:xfrm>
-          <a:off x="0" y="0"/>
-          <a:ext cx="0" cy="0"/>
-          <a:chOff x="0" y="0"/>
-          <a:chExt cx="0" cy="0"/>
-        </a:xfrm>
-      </p:grpSpPr>
-      <p:sp>
-        <p:nvSpPr>
-          <p:cNvPr id="2" name="Title 1"/>
-          <p:cNvSpPr>
-            <a:spLocks noGrp="1"/>
-          </p:cNvSpPr>
-          <p:nvPr>
-            <p:ph type="title"/>
-          </p:nvPr>
-        </p:nvSpPr>
-        <p:spPr/>
-        <p:txBody>
-          <a:bodyPr/>
-          <a:lstStyle/>
-          <a:p>
-            <a:r>
-              <a:rPr lang="en-US" dirty="0" smtClean="0"/>
-              <a:t>Results</a:t>
-            </a:r>
-            <a:endParaRPr lang="en-US" dirty="0"/>
-          </a:p>
-        </p:txBody>
-      </p:sp>
-      <p:pic>
-        <p:nvPicPr>
-          <p:cNvPr id="4" name="Picture 3"/>
-          <p:cNvPicPr>
-            <a:picLocks noChangeAspect="1"/>
-          </p:cNvPicPr>
-          <p:nvPr/>
-        </p:nvPicPr>
-        <p:blipFill>
-          <a:blip r:embed="rId2">
-            <a:extLst>
-              <a:ext uri="{28A0092B-C50C-407E-A947-70E740481C1C}">
-                <a14:useLocalDpi xmlns:a14="http://schemas.microsoft.com/office/drawing/2010/main" val="0"/>
-              </a:ext>
-            </a:extLst>
-          </a:blip>
-          <a:stretch>
-            <a:fillRect/>
-          </a:stretch>
-        </p:blipFill>
-        <p:spPr>
-          <a:xfrm>
-            <a:off x="-450000" y="-321907"/>
-            <a:ext cx="9144000" cy="5486400"/>
+            <a:off x="0" y="1270001"/>
+            <a:ext cx="4432041" cy="2659224"/>
           </a:xfrm>
           <a:prstGeom prst="rect">
             <a:avLst/>
@@ -5824,8 +9032,8 @@
         </p:blipFill>
         <p:spPr>
           <a:xfrm>
-            <a:off x="-300000" y="-171907"/>
-            <a:ext cx="9144000" cy="5486400"/>
+            <a:off x="4570974" y="1263786"/>
+            <a:ext cx="4442397" cy="2665439"/>
           </a:xfrm>
           <a:prstGeom prst="rect">
             <a:avLst/>
@@ -5854,8 +9062,98 @@
         </p:blipFill>
         <p:spPr>
           <a:xfrm>
-            <a:off x="-150000" y="-21907"/>
-            <a:ext cx="9144000" cy="5486400"/>
+            <a:off x="2157225" y="3929225"/>
+            <a:ext cx="4800087" cy="2880052"/>
+          </a:xfrm>
+          <a:prstGeom prst="rect">
+            <a:avLst/>
+          </a:prstGeom>
+        </p:spPr>
+      </p:pic>
+    </p:spTree>
+    <p:extLst>
+      <p:ext uri="{BB962C8B-B14F-4D97-AF65-F5344CB8AC3E}">
+        <p14:creationId xmlns:p14="http://schemas.microsoft.com/office/powerpoint/2010/main" val="3643346659"/>
+      </p:ext>
+    </p:extLst>
+  </p:cSld>
+  <p:clrMapOvr>
+    <a:masterClrMapping/>
+  </p:clrMapOvr>
+  <p:timing>
+    <p:tnLst>
+      <p:par>
+        <p:cTn id="1" dur="indefinite" restart="never" nodeType="tmRoot"/>
+      </p:par>
+    </p:tnLst>
+  </p:timing>
+</p:sld>
+</file>
+
+<file path=ppt/slides/slide9.xml><?xml version="1.0" encoding="utf-8"?>
+<p:sld xmlns:a="http://schemas.openxmlformats.org/drawingml/2006/main" xmlns:r="http://schemas.openxmlformats.org/officeDocument/2006/relationships" xmlns:p="http://schemas.openxmlformats.org/presentationml/2006/main">
+  <p:cSld>
+    <p:spTree>
+      <p:nvGrpSpPr>
+        <p:cNvPr id="1" name=""/>
+        <p:cNvGrpSpPr/>
+        <p:nvPr/>
+      </p:nvGrpSpPr>
+      <p:grpSpPr>
+        <a:xfrm>
+          <a:off x="0" y="0"/>
+          <a:ext cx="0" cy="0"/>
+          <a:chOff x="0" y="0"/>
+          <a:chExt cx="0" cy="0"/>
+        </a:xfrm>
+      </p:grpSpPr>
+      <p:sp>
+        <p:nvSpPr>
+          <p:cNvPr id="2" name="Title 1"/>
+          <p:cNvSpPr>
+            <a:spLocks noGrp="1"/>
+          </p:cNvSpPr>
+          <p:nvPr>
+            <p:ph type="title"/>
+          </p:nvPr>
+        </p:nvSpPr>
+        <p:spPr/>
+        <p:txBody>
+          <a:bodyPr/>
+          <a:lstStyle/>
+          <a:p>
+            <a:r>
+              <a:rPr lang="en-US" dirty="0" smtClean="0"/>
+              <a:t>Results - Performance</a:t>
+            </a:r>
+            <a:endParaRPr lang="en-US" dirty="0"/>
+          </a:p>
+        </p:txBody>
+      </p:sp>
+      <p:pic>
+        <p:nvPicPr>
+          <p:cNvPr id="5" name="Picture 4"/>
+          <p:cNvPicPr>
+            <a:picLocks noChangeAspect="1"/>
+          </p:cNvPicPr>
+          <p:nvPr/>
+        </p:nvPicPr>
+        <p:blipFill>
+          <a:blip r:embed="rId2">
+            <a:extLst>
+              <a:ext uri="{28A0092B-C50C-407E-A947-70E740481C1C}">
+                <a14:useLocalDpi xmlns:a14="http://schemas.microsoft.com/office/drawing/2010/main" val="0"/>
+              </a:ext>
+            </a:extLst>
+          </a:blip>
+          <a:stretch>
+            <a:fillRect/>
+          </a:stretch>
+        </p:blipFill>
+        <p:spPr>
+          <a:xfrm>
+            <a:off x="1721710" y="3700268"/>
+            <a:ext cx="5262886" cy="3157732"/>
           </a:xfrm>
           <a:prstGeom prst="rect">
             <a:avLst/>
@@ -5871,7 +9169,7 @@
           <p:nvPr/>
         </p:nvPicPr>
         <p:blipFill>
-          <a:blip r:embed="rId5">
+          <a:blip r:embed="rId3">
             <a:extLst>
               <a:ext uri="{28A0092B-C50C-407E-A947-70E740481C1C}">
                 <a14:useLocalDpi xmlns:a14="http://schemas.microsoft.com/office/drawing/2010/main" val="0"/>
@@ -5884,8 +9182,38 @@
         </p:blipFill>
         <p:spPr>
           <a:xfrm>
-            <a:off x="3769567" y="472866"/>
-            <a:ext cx="9144000" cy="5486400"/>
+            <a:off x="4660046" y="1246754"/>
+            <a:ext cx="4050447" cy="2430268"/>
+          </a:xfrm>
+          <a:prstGeom prst="rect">
+            <a:avLst/>
+          </a:prstGeom>
+        </p:spPr>
+      </p:pic>
+      <p:pic>
+        <p:nvPicPr>
+          <p:cNvPr id="8" name="Picture 7"/>
+          <p:cNvPicPr>
+            <a:picLocks noChangeAspect="1"/>
+          </p:cNvPicPr>
+          <p:nvPr/>
+        </p:nvPicPr>
+        <p:blipFill>
+          <a:blip r:embed="rId4">
+            <a:extLst>
+              <a:ext uri="{28A0092B-C50C-407E-A947-70E740481C1C}">
+                <a14:useLocalDpi xmlns:a14="http://schemas.microsoft.com/office/drawing/2010/main" val="0"/>
+              </a:ext>
+            </a:extLst>
+          </a:blip>
+          <a:stretch>
+            <a:fillRect/>
+          </a:stretch>
+        </p:blipFill>
+        <p:spPr>
+          <a:xfrm>
+            <a:off x="438539" y="1247451"/>
+            <a:ext cx="4050447" cy="2430268"/>
           </a:xfrm>
           <a:prstGeom prst="rect">
             <a:avLst/>
@@ -5902,13 +9230,20 @@
   <p:clrMapOvr>
     <a:masterClrMapping/>
   </p:clrMapOvr>
+  <p:timing>
+    <p:tnLst>
+      <p:par>
+        <p:cTn id="1" dur="indefinite" restart="never" nodeType="tmRoot"/>
+      </p:par>
+    </p:tnLst>
+  </p:timing>
 </p:sld>
 </file>
 
 <file path=ppt/theme/theme1.xml><?xml version="1.0" encoding="utf-8"?>
-<a:theme xmlns:a="http://schemas.openxmlformats.org/drawingml/2006/main" name="Office Theme">
+<a:theme xmlns:a="http://schemas.openxmlformats.org/drawingml/2006/main" name="Facet">
   <a:themeElements>
-    <a:clrScheme name="Office">
+    <a:clrScheme name="Facet">
       <a:dk1>
         <a:sysClr val="windowText" lastClr="000000"/>
       </a:dk1>
@@ -5916,52 +9251,52 @@
         <a:sysClr val="window" lastClr="FFFFFF"/>
       </a:lt1>
       <a:dk2>
-        <a:srgbClr val="1F497D"/>
+        <a:srgbClr val="2C3C43"/>
       </a:dk2>
       <a:lt2>
-        <a:srgbClr val="EEECE1"/>
+        <a:srgbClr val="EBEBEB"/>
       </a:lt2>
       <a:accent1>
-        <a:srgbClr val="4F81BD"/>
+        <a:srgbClr val="90C226"/>
       </a:accent1>
       <a:accent2>
-        <a:srgbClr val="C0504D"/>
+        <a:srgbClr val="54A021"/>
       </a:accent2>
       <a:accent3>
-        <a:srgbClr val="9BBB59"/>
+        <a:srgbClr val="E6B91E"/>
       </a:accent3>
       <a:accent4>
-        <a:srgbClr val="8064A2"/>
+        <a:srgbClr val="E76618"/>
       </a:accent4>
       <a:accent5>
-        <a:srgbClr val="4BACC6"/>
+        <a:srgbClr val="C42F1A"/>
       </a:accent5>
       <a:accent6>
-        <a:srgbClr val="F79646"/>
+        <a:srgbClr val="918655"/>
       </a:accent6>
       <a:hlink>
-        <a:srgbClr val="0000FF"/>
+        <a:srgbClr val="99CA3C"/>
       </a:hlink>
       <a:folHlink>
-        <a:srgbClr val="800080"/>
+        <a:srgbClr val="B9D181"/>
       </a:folHlink>
     </a:clrScheme>
-    <a:fontScheme name="Office">
+    <a:fontScheme name="Facet">
       <a:majorFont>
-        <a:latin typeface="Calibri"/>
+        <a:latin typeface="Trebuchet MS" panose="020B0603020202020204"/>
         <a:ea typeface=""/>
         <a:cs typeface=""/>
-        <a:font script="Jpan" typeface="ＭＳ Ｐゴシック"/>
+        <a:font script="Jpan" typeface="メイリオ"/>
         <a:font script="Hang" typeface="맑은 고딕"/>
-        <a:font script="Hans" typeface="宋体"/>
-        <a:font script="Hant" typeface="新細明體"/>
-        <a:font script="Arab" typeface="Times New Roman"/>
-        <a:font script="Hebr" typeface="Times New Roman"/>
-        <a:font script="Thai" typeface="Angsana New"/>
+        <a:font script="Hans" typeface="方正姚体"/>
+        <a:font script="Hant" typeface="微軟正黑體"/>
+        <a:font script="Arab" typeface="Tahoma"/>
+        <a:font script="Hebr" typeface="Arial"/>
+        <a:font script="Thai" typeface="Cordia New"/>
         <a:font script="Ethi" typeface="Nyala"/>
         <a:font script="Beng" typeface="Vrinda"/>
         <a:font script="Gujr" typeface="Shruti"/>
-        <a:font script="Khmr" typeface="MoolBoran"/>
+        <a:font script="Khmr" typeface="DaunPenh"/>
         <a:font script="Knda" typeface="Tunga"/>
         <a:font script="Guru" typeface="Raavi"/>
         <a:font script="Cans" typeface="Euphemia"/>
@@ -5978,21 +9313,21 @@
         <a:font script="Laoo" typeface="DokChampa"/>
         <a:font script="Sinh" typeface="Iskoola Pota"/>
         <a:font script="Mong" typeface="Mongolian Baiti"/>
-        <a:font script="Viet" typeface="Times New Roman"/>
+        <a:font script="Viet" typeface="Tahoma"/>
         <a:font script="Uigh" typeface="Microsoft Uighur"/>
         <a:font script="Geor" typeface="Sylfaen"/>
       </a:majorFont>
       <a:minorFont>
-        <a:latin typeface="Calibri"/>
+        <a:latin typeface="Trebuchet MS" panose="020B0603020202020204"/>
         <a:ea typeface=""/>
         <a:cs typeface=""/>
-        <a:font script="Jpan" typeface="ＭＳ Ｐゴシック"/>
-        <a:font script="Hang" typeface="맑은 고딕"/>
-        <a:font script="Hans" typeface="宋体"/>
-        <a:font script="Hant" typeface="新細明體"/>
-        <a:font script="Arab" typeface="Arial"/>
-        <a:font script="Hebr" typeface="Arial"/>
-        <a:font script="Thai" typeface="Cordia New"/>
+        <a:font script="Jpan" typeface="メイリオ"/>
+        <a:font script="Hang" typeface="HY그래픽M"/>
+        <a:font script="Hans" typeface="华文新魏"/>
+        <a:font script="Hant" typeface="微軟正黑體"/>
+        <a:font script="Arab" typeface="Tahoma"/>
+        <a:font script="Hebr" typeface="Gisha"/>
+        <a:font script="Thai" typeface="IrisUPC"/>
         <a:font script="Ethi" typeface="Nyala"/>
         <a:font script="Beng" typeface="Vrinda"/>
         <a:font script="Gujr" typeface="Shruti"/>
@@ -6018,7 +9353,7 @@
         <a:font script="Geor" typeface="Sylfaen"/>
       </a:minorFont>
     </a:fontScheme>
-    <a:fmtScheme name="Office">
+    <a:fmtScheme name="Facet">
       <a:fillStyleLst>
         <a:solidFill>
           <a:schemeClr val="phClr"/>
@@ -6027,62 +9362,50 @@
           <a:gsLst>
             <a:gs pos="0">
               <a:schemeClr val="phClr">
-                <a:tint val="50000"/>
-                <a:satMod val="300000"/>
+                <a:tint val="65000"/>
+                <a:lumMod val="110000"/>
               </a:schemeClr>
             </a:gs>
-            <a:gs pos="35000">
+            <a:gs pos="88000">
               <a:schemeClr val="phClr">
-                <a:tint val="37000"/>
-                <a:satMod val="300000"/>
-              </a:schemeClr>
-            </a:gs>
-            <a:gs pos="100000">
-              <a:schemeClr val="phClr">
-                <a:tint val="15000"/>
-                <a:satMod val="350000"/>
+                <a:tint val="90000"/>
               </a:schemeClr>
             </a:gs>
           </a:gsLst>
-          <a:lin ang="16200000" scaled="1"/>
+          <a:lin ang="5400000" scaled="0"/>
         </a:gradFill>
         <a:gradFill rotWithShape="1">
           <a:gsLst>
             <a:gs pos="0">
               <a:schemeClr val="phClr">
-                <a:tint val="100000"/>
-                <a:shade val="100000"/>
-                <a:satMod val="130000"/>
+                <a:tint val="96000"/>
+                <a:lumMod val="100000"/>
               </a:schemeClr>
             </a:gs>
-            <a:gs pos="100000">
+            <a:gs pos="78000">
               <a:schemeClr val="phClr">
-                <a:tint val="50000"/>
-                <a:shade val="100000"/>
-                <a:satMod val="350000"/>
+                <a:shade val="94000"/>
+                <a:lumMod val="94000"/>
               </a:schemeClr>
             </a:gs>
           </a:gsLst>
-          <a:lin ang="16200000" scaled="0"/>
+          <a:lin ang="5400000" scaled="0"/>
         </a:gradFill>
       </a:fillStyleLst>
       <a:lnStyleLst>
-        <a:ln w="9525" cap="flat" cmpd="sng" algn="ctr">
-          <a:solidFill>
-            <a:schemeClr val="phClr">
-              <a:shade val="95000"/>
-              <a:satMod val="105000"/>
-            </a:schemeClr>
-          </a:solidFill>
-          <a:prstDash val="solid"/>
-        </a:ln>
-        <a:ln w="25400" cap="flat" cmpd="sng" algn="ctr">
+        <a:ln w="12700" cap="rnd" cmpd="sng" algn="ctr">
           <a:solidFill>
             <a:schemeClr val="phClr"/>
           </a:solidFill>
           <a:prstDash val="solid"/>
         </a:ln>
-        <a:ln w="38100" cap="flat" cmpd="sng" algn="ctr">
+        <a:ln w="19050" cap="rnd" cmpd="sng" algn="ctr">
+          <a:solidFill>
+            <a:schemeClr val="phClr"/>
+          </a:solidFill>
+          <a:prstDash val="solid"/>
+        </a:ln>
+        <a:ln w="25400" cap="rnd" cmpd="sng" algn="ctr">
           <a:solidFill>
             <a:schemeClr val="phClr"/>
           </a:solidFill>
@@ -6091,17 +9414,11 @@
       </a:lnStyleLst>
       <a:effectStyleLst>
         <a:effectStyle>
-          <a:effectLst>
-            <a:outerShdw blurRad="40000" dist="20000" dir="5400000" rotWithShape="0">
-              <a:srgbClr val="000000">
-                <a:alpha val="38000"/>
-              </a:srgbClr>
-            </a:outerShdw>
-          </a:effectLst>
+          <a:effectLst/>
         </a:effectStyle>
         <a:effectStyle>
           <a:effectLst>
-            <a:outerShdw blurRad="40000" dist="23000" dir="5400000" rotWithShape="0">
+            <a:outerShdw blurRad="38100" dist="25400" dir="5400000" rotWithShape="0">
               <a:srgbClr val="000000">
                 <a:alpha val="35000"/>
               </a:srgbClr>
@@ -6110,7 +9427,7 @@
         </a:effectStyle>
         <a:effectStyle>
           <a:effectLst>
-            <a:outerShdw blurRad="40000" dist="23000" dir="5400000" rotWithShape="0">
+            <a:outerShdw blurRad="50800" dist="38100" dir="5400000" rotWithShape="0">
               <a:srgbClr val="000000">
                 <a:alpha val="35000"/>
               </a:srgbClr>
@@ -6120,12 +9437,10 @@
             <a:camera prst="orthographicFront">
               <a:rot lat="0" lon="0" rev="0"/>
             </a:camera>
-            <a:lightRig rig="threePt" dir="t">
-              <a:rot lat="0" lon="0" rev="1200000"/>
-            </a:lightRig>
+            <a:lightRig rig="threePt" dir="tl"/>
           </a:scene3d>
-          <a:sp3d>
-            <a:bevelT w="63500" h="25400"/>
+          <a:sp3d prstMaterial="plastic">
+            <a:bevelT w="0" h="0"/>
           </a:sp3d>
         </a:effectStyle>
       </a:effectStyleLst>
@@ -6137,91 +9452,48 @@
           <a:gsLst>
             <a:gs pos="0">
               <a:schemeClr val="phClr">
-                <a:tint val="40000"/>
-                <a:satMod val="350000"/>
+                <a:tint val="90000"/>
+                <a:lumMod val="104000"/>
               </a:schemeClr>
             </a:gs>
-            <a:gs pos="40000">
+            <a:gs pos="94000">
               <a:schemeClr val="phClr">
-                <a:tint val="45000"/>
-                <a:shade val="99000"/>
-                <a:satMod val="350000"/>
-              </a:schemeClr>
-            </a:gs>
-            <a:gs pos="100000">
-              <a:schemeClr val="phClr">
-                <a:shade val="20000"/>
-                <a:satMod val="255000"/>
+                <a:shade val="96000"/>
+                <a:lumMod val="82000"/>
               </a:schemeClr>
             </a:gs>
           </a:gsLst>
-          <a:path path="circle">
-            <a:fillToRect l="50000" t="-80000" r="50000" b="180000"/>
-          </a:path>
+          <a:lin ang="5400000" scaled="0"/>
         </a:gradFill>
         <a:gradFill rotWithShape="1">
           <a:gsLst>
             <a:gs pos="0">
               <a:schemeClr val="phClr">
-                <a:tint val="80000"/>
-                <a:satMod val="300000"/>
+                <a:tint val="90000"/>
+                <a:lumMod val="110000"/>
               </a:schemeClr>
             </a:gs>
             <a:gs pos="100000">
               <a:schemeClr val="phClr">
-                <a:shade val="30000"/>
-                <a:satMod val="200000"/>
+                <a:shade val="94000"/>
+                <a:lumMod val="96000"/>
               </a:schemeClr>
             </a:gs>
           </a:gsLst>
           <a:path path="circle">
-            <a:fillToRect l="50000" t="50000" r="50000" b="50000"/>
+            <a:fillToRect l="50000" t="50000" r="100000" b="100000"/>
           </a:path>
         </a:gradFill>
       </a:bgFillStyleLst>
     </a:fmtScheme>
   </a:themeElements>
-  <a:objectDefaults>
-    <a:spDef>
-      <a:spPr/>
-      <a:bodyPr/>
-      <a:lstStyle/>
-      <a:style>
-        <a:lnRef idx="1">
-          <a:schemeClr val="accent1"/>
-        </a:lnRef>
-        <a:fillRef idx="3">
-          <a:schemeClr val="accent1"/>
-        </a:fillRef>
-        <a:effectRef idx="2">
-          <a:schemeClr val="accent1"/>
-        </a:effectRef>
-        <a:fontRef idx="minor">
-          <a:schemeClr val="lt1"/>
-        </a:fontRef>
-      </a:style>
-    </a:spDef>
-    <a:lnDef>
-      <a:spPr/>
-      <a:bodyPr/>
-      <a:lstStyle/>
-      <a:style>
-        <a:lnRef idx="2">
-          <a:schemeClr val="accent1"/>
-        </a:lnRef>
-        <a:fillRef idx="0">
-          <a:schemeClr val="accent1"/>
-        </a:fillRef>
-        <a:effectRef idx="1">
-          <a:schemeClr val="accent1"/>
-        </a:effectRef>
-        <a:fontRef idx="minor">
-          <a:schemeClr val="tx1"/>
-        </a:fontRef>
-      </a:style>
-    </a:lnDef>
-  </a:objectDefaults>
+  <a:objectDefaults/>
   <a:extraClrSchemeLst/>
+  <a:extLst>
+    <a:ext uri="{05A4C25C-085E-4340-85A3-A5531E510DB2}">
+      <thm15:themeFamily xmlns:thm15="http://schemas.microsoft.com/office/thememl/2012/main" name="Facet" id="{C0C680CD-088A-49FC-A102-D699147F32B2}" vid="{CFBC31BA-B70F-4F30-BCAA-4F3011E16C4D}"/>
+    </a:ext>
+  </a:extLst>
 </a:theme>
 </file>
 

--- a/DMaC_slides.pptx
+++ b/DMaC_slides.pptx
@@ -6735,60 +6735,6 @@
           <a:chExt cx="0" cy="0"/>
         </a:xfrm>
       </p:grpSpPr>
-      <p:pic>
-        <p:nvPicPr>
-          <p:cNvPr id="4" name="Picture 3"/>
-          <p:cNvPicPr>
-            <a:picLocks noChangeAspect="1"/>
-          </p:cNvPicPr>
-          <p:nvPr/>
-        </p:nvPicPr>
-        <p:blipFill>
-          <a:blip r:embed="rId2">
-            <a:extLst>
-              <a:ext uri="{BEBA8EAE-BF5A-486C-A8C5-ECC9F3942E4B}">
-                <a14:imgProps xmlns:a14="http://schemas.microsoft.com/office/drawing/2010/main">
-                  <a14:imgLayer r:embed="rId3">
-                    <a14:imgEffect>
-                      <a14:brightnessContrast contrast="1000"/>
-                    </a14:imgEffect>
-                  </a14:imgLayer>
-                </a14:imgProps>
-              </a:ext>
-            </a:extLst>
-          </a:blip>
-          <a:stretch>
-            <a:fillRect/>
-          </a:stretch>
-        </p:blipFill>
-        <p:spPr>
-          <a:xfrm>
-            <a:off x="3256384" y="4233236"/>
-            <a:ext cx="4666247" cy="2624763"/>
-          </a:xfrm>
-          <a:prstGeom prst="rect">
-            <a:avLst/>
-          </a:prstGeom>
-          <a:blipFill dpi="0" rotWithShape="1">
-            <a:blip r:embed="rId4"/>
-            <a:srcRect/>
-            <a:tile tx="0" ty="0" sx="100000" sy="100000" flip="none" algn="tl"/>
-          </a:blipFill>
-          <a:effectLst>
-            <a:glow rad="127000">
-              <a:schemeClr val="accent1">
-                <a:alpha val="0"/>
-              </a:schemeClr>
-            </a:glow>
-            <a:outerShdw blurRad="50800" dist="50800" dir="5400000" algn="ctr" rotWithShape="0">
-              <a:srgbClr val="000000">
-                <a:alpha val="0"/>
-              </a:srgbClr>
-            </a:outerShdw>
-            <a:reflection stA="0" endPos="65000" dist="50800" dir="5400000" sy="-100000" algn="bl" rotWithShape="0"/>
-          </a:effectLst>
-        </p:spPr>
-      </p:pic>
       <p:sp>
         <p:nvSpPr>
           <p:cNvPr id="2" name="Title 1"/>
@@ -6844,7 +6790,7 @@
             <a:r>
               <a:rPr sz="2400" dirty="0">
                 <a:solidFill>
-                  <a:schemeClr val="bg1"/>
+                  <a:schemeClr val="tx1"/>
                 </a:solidFill>
               </a:rPr>
               <a:t>A Distributed System for Matrix Multiplication</a:t>
@@ -6854,7 +6800,7 @@
             <a:r>
               <a:rPr sz="2400" dirty="0">
                 <a:solidFill>
-                  <a:schemeClr val="bg1"/>
+                  <a:schemeClr val="tx1"/>
                 </a:solidFill>
               </a:rPr>
               <a:t>Ryan </a:t>
@@ -6862,7 +6808,7 @@
             <a:r>
               <a:rPr sz="2400" dirty="0" err="1">
                 <a:solidFill>
-                  <a:schemeClr val="bg1"/>
+                  <a:schemeClr val="tx1"/>
                 </a:solidFill>
               </a:rPr>
               <a:t>Bazzell</a:t>
@@ -6870,7 +6816,7 @@
             <a:r>
               <a:rPr sz="2400" dirty="0">
                 <a:solidFill>
-                  <a:schemeClr val="bg1"/>
+                  <a:schemeClr val="tx1"/>
                 </a:solidFill>
               </a:rPr>
               <a:t> &amp; </a:t>
@@ -6878,7 +6824,7 @@
             <a:r>
               <a:rPr sz="2400" dirty="0" err="1">
                 <a:solidFill>
-                  <a:schemeClr val="bg1"/>
+                  <a:schemeClr val="tx1"/>
                 </a:solidFill>
               </a:rPr>
               <a:t>Jiwoon</a:t>
@@ -6886,7 +6832,7 @@
             <a:r>
               <a:rPr sz="2400" dirty="0">
                 <a:solidFill>
-                  <a:schemeClr val="bg1"/>
+                  <a:schemeClr val="tx1"/>
                 </a:solidFill>
               </a:rPr>
               <a:t> </a:t>
@@ -6894,14 +6840,14 @@
             <a:r>
               <a:rPr sz="2400" dirty="0" err="1">
                 <a:solidFill>
-                  <a:schemeClr val="bg1"/>
+                  <a:schemeClr val="tx1"/>
                 </a:solidFill>
               </a:rPr>
               <a:t>Yim</a:t>
             </a:r>
             <a:endParaRPr sz="2400" dirty="0">
               <a:solidFill>
-                <a:schemeClr val="bg1"/>
+                <a:schemeClr val="tx1"/>
               </a:solidFill>
             </a:endParaRPr>
           </a:p>
@@ -6909,7 +6855,7 @@
             <a:r>
               <a:rPr sz="2400" dirty="0">
                 <a:solidFill>
-                  <a:schemeClr val="bg1"/>
+                  <a:schemeClr val="tx1"/>
                 </a:solidFill>
               </a:rPr>
               <a:t>March 17, 2025</a:t>
@@ -7151,51 +7097,37 @@
           <a:p>
             <a:r>
               <a:rPr lang="en-US" sz="2800" dirty="0"/>
-              <a:t>Communication overhead hurts small-scale </a:t>
+              <a:t>Communication </a:t>
             </a:r>
             <a:r>
               <a:rPr lang="en-US" sz="2800" dirty="0" smtClean="0"/>
-              <a:t>performance</a:t>
+              <a:t>Overhead </a:t>
             </a:r>
           </a:p>
           <a:p>
             <a:r>
               <a:rPr lang="en-US" sz="2800" dirty="0" smtClean="0"/>
-              <a:t>Single </a:t>
-            </a:r>
-            <a:r>
-              <a:rPr lang="en-US" sz="2800" dirty="0"/>
-              <a:t>coordinator is a weak </a:t>
-            </a:r>
+              <a:t>Single Point of Failure</a:t>
+            </a:r>
+          </a:p>
+          <a:p>
             <a:r>
               <a:rPr lang="en-US" sz="2800" dirty="0" smtClean="0"/>
-              <a:t>point</a:t>
+              <a:t>Effectiveness of Programming Tools</a:t>
             </a:r>
           </a:p>
           <a:p>
             <a:r>
               <a:rPr lang="en-US" sz="2800" dirty="0" smtClean="0"/>
-              <a:t>Docker </a:t>
-            </a:r>
-            <a:r>
-              <a:rPr lang="en-US" sz="2800" dirty="0"/>
-              <a:t>is great for simulation, but real nodes </a:t>
-            </a:r>
+              <a:t>Efficient Distributed Algorithms</a:t>
+            </a:r>
+          </a:p>
+          <a:p>
             <a:r>
               <a:rPr lang="en-US" sz="2800" dirty="0" smtClean="0"/>
-              <a:t>differ</a:t>
-            </a:r>
-          </a:p>
-          <a:p>
-            <a:r>
-              <a:rPr lang="en-US" sz="2800" dirty="0" smtClean="0"/>
-              <a:t>Load </a:t>
-            </a:r>
-            <a:r>
-              <a:rPr lang="en-US" sz="2800" dirty="0"/>
-              <a:t>balancing needs optimization</a:t>
-            </a:r>
-            <a:endParaRPr sz="2800" dirty="0"/>
+              <a:t>Fault Tolerance</a:t>
+            </a:r>
+            <a:endParaRPr lang="en-US" sz="2800" dirty="0" smtClean="0"/>
           </a:p>
         </p:txBody>
       </p:sp>
@@ -7334,21 +7266,12 @@
               <a:rPr sz="2800" dirty="0" smtClean="0"/>
               <a:t>Efficiency</a:t>
             </a:r>
+            <a:endParaRPr lang="en-US" sz="2800" dirty="0" smtClean="0"/>
+          </a:p>
+          <a:p>
             <a:r>
               <a:rPr lang="en-US" sz="2800" dirty="0" smtClean="0"/>
-              <a:t> </a:t>
-            </a:r>
-            <a:r>
-              <a:rPr sz="2800" dirty="0" smtClean="0"/>
-              <a:t>Real </a:t>
-            </a:r>
-            <a:r>
-              <a:rPr sz="2800" dirty="0"/>
-              <a:t>Multi-Node </a:t>
-            </a:r>
-            <a:r>
-              <a:rPr sz="2800" dirty="0" smtClean="0"/>
-              <a:t>Deployment</a:t>
+              <a:t>Implement Worker Fault Tolerance</a:t>
             </a:r>
             <a:endParaRPr sz="2800" dirty="0"/>
           </a:p>
@@ -7430,20 +7353,20 @@
           <a:lstStyle/>
           <a:p>
             <a:r>
-              <a:rPr sz="2800" dirty="0" err="1" smtClean="0"/>
-              <a:t>DMaC</a:t>
+              <a:rPr lang="en-US" sz="2800" dirty="0" smtClean="0"/>
+              <a:t>D</a:t>
             </a:r>
             <a:r>
               <a:rPr sz="2800" dirty="0" smtClean="0"/>
-              <a:t> </a:t>
+              <a:t>istributed </a:t>
             </a:r>
             <a:r>
               <a:rPr sz="2800" dirty="0"/>
-              <a:t>demonstrates the potential of distributed computing for matrix </a:t>
-            </a:r>
-            <a:r>
-              <a:rPr sz="2800" dirty="0" smtClean="0"/>
-              <a:t>operations</a:t>
+              <a:t>computing for matrix </a:t>
+            </a:r>
+            <a:r>
+              <a:rPr lang="en-US" sz="2800" dirty="0" smtClean="0"/>
+              <a:t>multiplications</a:t>
             </a:r>
             <a:endParaRPr sz="2800" dirty="0"/>
           </a:p>
@@ -7900,16 +7823,34 @@
           <a:lstStyle/>
           <a:p>
             <a:r>
-              <a:rPr sz="2800" dirty="0" err="1" smtClean="0"/>
-              <a:t>DMaC</a:t>
+              <a:rPr lang="en-US" sz="2800" dirty="0" smtClean="0"/>
+              <a:t>Distributed </a:t>
+            </a:r>
+            <a:r>
+              <a:rPr lang="en-US" sz="2800" dirty="0"/>
+              <a:t>matrix </a:t>
+            </a:r>
+            <a:r>
+              <a:rPr lang="en-US" sz="2800" dirty="0" smtClean="0"/>
+              <a:t>multiplication</a:t>
+            </a:r>
+          </a:p>
+          <a:p>
+            <a:pPr lvl="1"/>
+            <a:r>
+              <a:rPr lang="en-US" sz="2600" dirty="0" smtClean="0"/>
+              <a:t>Strassen’s Algorithm</a:t>
+            </a:r>
+            <a:endParaRPr lang="en-US" sz="2600" dirty="0"/>
+          </a:p>
+          <a:p>
+            <a:r>
+              <a:rPr lang="en-US" sz="2800" dirty="0"/>
+              <a:t>H</a:t>
             </a:r>
             <a:r>
               <a:rPr sz="2800" dirty="0" smtClean="0"/>
-              <a:t> </a:t>
-            </a:r>
-            <a:r>
-              <a:rPr sz="2800" dirty="0"/>
-              <a:t>enables distributed matrix operations across heterogeneous </a:t>
+              <a:t>eterogeneous </a:t>
             </a:r>
             <a:r>
               <a:rPr sz="2800" dirty="0" smtClean="0"/>
@@ -7919,18 +7860,21 @@
           </a:p>
           <a:p>
             <a:r>
+              <a:rPr lang="en-US" sz="2800" dirty="0" smtClean="0"/>
+              <a:t>C</a:t>
+            </a:r>
+            <a:r>
               <a:rPr sz="2800" dirty="0" smtClean="0"/>
-              <a:t>Uses </a:t>
-            </a:r>
-            <a:r>
-              <a:rPr sz="2800" dirty="0"/>
-              <a:t>a client-coordinator-worker architecture to distribute tasks </a:t>
-            </a:r>
-            <a:r>
-              <a:rPr sz="2800" dirty="0" smtClean="0"/>
-              <a:t>efficiently</a:t>
-            </a:r>
-            <a:endParaRPr sz="2800" dirty="0"/>
+              <a:t>oordinator-worker architecture</a:t>
+            </a:r>
+            <a:endParaRPr lang="en-US" sz="2800" dirty="0" smtClean="0"/>
+          </a:p>
+          <a:p>
+            <a:r>
+              <a:rPr lang="en-US" sz="2800" dirty="0" smtClean="0"/>
+              <a:t>Client for User-Interface</a:t>
+            </a:r>
+            <a:endParaRPr lang="en-US" sz="2800" dirty="0" smtClean="0"/>
           </a:p>
           <a:p>
             <a:r>
@@ -7939,11 +7883,11 @@
             </a:r>
             <a:r>
               <a:rPr sz="2800" dirty="0"/>
-              <a:t>and transparent computation for </a:t>
+              <a:t>and </a:t>
             </a:r>
             <a:r>
               <a:rPr sz="2800" dirty="0" smtClean="0"/>
-              <a:t>users</a:t>
+              <a:t>transparent</a:t>
             </a:r>
             <a:endParaRPr sz="2800" dirty="0"/>
           </a:p>
@@ -8025,46 +7969,47 @@
           <a:lstStyle/>
           <a:p>
             <a:r>
+              <a:rPr lang="en-US" sz="2800" dirty="0" smtClean="0"/>
+              <a:t>Single-threaded shortcomings </a:t>
+            </a:r>
+          </a:p>
+          <a:p>
+            <a:r>
+              <a:rPr lang="en-US" sz="2800" dirty="0" smtClean="0"/>
+              <a:t>Time consuming l</a:t>
+            </a:r>
+            <a:r>
               <a:rPr sz="2800" dirty="0" smtClean="0"/>
-              <a:t>Large-scale </a:t>
+              <a:t>arge-scale </a:t>
             </a:r>
             <a:r>
               <a:rPr sz="2800" dirty="0"/>
-              <a:t>matrix computations require </a:t>
+              <a:t>matrix </a:t>
+            </a:r>
+            <a:r>
+              <a:rPr lang="en-US" sz="2800" dirty="0" smtClean="0"/>
+              <a:t>multiplications</a:t>
+            </a:r>
+            <a:endParaRPr sz="2800" dirty="0"/>
+          </a:p>
+          <a:p>
+            <a:r>
+              <a:rPr lang="en-US" sz="2800" dirty="0"/>
+              <a:t>I</a:t>
             </a:r>
             <a:r>
               <a:rPr sz="2800" dirty="0" smtClean="0"/>
-              <a:t>efficiency</a:t>
-            </a:r>
-            <a:endParaRPr sz="2800" dirty="0"/>
-          </a:p>
-          <a:p>
-            <a:r>
-              <a:rPr sz="2800" dirty="0" smtClean="0"/>
-              <a:t>Single-threaded </a:t>
-            </a:r>
-            <a:r>
-              <a:rPr sz="2800" dirty="0"/>
-              <a:t>processing is slow and </a:t>
-            </a:r>
-            <a:r>
-              <a:rPr sz="2800" dirty="0" smtClean="0"/>
-              <a:t>limited</a:t>
-            </a:r>
-            <a:endParaRPr sz="2800" dirty="0"/>
-          </a:p>
-          <a:p>
-            <a:r>
-              <a:rPr sz="2800" dirty="0" smtClean="0"/>
-              <a:t>Distributed </a:t>
-            </a:r>
-            <a:r>
-              <a:rPr sz="2800" dirty="0"/>
-              <a:t>systems improve scalability and fault </a:t>
-            </a:r>
-            <a:r>
-              <a:rPr sz="2800" dirty="0" smtClean="0"/>
-              <a:t>tolerance</a:t>
+              <a:t>mprove</a:t>
+            </a:r>
+            <a:r>
+              <a:rPr lang="en-US" sz="2800" dirty="0" smtClean="0"/>
+              <a:t> performance</a:t>
+            </a:r>
+          </a:p>
+          <a:p>
+            <a:r>
+              <a:rPr lang="en-US" sz="2800" dirty="0" smtClean="0"/>
+              <a:t>Provide scalability</a:t>
             </a:r>
             <a:endParaRPr sz="2800" dirty="0"/>
           </a:p>
@@ -8181,17 +8126,7 @@
               <a:rPr lang="en-US" sz="2800" dirty="0" smtClean="0"/>
               <a:t>Algorithm</a:t>
             </a:r>
-          </a:p>
-          <a:p>
-            <a:r>
-              <a:rPr lang="en-US" sz="2800" dirty="0" smtClean="0"/>
-              <a:t>Docker </a:t>
-            </a:r>
-            <a:r>
-              <a:rPr lang="en-US" sz="2800" dirty="0"/>
-              <a:t>simulates a distributed environment</a:t>
-            </a:r>
-            <a:endParaRPr sz="2800" dirty="0"/>
+            <a:endParaRPr lang="en-US" sz="2800" dirty="0" smtClean="0"/>
           </a:p>
         </p:txBody>
       </p:sp>
@@ -8203,7 +8138,7 @@
         </p:nvSpPr>
         <p:spPr>
           <a:xfrm>
-            <a:off x="983603" y="4712575"/>
+            <a:off x="983601" y="4899803"/>
             <a:ext cx="1828800" cy="942392"/>
           </a:xfrm>
           <a:prstGeom prst="rect">
@@ -8248,7 +8183,7 @@
         </p:nvSpPr>
         <p:spPr>
           <a:xfrm>
-            <a:off x="3365241" y="4712575"/>
+            <a:off x="3365239" y="4899803"/>
             <a:ext cx="1828800" cy="942392"/>
           </a:xfrm>
           <a:prstGeom prst="rect">
@@ -8293,8 +8228,8 @@
         </p:nvSpPr>
         <p:spPr>
           <a:xfrm>
-            <a:off x="5746880" y="4712575"/>
-            <a:ext cx="1828800" cy="942392"/>
+            <a:off x="6096385" y="3957411"/>
+            <a:ext cx="1120451" cy="503238"/>
           </a:xfrm>
           <a:prstGeom prst="rect">
             <a:avLst/>
@@ -8324,7 +8259,7 @@
             <a:pPr algn="ctr"/>
             <a:r>
               <a:rPr lang="en-US" dirty="0" smtClean="0"/>
-              <a:t>Workers</a:t>
+              <a:t>Worker 1</a:t>
             </a:r>
             <a:endParaRPr lang="en-US" dirty="0"/>
           </a:p>
@@ -8341,7 +8276,7 @@
         </p:nvCxnSpPr>
         <p:spPr>
           <a:xfrm>
-            <a:off x="2812403" y="5183771"/>
+            <a:off x="2812401" y="5370999"/>
             <a:ext cx="552838" cy="0"/>
           </a:xfrm>
           <a:prstGeom prst="straightConnector1">
@@ -8376,9 +8311,9 @@
           <p:nvPr/>
         </p:nvCxnSpPr>
         <p:spPr>
-          <a:xfrm>
-            <a:off x="5194041" y="5183771"/>
-            <a:ext cx="552839" cy="0"/>
+          <a:xfrm flipV="1">
+            <a:off x="5194039" y="4209030"/>
+            <a:ext cx="902346" cy="1161969"/>
           </a:xfrm>
           <a:prstGeom prst="straightConnector1">
             <a:avLst/>
@@ -8402,6 +8337,222 @@
           </a:fontRef>
         </p:style>
       </p:cxnSp>
+      <p:sp>
+        <p:nvSpPr>
+          <p:cNvPr id="13" name="Rectangle 12"/>
+          <p:cNvSpPr/>
+          <p:nvPr/>
+        </p:nvSpPr>
+        <p:spPr>
+          <a:xfrm>
+            <a:off x="6096386" y="4648184"/>
+            <a:ext cx="1120451" cy="503238"/>
+          </a:xfrm>
+          <a:prstGeom prst="rect">
+            <a:avLst/>
+          </a:prstGeom>
+          <a:solidFill>
+            <a:schemeClr val="accent1"/>
+          </a:solidFill>
+        </p:spPr>
+        <p:style>
+          <a:lnRef idx="1">
+            <a:schemeClr val="accent1"/>
+          </a:lnRef>
+          <a:fillRef idx="3">
+            <a:schemeClr val="accent1"/>
+          </a:fillRef>
+          <a:effectRef idx="2">
+            <a:schemeClr val="accent1"/>
+          </a:effectRef>
+          <a:fontRef idx="minor">
+            <a:schemeClr val="lt1"/>
+          </a:fontRef>
+        </p:style>
+        <p:txBody>
+          <a:bodyPr rtlCol="0" anchor="ctr"/>
+          <a:lstStyle/>
+          <a:p>
+            <a:pPr algn="ctr"/>
+            <a:r>
+              <a:rPr lang="en-US" dirty="0" smtClean="0"/>
+              <a:t>Worker 2</a:t>
+            </a:r>
+            <a:endParaRPr lang="en-US" dirty="0"/>
+          </a:p>
+        </p:txBody>
+      </p:sp>
+      <p:cxnSp>
+        <p:nvCxnSpPr>
+          <p:cNvPr id="16" name="Straight Arrow Connector 15"/>
+          <p:cNvCxnSpPr>
+            <a:stCxn id="10" idx="3"/>
+            <a:endCxn id="13" idx="1"/>
+          </p:cNvCxnSpPr>
+          <p:nvPr/>
+        </p:nvCxnSpPr>
+        <p:spPr>
+          <a:xfrm flipV="1">
+            <a:off x="5194039" y="4899803"/>
+            <a:ext cx="902347" cy="471196"/>
+          </a:xfrm>
+          <a:prstGeom prst="straightConnector1">
+            <a:avLst/>
+          </a:prstGeom>
+          <a:ln>
+            <a:tailEnd type="triangle"/>
+          </a:ln>
+        </p:spPr>
+        <p:style>
+          <a:lnRef idx="2">
+            <a:schemeClr val="accent1"/>
+          </a:lnRef>
+          <a:fillRef idx="0">
+            <a:schemeClr val="accent1"/>
+          </a:fillRef>
+          <a:effectRef idx="1">
+            <a:schemeClr val="accent1"/>
+          </a:effectRef>
+          <a:fontRef idx="minor">
+            <a:schemeClr val="tx1"/>
+          </a:fontRef>
+        </p:style>
+      </p:cxnSp>
+      <p:sp>
+        <p:nvSpPr>
+          <p:cNvPr id="18" name="Rectangle 17"/>
+          <p:cNvSpPr/>
+          <p:nvPr/>
+        </p:nvSpPr>
+        <p:spPr>
+          <a:xfrm>
+            <a:off x="6096384" y="6086751"/>
+            <a:ext cx="1120451" cy="503238"/>
+          </a:xfrm>
+          <a:prstGeom prst="rect">
+            <a:avLst/>
+          </a:prstGeom>
+          <a:solidFill>
+            <a:schemeClr val="accent1"/>
+          </a:solidFill>
+        </p:spPr>
+        <p:style>
+          <a:lnRef idx="1">
+            <a:schemeClr val="accent1"/>
+          </a:lnRef>
+          <a:fillRef idx="3">
+            <a:schemeClr val="accent1"/>
+          </a:fillRef>
+          <a:effectRef idx="2">
+            <a:schemeClr val="accent1"/>
+          </a:effectRef>
+          <a:fontRef idx="minor">
+            <a:schemeClr val="lt1"/>
+          </a:fontRef>
+        </p:style>
+        <p:txBody>
+          <a:bodyPr rtlCol="0" anchor="ctr"/>
+          <a:lstStyle/>
+          <a:p>
+            <a:pPr algn="ctr"/>
+            <a:r>
+              <a:rPr lang="en-US" dirty="0" smtClean="0"/>
+              <a:t>Worker n</a:t>
+            </a:r>
+            <a:endParaRPr lang="en-US" dirty="0"/>
+          </a:p>
+        </p:txBody>
+      </p:sp>
+      <p:cxnSp>
+        <p:nvCxnSpPr>
+          <p:cNvPr id="19" name="Straight Arrow Connector 18"/>
+          <p:cNvCxnSpPr>
+            <a:stCxn id="10" idx="3"/>
+            <a:endCxn id="18" idx="1"/>
+          </p:cNvCxnSpPr>
+          <p:nvPr/>
+        </p:nvCxnSpPr>
+        <p:spPr>
+          <a:xfrm>
+            <a:off x="5194039" y="5370999"/>
+            <a:ext cx="902345" cy="967371"/>
+          </a:xfrm>
+          <a:prstGeom prst="straightConnector1">
+            <a:avLst/>
+          </a:prstGeom>
+          <a:ln>
+            <a:tailEnd type="triangle"/>
+          </a:ln>
+        </p:spPr>
+        <p:style>
+          <a:lnRef idx="2">
+            <a:schemeClr val="accent1"/>
+          </a:lnRef>
+          <a:fillRef idx="0">
+            <a:schemeClr val="accent1"/>
+          </a:fillRef>
+          <a:effectRef idx="1">
+            <a:schemeClr val="accent1"/>
+          </a:effectRef>
+          <a:fontRef idx="minor">
+            <a:schemeClr val="tx1"/>
+          </a:fontRef>
+        </p:style>
+      </p:cxnSp>
+      <p:sp>
+        <p:nvSpPr>
+          <p:cNvPr id="22" name="Rectangle 21"/>
+          <p:cNvSpPr/>
+          <p:nvPr/>
+        </p:nvSpPr>
+        <p:spPr>
+          <a:xfrm>
+            <a:off x="6096386" y="5331894"/>
+            <a:ext cx="1120451" cy="503238"/>
+          </a:xfrm>
+          <a:prstGeom prst="rect">
+            <a:avLst/>
+          </a:prstGeom>
+          <a:noFill/>
+          <a:ln>
+            <a:noFill/>
+          </a:ln>
+        </p:spPr>
+        <p:style>
+          <a:lnRef idx="1">
+            <a:schemeClr val="accent1"/>
+          </a:lnRef>
+          <a:fillRef idx="3">
+            <a:schemeClr val="accent1"/>
+          </a:fillRef>
+          <a:effectRef idx="2">
+            <a:schemeClr val="accent1"/>
+          </a:effectRef>
+          <a:fontRef idx="minor">
+            <a:schemeClr val="lt1"/>
+          </a:fontRef>
+        </p:style>
+        <p:txBody>
+          <a:bodyPr rtlCol="0" anchor="ctr"/>
+          <a:lstStyle/>
+          <a:p>
+            <a:pPr algn="ctr"/>
+            <a:r>
+              <a:rPr lang="en-US" dirty="0" smtClean="0">
+                <a:solidFill>
+                  <a:schemeClr val="tx1"/>
+                </a:solidFill>
+              </a:rPr>
+              <a:t>…..</a:t>
+            </a:r>
+            <a:endParaRPr lang="en-US" dirty="0">
+              <a:solidFill>
+                <a:schemeClr val="tx1"/>
+              </a:solidFill>
+            </a:endParaRPr>
+          </a:p>
+        </p:txBody>
+      </p:sp>
     </p:spTree>
   </p:cSld>
   <p:clrMapOvr>
@@ -8475,39 +8626,9 @@
             </p:spPr>
             <p:txBody>
               <a:bodyPr>
-                <a:normAutofit fontScale="92500" lnSpcReduction="10000"/>
+                <a:normAutofit lnSpcReduction="10000"/>
               </a:bodyPr>
               <a:lstStyle/>
-              <a:p>
-                <a:r>
-                  <a:rPr lang="en-US" sz="2800" dirty="0" smtClean="0"/>
-                  <a:t>Worker </a:t>
-                </a:r>
-                <a:r>
-                  <a:rPr lang="en-US" sz="2800" dirty="0"/>
-                  <a:t>nodes communicate with the </a:t>
-                </a:r>
-                <a:r>
-                  <a:rPr lang="en-US" sz="2800" dirty="0" smtClean="0"/>
-                  <a:t>coordinator</a:t>
-                </a:r>
-                <a:endParaRPr lang="en-US" sz="2800" dirty="0"/>
-              </a:p>
-              <a:p>
-                <a:r>
-                  <a:rPr lang="en-US" sz="2800" dirty="0" smtClean="0"/>
-                  <a:t>Client module handles </a:t>
-                </a:r>
-                <a:r>
-                  <a:rPr lang="en-US" sz="2800" dirty="0"/>
-                  <a:t>user </a:t>
-                </a:r>
-                <a:r>
-                  <a:rPr lang="en-US" sz="2800" dirty="0" smtClean="0"/>
-                  <a:t>interaction</a:t>
-                </a:r>
-                <a:endParaRPr lang="en-US" sz="2800" dirty="0"/>
-              </a:p>
               <a:p>
                 <a:r>
                   <a:rPr lang="en-US" sz="2800" dirty="0" smtClean="0"/>
@@ -8539,6 +8660,16 @@
                 <a:r>
                   <a:rPr lang="en-US" sz="2800" dirty="0" smtClean="0"/>
                   <a:t>threading</a:t>
+                </a:r>
+              </a:p>
+              <a:p>
+                <a:r>
+                  <a:rPr lang="en-US" sz="2800" dirty="0"/>
+                  <a:t>Docker simulates a distributed </a:t>
+                </a:r>
+                <a:r>
+                  <a:rPr lang="en-US" sz="2800" dirty="0" smtClean="0"/>
+                  <a:t>environment</a:t>
                 </a:r>
                 <a:endParaRPr lang="en-US" sz="2800" dirty="0" smtClean="0"/>
               </a:p>
@@ -8679,7 +8810,7 @@
               <a:blipFill>
                 <a:blip r:embed="rId2"/>
                 <a:stretch>
-                  <a:fillRect l="-961" t="-2512" r="-480" b="-2041"/>
+                  <a:fillRect l="-1153" t="-2512"/>
                 </a:stretch>
               </a:blipFill>
             </p:spPr>
@@ -8824,44 +8955,14 @@
         <p:spPr>
           <a:xfrm>
             <a:off x="609598" y="1703390"/>
-            <a:ext cx="6347714" cy="3880773"/>
+            <a:ext cx="6347714" cy="4826719"/>
           </a:xfrm>
         </p:spPr>
         <p:txBody>
           <a:bodyPr>
-            <a:normAutofit fontScale="92500" lnSpcReduction="20000"/>
+            <a:normAutofit fontScale="92500" lnSpcReduction="10000"/>
           </a:bodyPr>
           <a:lstStyle/>
-          <a:p>
-            <a:r>
-              <a:rPr sz="2800" dirty="0" smtClean="0"/>
-              <a:t>Docker-based </a:t>
-            </a:r>
-            <a:r>
-              <a:rPr sz="2800" dirty="0"/>
-              <a:t>environment for distributed </a:t>
-            </a:r>
-            <a:r>
-              <a:rPr sz="2800" dirty="0" smtClean="0"/>
-              <a:t>simulation</a:t>
-            </a:r>
-            <a:endParaRPr sz="2800" dirty="0"/>
-          </a:p>
-          <a:p>
-            <a:r>
-              <a:rPr sz="2800" dirty="0" smtClean="0"/>
-              <a:t>Simulated </a:t>
-            </a:r>
-            <a:r>
-              <a:rPr sz="2800" dirty="0"/>
-              <a:t>heterogeneous computing </a:t>
-            </a:r>
-            <a:r>
-              <a:rPr sz="2800" dirty="0" smtClean="0"/>
-              <a:t>setup</a:t>
-            </a:r>
-            <a:endParaRPr sz="2800" dirty="0"/>
-          </a:p>
           <a:p>
             <a:r>
               <a:rPr sz="2800" dirty="0" smtClean="0"/>
@@ -8880,48 +8981,86 @@
           <a:p>
             <a:pPr lvl="1"/>
             <a:r>
-              <a:rPr lang="en-US" sz="2000" dirty="0"/>
+              <a:rPr lang="en-US" sz="2200" dirty="0"/>
               <a:t>Simulated heterogeneous setup with Docker (Alpine, </a:t>
             </a:r>
             <a:r>
-              <a:rPr lang="en-US" sz="2000" dirty="0" err="1"/>
+              <a:rPr lang="en-US" sz="2200" dirty="0" err="1"/>
               <a:t>Debian</a:t>
             </a:r>
             <a:r>
-              <a:rPr lang="en-US" sz="2000" dirty="0"/>
+              <a:rPr lang="en-US" sz="2200" dirty="0"/>
               <a:t>, Fedora</a:t>
             </a:r>
             <a:r>
-              <a:rPr lang="en-US" sz="2000" dirty="0" smtClean="0"/>
+              <a:rPr lang="en-US" sz="2200" dirty="0" smtClean="0"/>
               <a:t>)</a:t>
             </a:r>
           </a:p>
           <a:p>
             <a:pPr lvl="1"/>
             <a:r>
-              <a:rPr lang="en-US" sz="2000" dirty="0" smtClean="0"/>
+              <a:rPr lang="en-US" sz="2200" dirty="0" smtClean="0"/>
               <a:t>Three </a:t>
             </a:r>
             <a:r>
-              <a:rPr lang="en-US" sz="2000" dirty="0"/>
+              <a:rPr lang="en-US" sz="2200" dirty="0"/>
               <a:t>scales: Small (4 workers), Medium (10 workers), Large (20 workers</a:t>
             </a:r>
             <a:r>
-              <a:rPr lang="en-US" sz="2000" dirty="0" smtClean="0"/>
+              <a:rPr lang="en-US" sz="2200" dirty="0" smtClean="0"/>
               <a:t>)</a:t>
             </a:r>
           </a:p>
           <a:p>
             <a:pPr lvl="1"/>
             <a:r>
-              <a:rPr lang="en-US" sz="2000" dirty="0" smtClean="0"/>
+              <a:rPr lang="en-US" sz="2200" dirty="0" smtClean="0"/>
               <a:t>Compared </a:t>
             </a:r>
             <a:r>
-              <a:rPr lang="en-US" sz="2000" dirty="0"/>
-              <a:t>local vs. distributed performance</a:t>
-            </a:r>
-            <a:endParaRPr sz="2000" dirty="0"/>
+              <a:rPr lang="en-US" sz="2200" dirty="0"/>
+              <a:t>local vs. distributed </a:t>
+            </a:r>
+            <a:r>
+              <a:rPr lang="en-US" sz="2200" dirty="0" smtClean="0"/>
+              <a:t>performance</a:t>
+            </a:r>
+          </a:p>
+          <a:p>
+            <a:r>
+              <a:rPr lang="en-US" sz="2800" dirty="0" smtClean="0"/>
+              <a:t>Metrics</a:t>
+            </a:r>
+          </a:p>
+          <a:p>
+            <a:pPr lvl="1"/>
+            <a:r>
+              <a:rPr lang="en-US" sz="2200" dirty="0" smtClean="0"/>
+              <a:t>Accuracy</a:t>
+            </a:r>
+          </a:p>
+          <a:p>
+            <a:pPr lvl="1"/>
+            <a:r>
+              <a:rPr lang="en-US" sz="2200" dirty="0" smtClean="0"/>
+              <a:t>Performance</a:t>
+            </a:r>
+          </a:p>
+          <a:p>
+            <a:pPr lvl="1"/>
+            <a:r>
+              <a:rPr lang="en-US" sz="2200" dirty="0" smtClean="0"/>
+              <a:t>Scalability</a:t>
+            </a:r>
+          </a:p>
+          <a:p>
+            <a:pPr lvl="1"/>
+            <a:r>
+              <a:rPr lang="en-US" sz="2200" dirty="0" smtClean="0"/>
+              <a:t>Transparency</a:t>
+            </a:r>
+            <a:endParaRPr lang="en-US" sz="2200" dirty="0"/>
           </a:p>
         </p:txBody>
       </p:sp>

--- a/DMaC_slides.pptx
+++ b/DMaC_slides.pptx
@@ -535,34 +535,28 @@
           <a:p>
             <a:r>
               <a:rPr lang="en-US" dirty="0" smtClean="0"/>
-              <a:t>Distributed Computing Trade-offs: Communication overhead impacts performance at small scales.</a:t>
-            </a:r>
-          </a:p>
-          <a:p>
+              <a:t>Hello, my name is 2d Lt Jay </a:t>
+            </a:r>
+            <a:r>
+              <a:rPr lang="en-US" dirty="0" err="1" smtClean="0"/>
+              <a:t>Yim</a:t>
+            </a:r>
             <a:r>
               <a:rPr lang="en-US" dirty="0" smtClean="0"/>
-              <a:t>Single Point of Failure Challenge: Coordinator node needs redundancy.</a:t>
-            </a:r>
-          </a:p>
-          <a:p>
+              <a:t>. And I am Ryan </a:t>
+            </a:r>
+            <a:r>
+              <a:rPr lang="en-US" dirty="0" err="1" smtClean="0"/>
+              <a:t>Bazzell</a:t>
+            </a:r>
             <a:r>
               <a:rPr lang="en-US" dirty="0" smtClean="0"/>
-              <a:t>Effectiveness of Docker for Simulation: Useful but requires real multi-node deployment for validation.</a:t>
-            </a:r>
-          </a:p>
-          <a:p>
-            <a:r>
-              <a:rPr lang="en-US" dirty="0" smtClean="0"/>
-              <a:t>Algorithm Efficiency: Strassen’s Algorithm worked but required optimization for distributed execution.</a:t>
-            </a:r>
-          </a:p>
-          <a:p>
-            <a:r>
-              <a:rPr lang="en-US" dirty="0" smtClean="0"/>
-              <a:t>Load Balancing Issues: Coordination overhead limited linear scalability with more worker nodes.</a:t>
-            </a:r>
-          </a:p>
-          <a:p>
+              <a:t>. This</a:t>
+            </a:r>
+            <a:r>
+              <a:rPr lang="en-US" baseline="0" dirty="0" smtClean="0"/>
+              <a:t> is the presentation of our CSCE689 final project: Distributed Matrix Computation</a:t>
+            </a:r>
             <a:endParaRPr lang="en-US" dirty="0"/>
           </a:p>
         </p:txBody>
@@ -584,7 +578,7 @@
           <a:p>
             <a:fld id="{E5ED95D1-4C73-444C-BDB4-A4B5150725E4}" type="slidenum">
               <a:rPr lang="en-US" smtClean="0"/>
-              <a:t>11</a:t>
+              <a:t>1</a:t>
             </a:fld>
             <a:endParaRPr lang="en-US"/>
           </a:p>
@@ -593,7 +587,7 @@
     </p:spTree>
     <p:extLst>
       <p:ext uri="{BB962C8B-B14F-4D97-AF65-F5344CB8AC3E}">
-        <p14:creationId xmlns:p14="http://schemas.microsoft.com/office/powerpoint/2010/main" val="2875790880"/>
+        <p14:creationId xmlns:p14="http://schemas.microsoft.com/office/powerpoint/2010/main" val="4159694822"/>
       </p:ext>
     </p:extLst>
   </p:cSld>
@@ -647,6 +641,606 @@
           <a:bodyPr/>
           <a:lstStyle/>
           <a:p>
+            <a:r>
+              <a:rPr lang="en-US" dirty="0" smtClean="0"/>
+              <a:t>As a brief introduction, the</a:t>
+            </a:r>
+            <a:r>
+              <a:rPr lang="en-US" baseline="0" dirty="0" smtClean="0"/>
+              <a:t> system we built is a distributed matrix multiplication using Strassen’s Algorithm, which we will talk about in the later slide. The system utilizes heterogeneous nodes with coordinator-worker architecture. For user-interface, we came up with a client module that communicates with the coordinator to start matrix multiplication. This system is designed to be scalable and transparent as you will realized throughout the presentation</a:t>
+            </a:r>
+            <a:endParaRPr lang="en-US" dirty="0"/>
+          </a:p>
+        </p:txBody>
+      </p:sp>
+      <p:sp>
+        <p:nvSpPr>
+          <p:cNvPr id="4" name="Slide Number Placeholder 3"/>
+          <p:cNvSpPr>
+            <a:spLocks noGrp="1"/>
+          </p:cNvSpPr>
+          <p:nvPr>
+            <p:ph type="sldNum" sz="quarter" idx="10"/>
+          </p:nvPr>
+        </p:nvSpPr>
+        <p:spPr/>
+        <p:txBody>
+          <a:bodyPr/>
+          <a:lstStyle/>
+          <a:p>
+            <a:fld id="{E5ED95D1-4C73-444C-BDB4-A4B5150725E4}" type="slidenum">
+              <a:rPr lang="en-US" smtClean="0"/>
+              <a:t>2</a:t>
+            </a:fld>
+            <a:endParaRPr lang="en-US"/>
+          </a:p>
+        </p:txBody>
+      </p:sp>
+    </p:spTree>
+    <p:extLst>
+      <p:ext uri="{BB962C8B-B14F-4D97-AF65-F5344CB8AC3E}">
+        <p14:creationId xmlns:p14="http://schemas.microsoft.com/office/powerpoint/2010/main" val="303601413"/>
+      </p:ext>
+    </p:extLst>
+  </p:cSld>
+  <p:clrMapOvr>
+    <a:masterClrMapping/>
+  </p:clrMapOvr>
+</p:notes>
+</file>
+
+<file path=ppt/notesSlides/notesSlide3.xml><?xml version="1.0" encoding="utf-8"?>
+<p:notes xmlns:a="http://schemas.openxmlformats.org/drawingml/2006/main" xmlns:r="http://schemas.openxmlformats.org/officeDocument/2006/relationships" xmlns:p="http://schemas.openxmlformats.org/presentationml/2006/main">
+  <p:cSld>
+    <p:spTree>
+      <p:nvGrpSpPr>
+        <p:cNvPr id="1" name=""/>
+        <p:cNvGrpSpPr/>
+        <p:nvPr/>
+      </p:nvGrpSpPr>
+      <p:grpSpPr>
+        <a:xfrm>
+          <a:off x="0" y="0"/>
+          <a:ext cx="0" cy="0"/>
+          <a:chOff x="0" y="0"/>
+          <a:chExt cx="0" cy="0"/>
+        </a:xfrm>
+      </p:grpSpPr>
+      <p:sp>
+        <p:nvSpPr>
+          <p:cNvPr id="2" name="Slide Image Placeholder 1"/>
+          <p:cNvSpPr>
+            <a:spLocks noGrp="1" noRot="1" noChangeAspect="1"/>
+          </p:cNvSpPr>
+          <p:nvPr>
+            <p:ph type="sldImg"/>
+          </p:nvPr>
+        </p:nvSpPr>
+        <p:spPr/>
+      </p:sp>
+      <p:sp>
+        <p:nvSpPr>
+          <p:cNvPr id="3" name="Notes Placeholder 2"/>
+          <p:cNvSpPr>
+            <a:spLocks noGrp="1"/>
+          </p:cNvSpPr>
+          <p:nvPr>
+            <p:ph type="body" idx="1"/>
+          </p:nvPr>
+        </p:nvSpPr>
+        <p:spPr/>
+        <p:txBody>
+          <a:bodyPr/>
+          <a:lstStyle/>
+          <a:p>
+            <a:r>
+              <a:rPr lang="en-US" dirty="0" smtClean="0"/>
+              <a:t>So why did we come up with this project?</a:t>
+            </a:r>
+            <a:r>
+              <a:rPr lang="en-US" baseline="0" dirty="0" smtClean="0"/>
+              <a:t> We realized doing a matrix multiplication on a single-threaded machine has a lot of shortcomings, which can be slowness and lack of memories. That leads to my next point of how time-consuming large-scale matrix multiplications are. So, our distributed </a:t>
+            </a:r>
+            <a:r>
+              <a:rPr lang="en-US" baseline="0" dirty="0" err="1" smtClean="0"/>
+              <a:t>sytem</a:t>
+            </a:r>
+            <a:r>
+              <a:rPr lang="en-US" baseline="0" dirty="0" smtClean="0"/>
+              <a:t> of matrix multiplication aims to improve performance and provide scalability, which addresses the single-threaded shortcomings.</a:t>
+            </a:r>
+            <a:endParaRPr lang="en-US" dirty="0"/>
+          </a:p>
+        </p:txBody>
+      </p:sp>
+      <p:sp>
+        <p:nvSpPr>
+          <p:cNvPr id="4" name="Slide Number Placeholder 3"/>
+          <p:cNvSpPr>
+            <a:spLocks noGrp="1"/>
+          </p:cNvSpPr>
+          <p:nvPr>
+            <p:ph type="sldNum" sz="quarter" idx="10"/>
+          </p:nvPr>
+        </p:nvSpPr>
+        <p:spPr/>
+        <p:txBody>
+          <a:bodyPr/>
+          <a:lstStyle/>
+          <a:p>
+            <a:fld id="{E5ED95D1-4C73-444C-BDB4-A4B5150725E4}" type="slidenum">
+              <a:rPr lang="en-US" smtClean="0"/>
+              <a:t>3</a:t>
+            </a:fld>
+            <a:endParaRPr lang="en-US"/>
+          </a:p>
+        </p:txBody>
+      </p:sp>
+    </p:spTree>
+    <p:extLst>
+      <p:ext uri="{BB962C8B-B14F-4D97-AF65-F5344CB8AC3E}">
+        <p14:creationId xmlns:p14="http://schemas.microsoft.com/office/powerpoint/2010/main" val="2842021275"/>
+      </p:ext>
+    </p:extLst>
+  </p:cSld>
+  <p:clrMapOvr>
+    <a:masterClrMapping/>
+  </p:clrMapOvr>
+</p:notes>
+</file>
+
+<file path=ppt/notesSlides/notesSlide4.xml><?xml version="1.0" encoding="utf-8"?>
+<p:notes xmlns:a="http://schemas.openxmlformats.org/drawingml/2006/main" xmlns:r="http://schemas.openxmlformats.org/officeDocument/2006/relationships" xmlns:p="http://schemas.openxmlformats.org/presentationml/2006/main">
+  <p:cSld>
+    <p:spTree>
+      <p:nvGrpSpPr>
+        <p:cNvPr id="1" name=""/>
+        <p:cNvGrpSpPr/>
+        <p:nvPr/>
+      </p:nvGrpSpPr>
+      <p:grpSpPr>
+        <a:xfrm>
+          <a:off x="0" y="0"/>
+          <a:ext cx="0" cy="0"/>
+          <a:chOff x="0" y="0"/>
+          <a:chExt cx="0" cy="0"/>
+        </a:xfrm>
+      </p:grpSpPr>
+      <p:sp>
+        <p:nvSpPr>
+          <p:cNvPr id="2" name="Slide Image Placeholder 1"/>
+          <p:cNvSpPr>
+            <a:spLocks noGrp="1" noRot="1" noChangeAspect="1"/>
+          </p:cNvSpPr>
+          <p:nvPr>
+            <p:ph type="sldImg"/>
+          </p:nvPr>
+        </p:nvSpPr>
+        <p:spPr/>
+      </p:sp>
+      <p:sp>
+        <p:nvSpPr>
+          <p:cNvPr id="3" name="Notes Placeholder 2"/>
+          <p:cNvSpPr>
+            <a:spLocks noGrp="1"/>
+          </p:cNvSpPr>
+          <p:nvPr>
+            <p:ph type="body" idx="1"/>
+          </p:nvPr>
+        </p:nvSpPr>
+        <p:spPr/>
+        <p:txBody>
+          <a:bodyPr/>
+          <a:lstStyle/>
+          <a:p>
+            <a:r>
+              <a:rPr lang="en-US" dirty="0" smtClean="0"/>
+              <a:t>As for our system</a:t>
+            </a:r>
+            <a:r>
+              <a:rPr lang="en-US" baseline="0" dirty="0" smtClean="0"/>
+              <a:t> architecture, we have a client module which communicates with the user to submit jobs and verifies the result that coordinator provides. The coordinator node receives the jobs and distributes tasks among the available worker nodes in a round-robin style and then collect results from each of the workers. Workers, upon receiving the tasks, computes matrix multiplication using Strassen’s algorithm. </a:t>
+            </a:r>
+            <a:endParaRPr lang="en-US" dirty="0"/>
+          </a:p>
+        </p:txBody>
+      </p:sp>
+      <p:sp>
+        <p:nvSpPr>
+          <p:cNvPr id="4" name="Slide Number Placeholder 3"/>
+          <p:cNvSpPr>
+            <a:spLocks noGrp="1"/>
+          </p:cNvSpPr>
+          <p:nvPr>
+            <p:ph type="sldNum" sz="quarter" idx="10"/>
+          </p:nvPr>
+        </p:nvSpPr>
+        <p:spPr/>
+        <p:txBody>
+          <a:bodyPr/>
+          <a:lstStyle/>
+          <a:p>
+            <a:fld id="{E5ED95D1-4C73-444C-BDB4-A4B5150725E4}" type="slidenum">
+              <a:rPr lang="en-US" smtClean="0"/>
+              <a:t>4</a:t>
+            </a:fld>
+            <a:endParaRPr lang="en-US"/>
+          </a:p>
+        </p:txBody>
+      </p:sp>
+    </p:spTree>
+    <p:extLst>
+      <p:ext uri="{BB962C8B-B14F-4D97-AF65-F5344CB8AC3E}">
+        <p14:creationId xmlns:p14="http://schemas.microsoft.com/office/powerpoint/2010/main" val="2284964674"/>
+      </p:ext>
+    </p:extLst>
+  </p:cSld>
+  <p:clrMapOvr>
+    <a:masterClrMapping/>
+  </p:clrMapOvr>
+</p:notes>
+</file>
+
+<file path=ppt/notesSlides/notesSlide5.xml><?xml version="1.0" encoding="utf-8"?>
+<p:notes xmlns:a="http://schemas.openxmlformats.org/drawingml/2006/main" xmlns:r="http://schemas.openxmlformats.org/officeDocument/2006/relationships" xmlns:p="http://schemas.openxmlformats.org/presentationml/2006/main">
+  <p:cSld>
+    <p:spTree>
+      <p:nvGrpSpPr>
+        <p:cNvPr id="1" name=""/>
+        <p:cNvGrpSpPr/>
+        <p:nvPr/>
+      </p:nvGrpSpPr>
+      <p:grpSpPr>
+        <a:xfrm>
+          <a:off x="0" y="0"/>
+          <a:ext cx="0" cy="0"/>
+          <a:chOff x="0" y="0"/>
+          <a:chExt cx="0" cy="0"/>
+        </a:xfrm>
+      </p:grpSpPr>
+      <p:sp>
+        <p:nvSpPr>
+          <p:cNvPr id="2" name="Slide Image Placeholder 1"/>
+          <p:cNvSpPr>
+            <a:spLocks noGrp="1" noRot="1" noChangeAspect="1"/>
+          </p:cNvSpPr>
+          <p:nvPr>
+            <p:ph type="sldImg"/>
+          </p:nvPr>
+        </p:nvSpPr>
+        <p:spPr/>
+      </p:sp>
+      <p:sp>
+        <p:nvSpPr>
+          <p:cNvPr id="3" name="Notes Placeholder 2"/>
+          <p:cNvSpPr>
+            <a:spLocks noGrp="1"/>
+          </p:cNvSpPr>
+          <p:nvPr>
+            <p:ph type="body" idx="1"/>
+          </p:nvPr>
+        </p:nvSpPr>
+        <p:spPr/>
+        <p:txBody>
+          <a:bodyPr/>
+          <a:lstStyle/>
+          <a:p>
+            <a:r>
+              <a:rPr lang="en-US" dirty="0" smtClean="0"/>
+              <a:t>To talk</a:t>
+            </a:r>
+            <a:r>
+              <a:rPr lang="en-US" baseline="0" dirty="0" smtClean="0"/>
+              <a:t> about our implementation details further, we implemented failure handling with retry mechanisms, which means if a network message </a:t>
+            </a:r>
+            <a:r>
+              <a:rPr lang="en-US" baseline="0" dirty="0" err="1" smtClean="0"/>
+              <a:t>timesout</a:t>
+            </a:r>
+            <a:r>
+              <a:rPr lang="en-US" baseline="0" dirty="0" smtClean="0"/>
+              <a:t>, the sender attempt to resend up to 3 times to allow the receiver to respond accordingly. We are also using Python for our choice of programming language with dependencies like Flask, </a:t>
+            </a:r>
+            <a:r>
+              <a:rPr lang="en-US" baseline="0" dirty="0" err="1" smtClean="0"/>
+              <a:t>numpy</a:t>
+            </a:r>
+            <a:r>
+              <a:rPr lang="en-US" baseline="0" dirty="0" smtClean="0"/>
+              <a:t>, and threading. The simulations of our system is running on </a:t>
+            </a:r>
+            <a:r>
+              <a:rPr lang="en-US" baseline="0" dirty="0" err="1" smtClean="0"/>
+              <a:t>docker</a:t>
+            </a:r>
+            <a:r>
+              <a:rPr lang="en-US" baseline="0" dirty="0" smtClean="0"/>
+              <a:t> with variable number of </a:t>
+            </a:r>
+            <a:r>
+              <a:rPr lang="en-US" baseline="0" dirty="0" err="1" smtClean="0"/>
+              <a:t>docker</a:t>
+            </a:r>
+            <a:r>
+              <a:rPr lang="en-US" baseline="0" dirty="0" smtClean="0"/>
+              <a:t> containers. As promised, we are using Strassen’s algorithm for matrix multiplication instead of a naïve matrix multiplication approach to improve performance and time complexities.</a:t>
+            </a:r>
+            <a:endParaRPr lang="en-US" dirty="0"/>
+          </a:p>
+        </p:txBody>
+      </p:sp>
+      <p:sp>
+        <p:nvSpPr>
+          <p:cNvPr id="4" name="Slide Number Placeholder 3"/>
+          <p:cNvSpPr>
+            <a:spLocks noGrp="1"/>
+          </p:cNvSpPr>
+          <p:nvPr>
+            <p:ph type="sldNum" sz="quarter" idx="10"/>
+          </p:nvPr>
+        </p:nvSpPr>
+        <p:spPr/>
+        <p:txBody>
+          <a:bodyPr/>
+          <a:lstStyle/>
+          <a:p>
+            <a:fld id="{E5ED95D1-4C73-444C-BDB4-A4B5150725E4}" type="slidenum">
+              <a:rPr lang="en-US" smtClean="0"/>
+              <a:t>5</a:t>
+            </a:fld>
+            <a:endParaRPr lang="en-US"/>
+          </a:p>
+        </p:txBody>
+      </p:sp>
+    </p:spTree>
+    <p:extLst>
+      <p:ext uri="{BB962C8B-B14F-4D97-AF65-F5344CB8AC3E}">
+        <p14:creationId xmlns:p14="http://schemas.microsoft.com/office/powerpoint/2010/main" val="73263701"/>
+      </p:ext>
+    </p:extLst>
+  </p:cSld>
+  <p:clrMapOvr>
+    <a:masterClrMapping/>
+  </p:clrMapOvr>
+</p:notes>
+</file>
+
+<file path=ppt/notesSlides/notesSlide6.xml><?xml version="1.0" encoding="utf-8"?>
+<p:notes xmlns:a="http://schemas.openxmlformats.org/drawingml/2006/main" xmlns:r="http://schemas.openxmlformats.org/officeDocument/2006/relationships" xmlns:p="http://schemas.openxmlformats.org/presentationml/2006/main">
+  <p:cSld>
+    <p:spTree>
+      <p:nvGrpSpPr>
+        <p:cNvPr id="1" name=""/>
+        <p:cNvGrpSpPr/>
+        <p:nvPr/>
+      </p:nvGrpSpPr>
+      <p:grpSpPr>
+        <a:xfrm>
+          <a:off x="0" y="0"/>
+          <a:ext cx="0" cy="0"/>
+          <a:chOff x="0" y="0"/>
+          <a:chExt cx="0" cy="0"/>
+        </a:xfrm>
+      </p:grpSpPr>
+      <p:sp>
+        <p:nvSpPr>
+          <p:cNvPr id="2" name="Slide Image Placeholder 1"/>
+          <p:cNvSpPr>
+            <a:spLocks noGrp="1" noRot="1" noChangeAspect="1"/>
+          </p:cNvSpPr>
+          <p:nvPr>
+            <p:ph type="sldImg"/>
+          </p:nvPr>
+        </p:nvSpPr>
+        <p:spPr/>
+      </p:sp>
+      <p:sp>
+        <p:nvSpPr>
+          <p:cNvPr id="3" name="Notes Placeholder 2"/>
+          <p:cNvSpPr>
+            <a:spLocks noGrp="1"/>
+          </p:cNvSpPr>
+          <p:nvPr>
+            <p:ph type="body" idx="1"/>
+          </p:nvPr>
+        </p:nvSpPr>
+        <p:spPr/>
+        <p:txBody>
+          <a:bodyPr/>
+          <a:lstStyle/>
+          <a:p>
+            <a:r>
+              <a:rPr lang="en-US" dirty="0" smtClean="0"/>
+              <a:t>Distributed Computing Trade-offs: Communication overhead impacts performance at small scales.</a:t>
+            </a:r>
+          </a:p>
+          <a:p>
+            <a:r>
+              <a:rPr lang="en-US" dirty="0" smtClean="0"/>
+              <a:t>Single Point of Failure Challenge: Coordinator node needs redundancy.</a:t>
+            </a:r>
+          </a:p>
+          <a:p>
+            <a:r>
+              <a:rPr lang="en-US" dirty="0" smtClean="0"/>
+              <a:t>Effectiveness of Docker for Simulation: Useful but requires real multi-node deployment for validation.</a:t>
+            </a:r>
+          </a:p>
+          <a:p>
+            <a:r>
+              <a:rPr lang="en-US" dirty="0" smtClean="0"/>
+              <a:t>Algorithm Efficiency: Strassen’s Algorithm worked but required optimization for distributed execution.</a:t>
+            </a:r>
+          </a:p>
+          <a:p>
+            <a:r>
+              <a:rPr lang="en-US" dirty="0" smtClean="0"/>
+              <a:t>Load Balancing Issues: Coordination overhead limited linear scalability with more worker nodes.</a:t>
+            </a:r>
+          </a:p>
+          <a:p>
+            <a:endParaRPr lang="en-US" dirty="0"/>
+          </a:p>
+        </p:txBody>
+      </p:sp>
+      <p:sp>
+        <p:nvSpPr>
+          <p:cNvPr id="4" name="Slide Number Placeholder 3"/>
+          <p:cNvSpPr>
+            <a:spLocks noGrp="1"/>
+          </p:cNvSpPr>
+          <p:nvPr>
+            <p:ph type="sldNum" sz="quarter" idx="10"/>
+          </p:nvPr>
+        </p:nvSpPr>
+        <p:spPr/>
+        <p:txBody>
+          <a:bodyPr/>
+          <a:lstStyle/>
+          <a:p>
+            <a:fld id="{E5ED95D1-4C73-444C-BDB4-A4B5150725E4}" type="slidenum">
+              <a:rPr lang="en-US" smtClean="0"/>
+              <a:t>11</a:t>
+            </a:fld>
+            <a:endParaRPr lang="en-US"/>
+          </a:p>
+        </p:txBody>
+      </p:sp>
+    </p:spTree>
+    <p:extLst>
+      <p:ext uri="{BB962C8B-B14F-4D97-AF65-F5344CB8AC3E}">
+        <p14:creationId xmlns:p14="http://schemas.microsoft.com/office/powerpoint/2010/main" val="2875790880"/>
+      </p:ext>
+    </p:extLst>
+  </p:cSld>
+  <p:clrMapOvr>
+    <a:masterClrMapping/>
+  </p:clrMapOvr>
+</p:notes>
+</file>
+
+<file path=ppt/notesSlides/notesSlide7.xml><?xml version="1.0" encoding="utf-8"?>
+<p:notes xmlns:a="http://schemas.openxmlformats.org/drawingml/2006/main" xmlns:r="http://schemas.openxmlformats.org/officeDocument/2006/relationships" xmlns:p="http://schemas.openxmlformats.org/presentationml/2006/main">
+  <p:cSld>
+    <p:spTree>
+      <p:nvGrpSpPr>
+        <p:cNvPr id="1" name=""/>
+        <p:cNvGrpSpPr/>
+        <p:nvPr/>
+      </p:nvGrpSpPr>
+      <p:grpSpPr>
+        <a:xfrm>
+          <a:off x="0" y="0"/>
+          <a:ext cx="0" cy="0"/>
+          <a:chOff x="0" y="0"/>
+          <a:chExt cx="0" cy="0"/>
+        </a:xfrm>
+      </p:grpSpPr>
+      <p:sp>
+        <p:nvSpPr>
+          <p:cNvPr id="2" name="Slide Image Placeholder 1"/>
+          <p:cNvSpPr>
+            <a:spLocks noGrp="1" noRot="1" noChangeAspect="1"/>
+          </p:cNvSpPr>
+          <p:nvPr>
+            <p:ph type="sldImg"/>
+          </p:nvPr>
+        </p:nvSpPr>
+        <p:spPr/>
+      </p:sp>
+      <p:sp>
+        <p:nvSpPr>
+          <p:cNvPr id="3" name="Notes Placeholder 2"/>
+          <p:cNvSpPr>
+            <a:spLocks noGrp="1"/>
+          </p:cNvSpPr>
+          <p:nvPr>
+            <p:ph type="body" idx="1"/>
+          </p:nvPr>
+        </p:nvSpPr>
+        <p:spPr/>
+        <p:txBody>
+          <a:bodyPr/>
+          <a:lstStyle/>
+          <a:p>
+            <a:r>
+              <a:rPr lang="en-US" sz="1200" dirty="0" smtClean="0"/>
+              <a:t>Our single</a:t>
+            </a:r>
+            <a:r>
+              <a:rPr lang="en-US" sz="1200" baseline="0" dirty="0" smtClean="0"/>
+              <a:t> coordinator setup severely bottlenecks the system in the case of a local failure. </a:t>
+            </a:r>
+            <a:r>
+              <a:rPr lang="en-US" sz="1200" b="0" i="0" u="none" strike="noStrike" kern="1200" baseline="0" dirty="0" smtClean="0">
+                <a:solidFill>
+                  <a:schemeClr val="tx1"/>
+                </a:solidFill>
+                <a:latin typeface="+mn-lt"/>
+                <a:ea typeface="+mn-ea"/>
+                <a:cs typeface="+mn-cs"/>
+              </a:rPr>
+              <a:t>To address the reliability concerns of a coordinator failing, a pool of coordinators could be used, with systems such as </a:t>
+            </a:r>
+            <a:r>
+              <a:rPr lang="en-US" sz="1200" b="0" i="0" u="none" strike="noStrike" kern="1200" baseline="0" dirty="0" err="1" smtClean="0">
+                <a:solidFill>
+                  <a:schemeClr val="tx1"/>
+                </a:solidFill>
+                <a:latin typeface="+mn-lt"/>
+                <a:ea typeface="+mn-ea"/>
+                <a:cs typeface="+mn-cs"/>
+              </a:rPr>
+              <a:t>Paxos</a:t>
+            </a:r>
+            <a:r>
+              <a:rPr lang="en-US" sz="1200" b="0" i="0" u="none" strike="noStrike" kern="1200" baseline="0" dirty="0" smtClean="0">
+                <a:solidFill>
+                  <a:schemeClr val="tx1"/>
+                </a:solidFill>
+                <a:latin typeface="+mn-lt"/>
+                <a:ea typeface="+mn-ea"/>
+                <a:cs typeface="+mn-cs"/>
+              </a:rPr>
+              <a:t>,</a:t>
+            </a:r>
+          </a:p>
+          <a:p>
+            <a:r>
+              <a:rPr lang="en-US" sz="1200" b="0" i="0" u="none" strike="noStrike" kern="1200" baseline="0" dirty="0" smtClean="0">
+                <a:solidFill>
+                  <a:schemeClr val="tx1"/>
+                </a:solidFill>
+                <a:latin typeface="+mn-lt"/>
+                <a:ea typeface="+mn-ea"/>
+                <a:cs typeface="+mn-cs"/>
+              </a:rPr>
+              <a:t>Raft, or </a:t>
+            </a:r>
+            <a:r>
+              <a:rPr lang="en-US" sz="1200" b="0" i="0" u="none" strike="noStrike" kern="1200" baseline="0" dirty="0" err="1" smtClean="0">
+                <a:solidFill>
+                  <a:schemeClr val="tx1"/>
+                </a:solidFill>
+                <a:latin typeface="+mn-lt"/>
+                <a:ea typeface="+mn-ea"/>
+                <a:cs typeface="+mn-cs"/>
+              </a:rPr>
+              <a:t>ZooKeeper</a:t>
+            </a:r>
+            <a:r>
+              <a:rPr lang="en-US" sz="1200" b="0" i="0" u="none" strike="noStrike" kern="1200" baseline="0" dirty="0" smtClean="0">
+                <a:solidFill>
+                  <a:schemeClr val="tx1"/>
+                </a:solidFill>
+                <a:latin typeface="+mn-lt"/>
+                <a:ea typeface="+mn-ea"/>
+                <a:cs typeface="+mn-cs"/>
+              </a:rPr>
+              <a:t> or another way to achieve is use hierarchical architecture to address the performance bottleneck of a single coordinator system.</a:t>
+            </a:r>
+          </a:p>
+          <a:p>
             <a:pPr marL="0" marR="0" indent="0" algn="l" defTabSz="914400" rtl="0" eaLnBrk="1" fontAlgn="auto" latinLnBrk="0" hangingPunct="1">
               <a:lnSpc>
                 <a:spcPct val="100000"/>
@@ -666,7 +1260,19 @@
             </a:pPr>
             <a:r>
               <a:rPr lang="en-US" sz="1200" dirty="0" smtClean="0"/>
-              <a:t>Implement a redundant coordinator or leader election algorithm.</a:t>
+              <a:t>To improve communication efficiency,</a:t>
+            </a:r>
+            <a:r>
+              <a:rPr lang="en-US" sz="1200" baseline="0" dirty="0" smtClean="0"/>
+              <a:t> we could </a:t>
+            </a:r>
+            <a:r>
+              <a:rPr lang="en-US" sz="1200" dirty="0" smtClean="0"/>
+              <a:t>Optimize </a:t>
+            </a:r>
+            <a:r>
+              <a:rPr lang="en-US" sz="1200" dirty="0" smtClean="0"/>
+              <a:t>data serialization and use asynchronous communication.</a:t>
             </a:r>
           </a:p>
           <a:p>
@@ -689,73 +1295,20 @@
             </a:pPr>
             <a:r>
               <a:rPr lang="en-US" sz="1200" dirty="0" smtClean="0"/>
-              <a:t>Implement dynamic task allocation and explore adaptive scheduling.</a:t>
-            </a:r>
-          </a:p>
-          <a:p>
-            <a:pPr marL="0" marR="0" indent="0" algn="l" defTabSz="914400" rtl="0" eaLnBrk="1" fontAlgn="auto" latinLnBrk="0" hangingPunct="1">
-              <a:lnSpc>
-                <a:spcPct val="100000"/>
-              </a:lnSpc>
-              <a:spcBef>
-                <a:spcPts val="0"/>
-              </a:spcBef>
-              <a:spcAft>
-                <a:spcPts val="0"/>
-              </a:spcAft>
-              <a:buClrTx/>
-              <a:buSzTx/>
-              <a:buFontTx/>
-              <a:buNone/>
-              <a:tabLst/>
-              <a:defRPr/>
-            </a:pPr>
-            <a:r>
-              <a:rPr lang="en-US" sz="1200" dirty="0" smtClean="0"/>
-              <a:t>Optimize data serialization and use asynchronous communication.</a:t>
-            </a:r>
-          </a:p>
-          <a:p>
-            <a:pPr marL="0" marR="0" indent="0" algn="l" defTabSz="914400" rtl="0" eaLnBrk="1" fontAlgn="auto" latinLnBrk="0" hangingPunct="1">
-              <a:lnSpc>
-                <a:spcPct val="100000"/>
-              </a:lnSpc>
-              <a:spcBef>
-                <a:spcPts val="0"/>
-              </a:spcBef>
-              <a:spcAft>
-                <a:spcPts val="0"/>
-              </a:spcAft>
-              <a:buClrTx/>
-              <a:buSzTx/>
-              <a:buFontTx/>
-              <a:buNone/>
-              <a:tabLst/>
-              <a:defRPr/>
-            </a:pPr>
-            <a:r>
-              <a:rPr lang="en-US" sz="1200" dirty="0" smtClean="0"/>
-              <a:t>Move beyond Docker and test in a cloud-based distributed cluster.</a:t>
-            </a:r>
-          </a:p>
-          <a:p>
-            <a:pPr marL="0" marR="0" indent="0" algn="l" defTabSz="914400" rtl="0" eaLnBrk="1" fontAlgn="auto" latinLnBrk="0" hangingPunct="1">
-              <a:lnSpc>
-                <a:spcPct val="100000"/>
-              </a:lnSpc>
-              <a:spcBef>
-                <a:spcPts val="0"/>
-              </a:spcBef>
-              <a:spcAft>
-                <a:spcPts val="0"/>
-              </a:spcAft>
-              <a:buClrTx/>
-              <a:buSzTx/>
-              <a:buFontTx/>
-              <a:buNone/>
-              <a:tabLst/>
-              <a:defRPr/>
-            </a:pPr>
+              <a:t>Our</a:t>
+            </a:r>
+            <a:r>
+              <a:rPr lang="en-US" sz="1200" baseline="0" dirty="0" smtClean="0"/>
+              <a:t> current </a:t>
+            </a:r>
+            <a:r>
+              <a:rPr lang="en-US" sz="1200" baseline="0" dirty="0" err="1" smtClean="0"/>
+              <a:t>sytem</a:t>
+            </a:r>
+            <a:r>
+              <a:rPr lang="en-US" sz="1200" baseline="0" dirty="0" smtClean="0"/>
+              <a:t> is not fault tolerant, as in the event of a failure in a worker node, the coordinator remains unaware and the worker doesn’t compute the task as expected. Future work includes researching a way to implement fault tolerance of a worker node.</a:t>
+            </a:r>
             <a:endParaRPr lang="en-US" sz="1200" dirty="0" smtClean="0"/>
           </a:p>
           <a:p>
@@ -7223,39 +7776,6 @@
           <a:p>
             <a:r>
               <a:rPr sz="2800" dirty="0" smtClean="0"/>
-              <a:t>Optimized </a:t>
-            </a:r>
-            <a:r>
-              <a:rPr sz="2800" dirty="0"/>
-              <a:t>Load Balancing </a:t>
-            </a:r>
-            <a:r>
-              <a:rPr sz="2800" dirty="0" smtClean="0"/>
-              <a:t>Strategies</a:t>
-            </a:r>
-            <a:endParaRPr lang="en-US" sz="2800" dirty="0" smtClean="0"/>
-          </a:p>
-          <a:p>
-            <a:r>
-              <a:rPr sz="2800" dirty="0" smtClean="0"/>
-              <a:t>Alternative </a:t>
-            </a:r>
-            <a:r>
-              <a:rPr sz="2800" dirty="0"/>
-              <a:t>Matrix Computation </a:t>
-            </a:r>
-            <a:r>
-              <a:rPr sz="2800" dirty="0" smtClean="0"/>
-              <a:t>Methods</a:t>
-            </a:r>
-            <a:r>
-              <a:rPr lang="en-US" sz="2800" dirty="0" smtClean="0"/>
-              <a:t> </a:t>
-            </a:r>
-          </a:p>
-          <a:p>
-            <a:r>
-              <a:rPr sz="2800" dirty="0" smtClean="0"/>
               <a:t>Improving </a:t>
             </a:r>
             <a:r>
@@ -8636,11 +9156,11 @@
                 </a:r>
                 <a:r>
                   <a:rPr lang="en-US" sz="2800" dirty="0"/>
-                  <a:t>handling with redundancy </a:t>
+                  <a:t>handling with </a:t>
                 </a:r>
                 <a:r>
                   <a:rPr lang="en-US" sz="2800" dirty="0" smtClean="0"/>
-                  <a:t>mechanisms</a:t>
+                  <a:t>retry mechanisms</a:t>
                 </a:r>
                 <a:endParaRPr lang="en-US" sz="2800" dirty="0" smtClean="0"/>
               </a:p>
@@ -8808,7 +9328,7 @@
                 <a:ext cx="6347714" cy="3880773"/>
               </a:xfrm>
               <a:blipFill>
-                <a:blip r:embed="rId2"/>
+                <a:blip r:embed="rId3"/>
                 <a:stretch>
                   <a:fillRect l="-1153" t="-2512"/>
                 </a:stretch>
